--- a/slides/TP557_7_Regressão_com_DNNs_parte_I.pptx
+++ b/slides/TP557_7_Regressão_com_DNNs_parte_I.pptx
@@ -14376,8 +14376,8 @@
           </a:p>
         </p:txBody>
       </p:sp>
-      <mc:AlternateContent xmlns:mc="http://schemas.openxmlformats.org/markup-compatibility/2006">
-        <mc:Choice xmlns:a14="http://schemas.microsoft.com/office/drawing/2010/main" Requires="a14">
+      <mc:AlternateContent xmlns:mc="http://schemas.openxmlformats.org/markup-compatibility/2006" xmlns:a14="http://schemas.microsoft.com/office/drawing/2010/main">
+        <mc:Choice Requires="a14">
           <p:sp>
             <p:nvSpPr>
               <p:cNvPr id="3" name="Espaço Reservado para Conteúdo 2">
@@ -14539,7 +14539,7 @@
             </p:txBody>
           </p:sp>
         </mc:Choice>
-        <mc:Fallback>
+        <mc:Fallback xmlns="">
           <p:sp>
             <p:nvSpPr>
               <p:cNvPr id="3" name="Espaço Reservado para Conteúdo 2">
@@ -17646,8 +17646,8 @@
           </a:p>
         </p:txBody>
       </p:sp>
-      <mc:AlternateContent xmlns:mc="http://schemas.openxmlformats.org/markup-compatibility/2006">
-        <mc:Choice xmlns:a14="http://schemas.microsoft.com/office/drawing/2010/main" Requires="a14">
+      <mc:AlternateContent xmlns:mc="http://schemas.openxmlformats.org/markup-compatibility/2006" xmlns:a14="http://schemas.microsoft.com/office/drawing/2010/main">
+        <mc:Choice Requires="a14">
           <p:sp>
             <p:nvSpPr>
               <p:cNvPr id="3" name="Espaço Reservado para Conteúdo 2">
@@ -17777,7 +17777,7 @@
             </p:txBody>
           </p:sp>
         </mc:Choice>
-        <mc:Fallback>
+        <mc:Fallback xmlns="">
           <p:sp>
             <p:nvSpPr>
               <p:cNvPr id="3" name="Espaço Reservado para Conteúdo 2">
@@ -19300,8 +19300,8 @@
           </a:p>
         </p:txBody>
       </p:sp>
-      <mc:AlternateContent xmlns:mc="http://schemas.openxmlformats.org/markup-compatibility/2006">
-        <mc:Choice xmlns:a14="http://schemas.microsoft.com/office/drawing/2010/main" Requires="a14">
+      <mc:AlternateContent xmlns:mc="http://schemas.openxmlformats.org/markup-compatibility/2006" xmlns:a14="http://schemas.microsoft.com/office/drawing/2010/main">
+        <mc:Choice Requires="a14">
           <p:sp>
             <p:nvSpPr>
               <p:cNvPr id="3" name="Espaço Reservado para Conteúdo 2">
@@ -19490,7 +19490,7 @@
             </p:txBody>
           </p:sp>
         </mc:Choice>
-        <mc:Fallback>
+        <mc:Fallback xmlns="">
           <p:sp>
             <p:nvSpPr>
               <p:cNvPr id="3" name="Espaço Reservado para Conteúdo 2">
@@ -19894,8 +19894,8 @@
           </mc:Fallback>
         </mc:AlternateContent>
       </p:grpSp>
-      <mc:AlternateContent xmlns:mc="http://schemas.openxmlformats.org/markup-compatibility/2006">
-        <mc:Choice xmlns:a14="http://schemas.microsoft.com/office/drawing/2010/main" Requires="a14">
+      <mc:AlternateContent xmlns:mc="http://schemas.openxmlformats.org/markup-compatibility/2006" xmlns:a14="http://schemas.microsoft.com/office/drawing/2010/main">
+        <mc:Choice Requires="a14">
           <p:sp>
             <p:nvSpPr>
               <p:cNvPr id="5" name="CaixaDeTexto 4">
@@ -19945,7 +19945,7 @@
             </p:txBody>
           </p:sp>
         </mc:Choice>
-        <mc:Fallback>
+        <mc:Fallback xmlns="">
           <p:sp>
             <p:nvSpPr>
               <p:cNvPr id="5" name="CaixaDeTexto 4">
@@ -20031,8 +20031,8 @@
           </a:fontRef>
         </p:style>
       </p:cxnSp>
-      <mc:AlternateContent xmlns:mc="http://schemas.openxmlformats.org/markup-compatibility/2006">
-        <mc:Choice xmlns:a14="http://schemas.microsoft.com/office/drawing/2010/main" Requires="a14">
+      <mc:AlternateContent xmlns:mc="http://schemas.openxmlformats.org/markup-compatibility/2006" xmlns:a14="http://schemas.microsoft.com/office/drawing/2010/main">
+        <mc:Choice Requires="a14">
           <p:sp>
             <p:nvSpPr>
               <p:cNvPr id="13" name="CaixaDeTexto 12">
@@ -20082,7 +20082,7 @@
             </p:txBody>
           </p:sp>
         </mc:Choice>
-        <mc:Fallback>
+        <mc:Fallback xmlns="">
           <p:sp>
             <p:nvSpPr>
               <p:cNvPr id="13" name="CaixaDeTexto 12">
@@ -20127,8 +20127,8 @@
           </p:sp>
         </mc:Fallback>
       </mc:AlternateContent>
-      <mc:AlternateContent xmlns:mc="http://schemas.openxmlformats.org/markup-compatibility/2006">
-        <mc:Choice xmlns:a14="http://schemas.microsoft.com/office/drawing/2010/main" Requires="a14">
+      <mc:AlternateContent xmlns:mc="http://schemas.openxmlformats.org/markup-compatibility/2006" xmlns:a14="http://schemas.microsoft.com/office/drawing/2010/main">
+        <mc:Choice Requires="a14">
           <p:sp>
             <p:nvSpPr>
               <p:cNvPr id="14" name="CaixaDeTexto 13">
@@ -20214,7 +20214,7 @@
             </p:txBody>
           </p:sp>
         </mc:Choice>
-        <mc:Fallback>
+        <mc:Fallback xmlns="">
           <p:sp>
             <p:nvSpPr>
               <p:cNvPr id="14" name="CaixaDeTexto 13">
@@ -23635,7 +23635,7 @@
         </p:spPr>
         <p:txBody>
           <a:bodyPr>
-            <a:normAutofit/>
+            <a:normAutofit fontScale="92500"/>
           </a:bodyPr>
           <a:lstStyle/>
           <a:p>
@@ -23679,7 +23679,23 @@
                   <a:schemeClr val="tx1"/>
                 </a:solidFill>
               </a:rPr>
-              <a:t>O que ele faz é atualizar iterativamente </a:t>
+              <a:t>O que ele faz é atualizar </a:t>
+            </a:r>
+            <a:r>
+              <a:rPr lang="pt-BR" b="1" i="1" dirty="0">
+                <a:solidFill>
+                  <a:srgbClr val="00B050"/>
+                </a:solidFill>
+              </a:rPr>
+              <a:t>iterativamente</a:t>
+            </a:r>
+            <a:r>
+              <a:rPr lang="pt-BR" dirty="0">
+                <a:solidFill>
+                  <a:schemeClr val="tx1"/>
+                </a:solidFill>
+              </a:rPr>
+              <a:t> </a:t>
             </a:r>
             <a:r>
               <a:rPr lang="pt-BR" dirty="0"/>
@@ -23719,7 +23735,15 @@
             </a:r>
             <a:r>
               <a:rPr lang="pt-BR" dirty="0"/>
-              <a:t> representa uma passagem completa pelo conjunto de treinamento </a:t>
+              <a:t> representa </a:t>
+            </a:r>
+            <a:r>
+              <a:rPr lang="pt-BR" b="1" i="1" dirty="0">
+                <a:solidFill>
+                  <a:srgbClr val="00B050"/>
+                </a:solidFill>
+              </a:rPr>
+              <a:t>uma passagem completa pelo conjunto de treinamento </a:t>
             </a:r>
             <a:r>
               <a:rPr lang="pt-BR" b="0" i="0" dirty="0">
@@ -25257,7 +25281,22 @@
               <a:rPr lang="pt-BR" b="0" i="0" dirty="0">
                 <a:effectLst/>
               </a:rPr>
-              <a:t>representa o número de atualizações de pesos que ocorrem durante o treinamento do modelo no conjunto de treinamento.</a:t>
+              <a:t>representa o </a:t>
+            </a:r>
+            <a:r>
+              <a:rPr lang="pt-BR" b="1" i="1" dirty="0">
+                <a:solidFill>
+                  <a:srgbClr val="00B050"/>
+                </a:solidFill>
+                <a:effectLst/>
+              </a:rPr>
+              <a:t>número de atualizações de pesos </a:t>
+            </a:r>
+            <a:r>
+              <a:rPr lang="pt-BR" b="0" i="0" dirty="0">
+                <a:effectLst/>
+              </a:rPr>
+              <a:t>que ocorrem durante o treinamento do modelo no conjunto de treinamento.</a:t>
             </a:r>
           </a:p>
           <a:p>
@@ -25293,7 +25332,22 @@
               <a:rPr lang="pt-BR" b="0" i="0" dirty="0">
                 <a:effectLst/>
               </a:rPr>
-              <a:t> de 100 exemplos, então uma época é composta por 10 iterações.</a:t>
+              <a:t> de 100 exemplos, então uma época é composta por 10 iterações, i.e., os </a:t>
+            </a:r>
+            <a:r>
+              <a:rPr lang="pt-BR" b="1" i="1" dirty="0">
+                <a:solidFill>
+                  <a:srgbClr val="00B050"/>
+                </a:solidFill>
+                <a:effectLst/>
+              </a:rPr>
+              <a:t>pesos são atualizados 10 vezes</a:t>
+            </a:r>
+            <a:r>
+              <a:rPr lang="pt-BR" b="0" i="0" dirty="0">
+                <a:effectLst/>
+              </a:rPr>
+              <a:t>.</a:t>
             </a:r>
           </a:p>
           <a:p>
@@ -26791,85 +26845,171 @@
           </a:p>
         </p:txBody>
       </p:sp>
-      <p:sp>
-        <p:nvSpPr>
-          <p:cNvPr id="3" name="Espaço Reservado para Conteúdo 2">
-            <a:extLst>
-              <a:ext uri="{FF2B5EF4-FFF2-40B4-BE49-F238E27FC236}">
-                <a16:creationId xmlns:a16="http://schemas.microsoft.com/office/drawing/2014/main" id="{5271C2DB-CB2D-7DA6-19D3-EA05C00F9996}"/>
-              </a:ext>
-            </a:extLst>
-          </p:cNvPr>
-          <p:cNvSpPr>
-            <a:spLocks noGrp="1"/>
-          </p:cNvSpPr>
-          <p:nvPr>
-            <p:ph idx="1"/>
-          </p:nvPr>
-        </p:nvSpPr>
-        <p:spPr>
-          <a:xfrm>
-            <a:off x="838200" y="4506686"/>
-            <a:ext cx="11234058" cy="2351313"/>
-          </a:xfrm>
-        </p:spPr>
-        <p:txBody>
-          <a:bodyPr>
-            <a:normAutofit/>
-          </a:bodyPr>
-          <a:lstStyle/>
-          <a:p>
-            <a:r>
-              <a:rPr lang="pt-BR" dirty="0"/>
-              <a:t>O tamanho do </a:t>
-            </a:r>
-            <a:r>
-              <a:rPr lang="pt-BR" i="1" dirty="0" err="1"/>
-              <a:t>mini-batch</a:t>
-            </a:r>
-            <a:r>
-              <a:rPr lang="pt-BR" dirty="0"/>
-              <a:t> é definido através do parâmetro </a:t>
-            </a:r>
-            <a:r>
-              <a:rPr lang="pt-BR" b="1" i="1" dirty="0" err="1">
-                <a:solidFill>
-                  <a:srgbClr val="00B050"/>
-                </a:solidFill>
-              </a:rPr>
-              <a:t>batch_size</a:t>
-            </a:r>
-            <a:r>
-              <a:rPr lang="pt-BR" dirty="0"/>
-              <a:t> do método </a:t>
-            </a:r>
-            <a:r>
-              <a:rPr lang="pt-BR" i="1" dirty="0" err="1"/>
-              <a:t>fit</a:t>
-            </a:r>
-            <a:r>
-              <a:rPr lang="pt-BR" i="1" dirty="0"/>
-              <a:t>()</a:t>
-            </a:r>
-            <a:r>
-              <a:rPr lang="pt-BR" dirty="0"/>
-              <a:t>.</a:t>
-            </a:r>
-          </a:p>
-          <a:p>
-            <a:r>
-              <a:rPr lang="pt-BR" dirty="0"/>
-              <a:t>Porém, como no código acima o número de exemplos de treinamento é menor do que o tamanho padrão, 1 iteração se torna igual a 1 época.</a:t>
-            </a:r>
-          </a:p>
-          <a:p>
-            <a:r>
-              <a:rPr lang="pt-BR" dirty="0"/>
-              <a:t>Ou seja, todo os exemplos são usados para se atualizar os pesos.</a:t>
-            </a:r>
-          </a:p>
-        </p:txBody>
-      </p:sp>
+      <mc:AlternateContent xmlns:mc="http://schemas.openxmlformats.org/markup-compatibility/2006">
+        <mc:Choice xmlns:a14="http://schemas.microsoft.com/office/drawing/2010/main" Requires="a14">
+          <p:sp>
+            <p:nvSpPr>
+              <p:cNvPr id="3" name="Espaço Reservado para Conteúdo 2">
+                <a:extLst>
+                  <a:ext uri="{FF2B5EF4-FFF2-40B4-BE49-F238E27FC236}">
+                    <a16:creationId xmlns:a16="http://schemas.microsoft.com/office/drawing/2014/main" id="{5271C2DB-CB2D-7DA6-19D3-EA05C00F9996}"/>
+                  </a:ext>
+                </a:extLst>
+              </p:cNvPr>
+              <p:cNvSpPr>
+                <a:spLocks noGrp="1"/>
+              </p:cNvSpPr>
+              <p:nvPr>
+                <p:ph idx="1"/>
+              </p:nvPr>
+            </p:nvSpPr>
+            <p:spPr>
+              <a:xfrm>
+                <a:off x="838200" y="4506686"/>
+                <a:ext cx="11234058" cy="2351313"/>
+              </a:xfrm>
+            </p:spPr>
+            <p:txBody>
+              <a:bodyPr>
+                <a:normAutofit/>
+              </a:bodyPr>
+              <a:lstStyle/>
+              <a:p>
+                <a:r>
+                  <a:rPr lang="pt-BR" dirty="0"/>
+                  <a:t>O tamanho do </a:t>
+                </a:r>
+                <a:r>
+                  <a:rPr lang="pt-BR" i="1" dirty="0" err="1"/>
+                  <a:t>mini-batch</a:t>
+                </a:r>
+                <a:r>
+                  <a:rPr lang="pt-BR" dirty="0"/>
+                  <a:t> é definido através do parâmetro </a:t>
+                </a:r>
+                <a:r>
+                  <a:rPr lang="pt-BR" b="1" i="1" dirty="0" err="1">
+                    <a:solidFill>
+                      <a:srgbClr val="00B050"/>
+                    </a:solidFill>
+                  </a:rPr>
+                  <a:t>batch_size</a:t>
+                </a:r>
+                <a:r>
+                  <a:rPr lang="pt-BR" dirty="0"/>
+                  <a:t> do método </a:t>
+                </a:r>
+                <a:r>
+                  <a:rPr lang="pt-BR" i="1" dirty="0" err="1"/>
+                  <a:t>fit</a:t>
+                </a:r>
+                <a:r>
+                  <a:rPr lang="pt-BR" i="1" dirty="0"/>
+                  <a:t>()</a:t>
+                </a:r>
+                <a:r>
+                  <a:rPr lang="pt-BR" dirty="0"/>
+                  <a:t>.</a:t>
+                </a:r>
+              </a:p>
+              <a:p>
+                <a:r>
+                  <a:rPr lang="pt-BR" dirty="0"/>
+                  <a:t>Porém, como no código acima o número de exemplos de treinamento é menor do que o tamanho padrão, </a:t>
+                </a:r>
+                <a:r>
+                  <a:rPr lang="pt-BR" b="1" i="1" dirty="0">
+                    <a:solidFill>
+                      <a:srgbClr val="00B050"/>
+                    </a:solidFill>
+                  </a:rPr>
+                  <a:t>1 iteração se torna igual a 1 época</a:t>
+                </a:r>
+                <a:r>
+                  <a:rPr lang="pt-BR" dirty="0"/>
+                  <a:t>.</a:t>
+                </a:r>
+              </a:p>
+              <a:p>
+                <a:r>
+                  <a:rPr lang="pt-BR" dirty="0"/>
+                  <a:t>Ou seja, todo os exemplos são usados para se atualizar os pesos </a:t>
+                </a:r>
+                <a14:m>
+                  <m:oMath xmlns:m="http://schemas.openxmlformats.org/officeDocument/2006/math">
+                    <m:r>
+                      <a:rPr lang="pt-BR" i="1" smtClean="0">
+                        <a:latin typeface="Cambria Math" panose="02040503050406030204" pitchFamily="18" charset="0"/>
+                        <a:ea typeface="Cambria Math" panose="02040503050406030204" pitchFamily="18" charset="0"/>
+                      </a:rPr>
+                      <m:t>→</m:t>
+                    </m:r>
+                  </m:oMath>
+                </a14:m>
+                <a:r>
+                  <a:rPr lang="pt-BR" dirty="0"/>
+                  <a:t> </a:t>
+                </a:r>
+                <a:r>
+                  <a:rPr lang="pt-BR" b="1" dirty="0">
+                    <a:solidFill>
+                      <a:srgbClr val="00B050"/>
+                    </a:solidFill>
+                  </a:rPr>
+                  <a:t>GDB</a:t>
+                </a:r>
+                <a:r>
+                  <a:rPr lang="pt-BR" dirty="0"/>
+                  <a:t>.</a:t>
+                </a:r>
+              </a:p>
+            </p:txBody>
+          </p:sp>
+        </mc:Choice>
+        <mc:Fallback>
+          <p:sp>
+            <p:nvSpPr>
+              <p:cNvPr id="3" name="Espaço Reservado para Conteúdo 2">
+                <a:extLst>
+                  <a:ext uri="{FF2B5EF4-FFF2-40B4-BE49-F238E27FC236}">
+                    <a16:creationId xmlns:a16="http://schemas.microsoft.com/office/drawing/2014/main" id="{5271C2DB-CB2D-7DA6-19D3-EA05C00F9996}"/>
+                  </a:ext>
+                </a:extLst>
+              </p:cNvPr>
+              <p:cNvSpPr>
+                <a:spLocks noGrp="1" noRot="1" noChangeAspect="1" noMove="1" noResize="1" noEditPoints="1" noAdjustHandles="1" noChangeArrowheads="1" noChangeShapeType="1" noTextEdit="1"/>
+              </p:cNvSpPr>
+              <p:nvPr>
+                <p:ph idx="1"/>
+              </p:nvPr>
+            </p:nvSpPr>
+            <p:spPr>
+              <a:xfrm>
+                <a:off x="838200" y="4506686"/>
+                <a:ext cx="11234058" cy="2351313"/>
+              </a:xfrm>
+              <a:blipFill>
+                <a:blip r:embed="rId3"/>
+                <a:stretch>
+                  <a:fillRect l="-977" t="-4145" b="-3627"/>
+                </a:stretch>
+              </a:blipFill>
+            </p:spPr>
+            <p:txBody>
+              <a:bodyPr/>
+              <a:lstStyle/>
+              <a:p>
+                <a:r>
+                  <a:rPr lang="pt-BR">
+                    <a:noFill/>
+                  </a:rPr>
+                  <a:t> </a:t>
+                </a:r>
+              </a:p>
+            </p:txBody>
+          </p:sp>
+        </mc:Fallback>
+      </mc:AlternateContent>
       <p:sp>
         <p:nvSpPr>
           <p:cNvPr id="4" name="CaixaDeTexto 3">
@@ -28379,7 +28519,19 @@
           <a:p>
             <a:r>
               <a:rPr lang="pt-BR" dirty="0"/>
-              <a:t>Cada iteração executa as etapas que discutimos antes: </a:t>
+              <a:t>Cada </a:t>
+            </a:r>
+            <a:r>
+              <a:rPr lang="pt-BR" b="1" i="1" dirty="0">
+                <a:solidFill>
+                  <a:srgbClr val="00B050"/>
+                </a:solidFill>
+              </a:rPr>
+              <a:t>iteração</a:t>
+            </a:r>
+            <a:r>
+              <a:rPr lang="pt-BR" dirty="0"/>
+              <a:t> executa as etapas que discutimos antes: </a:t>
             </a:r>
           </a:p>
           <a:p>
@@ -28399,7 +28551,7 @@
             </a:pPr>
             <a:r>
               <a:rPr lang="pt-BR" dirty="0"/>
-              <a:t>mede-se o erro causado por aquele palpite, </a:t>
+              <a:t>mede-se o erro causado por esse palpite, </a:t>
             </a:r>
           </a:p>
           <a:p>
@@ -28409,7 +28561,7 @@
             </a:pPr>
             <a:r>
               <a:rPr lang="pt-BR" dirty="0"/>
-              <a:t>atualiza-se os pesos,</a:t>
+              <a:t>atualiza-se os pesos usando-se o gradiente do erro,</a:t>
             </a:r>
           </a:p>
           <a:p>
@@ -29950,6 +30102,20 @@
               <a:t> fazer isso por nós.</a:t>
             </a:r>
           </a:p>
+          <a:p>
+            <a:r>
+              <a:rPr lang="pt-BR" dirty="0"/>
+              <a:t>Essa é uma das grandes vantagens do </a:t>
+            </a:r>
+            <a:r>
+              <a:rPr lang="pt-BR" dirty="0" err="1"/>
+              <a:t>TensorFlow</a:t>
+            </a:r>
+            <a:r>
+              <a:rPr lang="pt-BR" dirty="0"/>
+              <a:t>, principalmente quando temos redes neurais profundas.</a:t>
+            </a:r>
+          </a:p>
         </p:txBody>
       </p:sp>
       <p:sp>
@@ -31493,7 +31659,34 @@
               <a:rPr lang="pt-BR" b="0" dirty="0">
                 <a:effectLst/>
               </a:rPr>
-              <a:t> que contém, além de outros parâmetros, um dicionário chamado de </a:t>
+              <a:t>.</a:t>
+            </a:r>
+          </a:p>
+          <a:p>
+            <a:r>
+              <a:rPr lang="pt-BR" dirty="0"/>
+              <a:t>Ele</a:t>
+            </a:r>
+            <a:r>
+              <a:rPr lang="pt-BR" b="0" dirty="0">
+                <a:effectLst/>
+              </a:rPr>
+              <a:t> contém, além de outros parâmetros, um </a:t>
+            </a:r>
+            <a:r>
+              <a:rPr lang="pt-BR" b="1" i="1" dirty="0">
+                <a:solidFill>
+                  <a:srgbClr val="00B050"/>
+                </a:solidFill>
+                <a:effectLst/>
+              </a:rPr>
+              <a:t>dicionário</a:t>
+            </a:r>
+            <a:r>
+              <a:rPr lang="pt-BR" b="0" dirty="0">
+                <a:effectLst/>
+              </a:rPr>
+              <a:t> chamado de </a:t>
             </a:r>
             <a:r>
               <a:rPr lang="pt-BR" b="0" i="1" dirty="0" err="1">
@@ -31509,13 +31702,55 @@
             </a:r>
             <a:r>
               <a:rPr lang="pt-BR" dirty="0"/>
-              <a:t>o erro </a:t>
+              <a:t>o </a:t>
+            </a:r>
+            <a:r>
+              <a:rPr lang="pt-BR" b="1" i="1" dirty="0">
+                <a:solidFill>
+                  <a:srgbClr val="00B050"/>
+                </a:solidFill>
+              </a:rPr>
+              <a:t>erro</a:t>
+            </a:r>
+            <a:r>
+              <a:rPr lang="pt-BR" dirty="0"/>
+              <a:t> </a:t>
             </a:r>
             <a:r>
               <a:rPr lang="pt-BR" b="0" dirty="0">
                 <a:effectLst/>
               </a:rPr>
-              <a:t>e todas as métricas extras medidas ao final de cada época no conjunto de treinamento e no conjunto de validação (se houver).</a:t>
+              <a:t>e </a:t>
+            </a:r>
+            <a:r>
+              <a:rPr lang="pt-BR" b="1" i="1" dirty="0">
+                <a:solidFill>
+                  <a:srgbClr val="00B050"/>
+                </a:solidFill>
+                <a:effectLst/>
+              </a:rPr>
+              <a:t>todas as métricas extras</a:t>
+            </a:r>
+            <a:r>
+              <a:rPr lang="pt-BR" b="0" dirty="0">
+                <a:effectLst/>
+              </a:rPr>
+              <a:t> medidas </a:t>
+            </a:r>
+            <a:r>
+              <a:rPr lang="pt-BR" b="1" i="1" dirty="0">
+                <a:solidFill>
+                  <a:srgbClr val="00B050"/>
+                </a:solidFill>
+                <a:effectLst/>
+              </a:rPr>
+              <a:t>ao final de cada época </a:t>
+            </a:r>
+            <a:r>
+              <a:rPr lang="pt-BR" b="0" dirty="0">
+                <a:effectLst/>
+              </a:rPr>
+              <a:t>no conjunto de treinamento e no conjunto de validação (se houver).</a:t>
             </a:r>
           </a:p>
         </p:txBody>
@@ -34637,8 +34872,8 @@
           </a:p>
         </p:txBody>
       </p:sp>
-      <mc:AlternateContent xmlns:mc="http://schemas.openxmlformats.org/markup-compatibility/2006" xmlns:a14="http://schemas.microsoft.com/office/drawing/2010/main">
-        <mc:Choice Requires="a14">
+      <mc:AlternateContent xmlns:mc="http://schemas.openxmlformats.org/markup-compatibility/2006">
+        <mc:Choice xmlns:a14="http://schemas.microsoft.com/office/drawing/2010/main" Requires="a14">
           <p:sp>
             <p:nvSpPr>
               <p:cNvPr id="3" name="Espaço Reservado para Conteúdo 2">
@@ -34663,7 +34898,7 @@
             </p:spPr>
             <p:txBody>
               <a:bodyPr>
-                <a:normAutofit/>
+                <a:normAutofit fontScale="92500"/>
               </a:bodyPr>
               <a:lstStyle/>
               <a:p>
@@ -34671,7 +34906,7 @@
                   <a:rPr lang="pt-BR" b="0" dirty="0">
                     <a:effectLst/>
                   </a:rPr>
-                  <a:t>Qual valor vocês esperam que seja predito e impresso para uma entrada </a:t>
+                  <a:t>Qual valor seria predito e impresso para </a:t>
                 </a:r>
                 <a14:m>
                   <m:oMath xmlns:m="http://schemas.openxmlformats.org/officeDocument/2006/math">
@@ -34703,7 +34938,117 @@
                   <a:rPr lang="pt-BR" b="0" dirty="0">
                     <a:effectLst/>
                   </a:rPr>
-                  <a:t>Seria 19?</a:t>
+                  <a:t>Sabemos das aulas anteriores que a melhor função hipótese é dada por </a:t>
+                </a:r>
+                <a14:m>
+                  <m:oMath xmlns:m="http://schemas.openxmlformats.org/officeDocument/2006/math">
+                    <m:acc>
+                      <m:accPr>
+                        <m:chr m:val="̂"/>
+                        <m:ctrlPr>
+                          <a:rPr lang="pt-BR" b="0" i="1" smtClean="0">
+                            <a:effectLst/>
+                            <a:latin typeface="Cambria Math" panose="02040503050406030204" pitchFamily="18" charset="0"/>
+                          </a:rPr>
+                        </m:ctrlPr>
+                      </m:accPr>
+                      <m:e>
+                        <m:r>
+                          <a:rPr lang="pt-BR" b="0" i="1" smtClean="0">
+                            <a:effectLst/>
+                            <a:latin typeface="Cambria Math" panose="02040503050406030204" pitchFamily="18" charset="0"/>
+                          </a:rPr>
+                          <m:t>𝑦</m:t>
+                        </m:r>
+                      </m:e>
+                    </m:acc>
+                    <m:r>
+                      <a:rPr lang="pt-BR" b="0" i="1" smtClean="0">
+                        <a:effectLst/>
+                        <a:latin typeface="Cambria Math" panose="02040503050406030204" pitchFamily="18" charset="0"/>
+                      </a:rPr>
+                      <m:t>=−1+2</m:t>
+                    </m:r>
+                    <m:r>
+                      <a:rPr lang="pt-BR" b="0" i="1" smtClean="0">
+                        <a:effectLst/>
+                        <a:latin typeface="Cambria Math" panose="02040503050406030204" pitchFamily="18" charset="0"/>
+                      </a:rPr>
+                      <m:t>𝑥</m:t>
+                    </m:r>
+                  </m:oMath>
+                </a14:m>
+                <a:r>
+                  <a:rPr lang="pt-BR" b="0" dirty="0">
+                    <a:effectLst/>
+                  </a:rPr>
+                  <a:t>. </a:t>
+                </a:r>
+              </a:p>
+              <a:p>
+                <a:r>
+                  <a:rPr lang="pt-BR" b="0" dirty="0">
+                    <a:effectLst/>
+                  </a:rPr>
+                  <a:t>Assim, quando </a:t>
+                </a:r>
+                <a14:m>
+                  <m:oMath xmlns:m="http://schemas.openxmlformats.org/officeDocument/2006/math">
+                    <m:r>
+                      <a:rPr lang="pt-BR" b="0" i="1" smtClean="0">
+                        <a:effectLst/>
+                        <a:latin typeface="Cambria Math" panose="02040503050406030204" pitchFamily="18" charset="0"/>
+                      </a:rPr>
+                      <m:t>𝑥</m:t>
+                    </m:r>
+                    <m:r>
+                      <a:rPr lang="pt-BR" b="0" i="1" smtClean="0">
+                        <a:effectLst/>
+                        <a:latin typeface="Cambria Math" panose="02040503050406030204" pitchFamily="18" charset="0"/>
+                      </a:rPr>
+                      <m:t>=10</m:t>
+                    </m:r>
+                  </m:oMath>
+                </a14:m>
+                <a:r>
+                  <a:rPr lang="pt-BR" b="0" dirty="0">
+                    <a:effectLst/>
+                  </a:rPr>
+                  <a:t>, o valor de </a:t>
+                </a:r>
+                <a14:m>
+                  <m:oMath xmlns:m="http://schemas.openxmlformats.org/officeDocument/2006/math">
+                    <m:acc>
+                      <m:accPr>
+                        <m:chr m:val="̂"/>
+                        <m:ctrlPr>
+                          <a:rPr lang="pt-BR" i="1">
+                            <a:latin typeface="Cambria Math" panose="02040503050406030204" pitchFamily="18" charset="0"/>
+                          </a:rPr>
+                        </m:ctrlPr>
+                      </m:accPr>
+                      <m:e>
+                        <m:r>
+                          <a:rPr lang="pt-BR" i="1">
+                            <a:latin typeface="Cambria Math" panose="02040503050406030204" pitchFamily="18" charset="0"/>
+                          </a:rPr>
+                          <m:t>𝑦</m:t>
+                        </m:r>
+                      </m:e>
+                    </m:acc>
+                    <m:r>
+                      <a:rPr lang="pt-BR" i="1">
+                        <a:latin typeface="Cambria Math" panose="02040503050406030204" pitchFamily="18" charset="0"/>
+                      </a:rPr>
+                      <m:t> </m:t>
+                    </m:r>
+                  </m:oMath>
+                </a14:m>
+                <a:r>
+                  <a:rPr lang="pt-BR" b="0" dirty="0">
+                    <a:effectLst/>
+                  </a:rPr>
+                  <a:t>deveria ser 19. Correto?</a:t>
                 </a:r>
               </a:p>
               <a:p>
@@ -34721,7 +35066,7 @@
             </p:txBody>
           </p:sp>
         </mc:Choice>
-        <mc:Fallback xmlns="">
+        <mc:Fallback>
           <p:sp>
             <p:nvSpPr>
               <p:cNvPr id="3" name="Espaço Reservado para Conteúdo 2">
@@ -34746,7 +35091,7 @@
               <a:blipFill>
                 <a:blip r:embed="rId3"/>
                 <a:stretch>
-                  <a:fillRect l="-977" t="-4145" b="-3627"/>
+                  <a:fillRect l="-869" t="-3886" b="-2850"/>
                 </a:stretch>
               </a:blipFill>
             </p:spPr>
@@ -36800,8 +37145,8 @@
           </a:p>
         </p:txBody>
       </p:sp>
-      <mc:AlternateContent xmlns:mc="http://schemas.openxmlformats.org/markup-compatibility/2006">
-        <mc:Choice xmlns:a14="http://schemas.microsoft.com/office/drawing/2010/main" Requires="a14">
+      <mc:AlternateContent xmlns:mc="http://schemas.openxmlformats.org/markup-compatibility/2006" xmlns:a14="http://schemas.microsoft.com/office/drawing/2010/main">
+        <mc:Choice Requires="a14">
           <p:sp>
             <p:nvSpPr>
               <p:cNvPr id="3" name="Espaço Reservado para Conteúdo 2">
@@ -36932,7 +37277,7 @@
             </p:txBody>
           </p:sp>
         </mc:Choice>
-        <mc:Fallback>
+        <mc:Fallback xmlns="">
           <p:sp>
             <p:nvSpPr>
               <p:cNvPr id="3" name="Espaço Reservado para Conteúdo 2">
@@ -41598,8 +41943,8 @@
             </a:prstGeom>
           </p:spPr>
         </p:pic>
-        <mc:AlternateContent xmlns:mc="http://schemas.openxmlformats.org/markup-compatibility/2006">
-          <mc:Choice xmlns:a14="http://schemas.microsoft.com/office/drawing/2010/main" Requires="a14">
+        <mc:AlternateContent xmlns:mc="http://schemas.openxmlformats.org/markup-compatibility/2006" xmlns:a14="http://schemas.microsoft.com/office/drawing/2010/main">
+          <mc:Choice Requires="a14">
             <p:sp>
               <p:nvSpPr>
                 <p:cNvPr id="13" name="CaixaDeTexto 12">
@@ -41668,7 +42013,7 @@
               </p:txBody>
             </p:sp>
           </mc:Choice>
-          <mc:Fallback>
+          <mc:Fallback xmlns="">
             <p:sp>
               <p:nvSpPr>
                 <p:cNvPr id="13" name="CaixaDeTexto 12">
@@ -41713,8 +42058,8 @@
             </p:sp>
           </mc:Fallback>
         </mc:AlternateContent>
-        <mc:AlternateContent xmlns:mc="http://schemas.openxmlformats.org/markup-compatibility/2006">
-          <mc:Choice xmlns:a14="http://schemas.microsoft.com/office/drawing/2010/main" Requires="a14">
+        <mc:AlternateContent xmlns:mc="http://schemas.openxmlformats.org/markup-compatibility/2006" xmlns:a14="http://schemas.microsoft.com/office/drawing/2010/main">
+          <mc:Choice Requires="a14">
             <p:sp>
               <p:nvSpPr>
                 <p:cNvPr id="14" name="CaixaDeTexto 13">
@@ -41783,7 +42128,7 @@
               </p:txBody>
             </p:sp>
           </mc:Choice>
-          <mc:Fallback>
+          <mc:Fallback xmlns="">
             <p:sp>
               <p:nvSpPr>
                 <p:cNvPr id="14" name="CaixaDeTexto 13">
@@ -41828,8 +42173,8 @@
             </p:sp>
           </mc:Fallback>
         </mc:AlternateContent>
-        <mc:AlternateContent xmlns:mc="http://schemas.openxmlformats.org/markup-compatibility/2006">
-          <mc:Choice xmlns:a14="http://schemas.microsoft.com/office/drawing/2010/main" Requires="a14">
+        <mc:AlternateContent xmlns:mc="http://schemas.openxmlformats.org/markup-compatibility/2006" xmlns:a14="http://schemas.microsoft.com/office/drawing/2010/main">
+          <mc:Choice Requires="a14">
             <p:sp>
               <p:nvSpPr>
                 <p:cNvPr id="15" name="CaixaDeTexto 14">
@@ -41898,7 +42243,7 @@
               </p:txBody>
             </p:sp>
           </mc:Choice>
-          <mc:Fallback>
+          <mc:Fallback xmlns="">
             <p:sp>
               <p:nvSpPr>
                 <p:cNvPr id="15" name="CaixaDeTexto 14">
@@ -41943,8 +42288,8 @@
             </p:sp>
           </mc:Fallback>
         </mc:AlternateContent>
-        <mc:AlternateContent xmlns:mc="http://schemas.openxmlformats.org/markup-compatibility/2006">
-          <mc:Choice xmlns:a14="http://schemas.microsoft.com/office/drawing/2010/main" Requires="a14">
+        <mc:AlternateContent xmlns:mc="http://schemas.openxmlformats.org/markup-compatibility/2006" xmlns:a14="http://schemas.microsoft.com/office/drawing/2010/main">
+          <mc:Choice Requires="a14">
             <p:sp>
               <p:nvSpPr>
                 <p:cNvPr id="16" name="CaixaDeTexto 15">
@@ -42013,7 +42358,7 @@
               </p:txBody>
             </p:sp>
           </mc:Choice>
-          <mc:Fallback>
+          <mc:Fallback xmlns="">
             <p:sp>
               <p:nvSpPr>
                 <p:cNvPr id="16" name="CaixaDeTexto 15">
@@ -42058,8 +42403,8 @@
             </p:sp>
           </mc:Fallback>
         </mc:AlternateContent>
-        <mc:AlternateContent xmlns:mc="http://schemas.openxmlformats.org/markup-compatibility/2006">
-          <mc:Choice xmlns:a14="http://schemas.microsoft.com/office/drawing/2010/main" Requires="a14">
+        <mc:AlternateContent xmlns:mc="http://schemas.openxmlformats.org/markup-compatibility/2006" xmlns:a14="http://schemas.microsoft.com/office/drawing/2010/main">
+          <mc:Choice Requires="a14">
             <p:sp>
               <p:nvSpPr>
                 <p:cNvPr id="17" name="CaixaDeTexto 16">
@@ -42128,7 +42473,7 @@
               </p:txBody>
             </p:sp>
           </mc:Choice>
-          <mc:Fallback>
+          <mc:Fallback xmlns="">
             <p:sp>
               <p:nvSpPr>
                 <p:cNvPr id="17" name="CaixaDeTexto 16">
@@ -42173,8 +42518,8 @@
             </p:sp>
           </mc:Fallback>
         </mc:AlternateContent>
-        <mc:AlternateContent xmlns:mc="http://schemas.openxmlformats.org/markup-compatibility/2006">
-          <mc:Choice xmlns:a14="http://schemas.microsoft.com/office/drawing/2010/main" Requires="a14">
+        <mc:AlternateContent xmlns:mc="http://schemas.openxmlformats.org/markup-compatibility/2006" xmlns:a14="http://schemas.microsoft.com/office/drawing/2010/main">
+          <mc:Choice Requires="a14">
             <p:sp>
               <p:nvSpPr>
                 <p:cNvPr id="18" name="CaixaDeTexto 17">
@@ -42243,7 +42588,7 @@
               </p:txBody>
             </p:sp>
           </mc:Choice>
-          <mc:Fallback>
+          <mc:Fallback xmlns="">
             <p:sp>
               <p:nvSpPr>
                 <p:cNvPr id="18" name="CaixaDeTexto 17">
@@ -42288,8 +42633,8 @@
             </p:sp>
           </mc:Fallback>
         </mc:AlternateContent>
-        <mc:AlternateContent xmlns:mc="http://schemas.openxmlformats.org/markup-compatibility/2006">
-          <mc:Choice xmlns:a14="http://schemas.microsoft.com/office/drawing/2010/main" Requires="a14">
+        <mc:AlternateContent xmlns:mc="http://schemas.openxmlformats.org/markup-compatibility/2006" xmlns:a14="http://schemas.microsoft.com/office/drawing/2010/main">
+          <mc:Choice Requires="a14">
             <p:sp>
               <p:nvSpPr>
                 <p:cNvPr id="19" name="CaixaDeTexto 18">
@@ -42320,6 +42665,7 @@
                 </a:bodyPr>
                 <a:lstStyle/>
                 <a:p>
+                  <a:pPr/>
                   <a14:m>
                     <m:oMathPara xmlns:m="http://schemas.openxmlformats.org/officeDocument/2006/math">
                       <m:oMathParaPr>
@@ -42352,7 +42698,7 @@
               </p:txBody>
             </p:sp>
           </mc:Choice>
-          <mc:Fallback>
+          <mc:Fallback xmlns="">
             <p:sp>
               <p:nvSpPr>
                 <p:cNvPr id="19" name="CaixaDeTexto 18">
@@ -42397,8 +42743,8 @@
             </p:sp>
           </mc:Fallback>
         </mc:AlternateContent>
-        <mc:AlternateContent xmlns:mc="http://schemas.openxmlformats.org/markup-compatibility/2006">
-          <mc:Choice xmlns:a14="http://schemas.microsoft.com/office/drawing/2010/main" Requires="a14">
+        <mc:AlternateContent xmlns:mc="http://schemas.openxmlformats.org/markup-compatibility/2006" xmlns:a14="http://schemas.microsoft.com/office/drawing/2010/main">
+          <mc:Choice Requires="a14">
             <p:sp>
               <p:nvSpPr>
                 <p:cNvPr id="21" name="CaixaDeTexto 20">
@@ -42473,7 +42819,7 @@
               </p:txBody>
             </p:sp>
           </mc:Choice>
-          <mc:Fallback>
+          <mc:Fallback xmlns="">
             <p:sp>
               <p:nvSpPr>
                 <p:cNvPr id="21" name="CaixaDeTexto 20">
@@ -42518,8 +42864,8 @@
             </p:sp>
           </mc:Fallback>
         </mc:AlternateContent>
-        <mc:AlternateContent xmlns:mc="http://schemas.openxmlformats.org/markup-compatibility/2006">
-          <mc:Choice xmlns:a14="http://schemas.microsoft.com/office/drawing/2010/main" Requires="a14">
+        <mc:AlternateContent xmlns:mc="http://schemas.openxmlformats.org/markup-compatibility/2006" xmlns:a14="http://schemas.microsoft.com/office/drawing/2010/main">
+          <mc:Choice Requires="a14">
             <p:sp>
               <p:nvSpPr>
                 <p:cNvPr id="22" name="CaixaDeTexto 21">
@@ -42582,13 +42928,7 @@
                               <a:rPr lang="pt-BR" sz="1200" b="0" i="1" smtClean="0">
                                 <a:latin typeface="Cambria Math" panose="02040503050406030204" pitchFamily="18" charset="0"/>
                               </a:rPr>
-                              <m:t>2</m:t>
-                            </m:r>
-                            <m:r>
-                              <a:rPr lang="pt-BR" sz="1200" b="0" i="1" smtClean="0">
-                                <a:latin typeface="Cambria Math" panose="02040503050406030204" pitchFamily="18" charset="0"/>
-                              </a:rPr>
-                              <m:t>1</m:t>
+                              <m:t>21</m:t>
                             </m:r>
                           </m:sub>
                         </m:sSub>
@@ -42600,7 +42940,7 @@
               </p:txBody>
             </p:sp>
           </mc:Choice>
-          <mc:Fallback>
+          <mc:Fallback xmlns="">
             <p:sp>
               <p:nvSpPr>
                 <p:cNvPr id="22" name="CaixaDeTexto 21">
@@ -42645,8 +42985,8 @@
             </p:sp>
           </mc:Fallback>
         </mc:AlternateContent>
-        <mc:AlternateContent xmlns:mc="http://schemas.openxmlformats.org/markup-compatibility/2006">
-          <mc:Choice xmlns:a14="http://schemas.microsoft.com/office/drawing/2010/main" Requires="a14">
+        <mc:AlternateContent xmlns:mc="http://schemas.openxmlformats.org/markup-compatibility/2006" xmlns:a14="http://schemas.microsoft.com/office/drawing/2010/main">
+          <mc:Choice Requires="a14">
             <p:sp>
               <p:nvSpPr>
                 <p:cNvPr id="23" name="CaixaDeTexto 22">
@@ -42709,13 +43049,7 @@
                               <a:rPr lang="pt-BR" sz="1200" b="0" i="1" smtClean="0">
                                 <a:latin typeface="Cambria Math" panose="02040503050406030204" pitchFamily="18" charset="0"/>
                               </a:rPr>
-                              <m:t>3</m:t>
-                            </m:r>
-                            <m:r>
-                              <a:rPr lang="pt-BR" sz="1200" b="0" i="1" smtClean="0">
-                                <a:latin typeface="Cambria Math" panose="02040503050406030204" pitchFamily="18" charset="0"/>
-                              </a:rPr>
-                              <m:t>1</m:t>
+                              <m:t>31</m:t>
                             </m:r>
                           </m:sub>
                         </m:sSub>
@@ -42727,7 +43061,7 @@
               </p:txBody>
             </p:sp>
           </mc:Choice>
-          <mc:Fallback>
+          <mc:Fallback xmlns="">
             <p:sp>
               <p:nvSpPr>
                 <p:cNvPr id="23" name="CaixaDeTexto 22">
@@ -42772,8 +43106,8 @@
             </p:sp>
           </mc:Fallback>
         </mc:AlternateContent>
-        <mc:AlternateContent xmlns:mc="http://schemas.openxmlformats.org/markup-compatibility/2006">
-          <mc:Choice xmlns:a14="http://schemas.microsoft.com/office/drawing/2010/main" Requires="a14">
+        <mc:AlternateContent xmlns:mc="http://schemas.openxmlformats.org/markup-compatibility/2006" xmlns:a14="http://schemas.microsoft.com/office/drawing/2010/main">
+          <mc:Choice Requires="a14">
             <p:sp>
               <p:nvSpPr>
                 <p:cNvPr id="24" name="CaixaDeTexto 23">
@@ -42836,13 +43170,7 @@
                               <a:rPr lang="pt-BR" sz="1200" b="0" i="1" smtClean="0">
                                 <a:latin typeface="Cambria Math" panose="02040503050406030204" pitchFamily="18" charset="0"/>
                               </a:rPr>
-                              <m:t>4</m:t>
-                            </m:r>
-                            <m:r>
-                              <a:rPr lang="pt-BR" sz="1200" b="0" i="1" smtClean="0">
-                                <a:latin typeface="Cambria Math" panose="02040503050406030204" pitchFamily="18" charset="0"/>
-                              </a:rPr>
-                              <m:t>1</m:t>
+                              <m:t>41</m:t>
                             </m:r>
                           </m:sub>
                         </m:sSub>
@@ -42854,7 +43182,7 @@
               </p:txBody>
             </p:sp>
           </mc:Choice>
-          <mc:Fallback>
+          <mc:Fallback xmlns="">
             <p:sp>
               <p:nvSpPr>
                 <p:cNvPr id="24" name="CaixaDeTexto 23">
@@ -42899,8 +43227,8 @@
             </p:sp>
           </mc:Fallback>
         </mc:AlternateContent>
-        <mc:AlternateContent xmlns:mc="http://schemas.openxmlformats.org/markup-compatibility/2006">
-          <mc:Choice xmlns:a14="http://schemas.microsoft.com/office/drawing/2010/main" Requires="a14">
+        <mc:AlternateContent xmlns:mc="http://schemas.openxmlformats.org/markup-compatibility/2006" xmlns:a14="http://schemas.microsoft.com/office/drawing/2010/main">
+          <mc:Choice Requires="a14">
             <p:sp>
               <p:nvSpPr>
                 <p:cNvPr id="25" name="CaixaDeTexto 24">
@@ -42963,13 +43291,7 @@
                               <a:rPr lang="pt-BR" sz="1200" b="0" i="1" smtClean="0">
                                 <a:latin typeface="Cambria Math" panose="02040503050406030204" pitchFamily="18" charset="0"/>
                               </a:rPr>
-                              <m:t>5</m:t>
-                            </m:r>
-                            <m:r>
-                              <a:rPr lang="pt-BR" sz="1200" b="0" i="1" smtClean="0">
-                                <a:latin typeface="Cambria Math" panose="02040503050406030204" pitchFamily="18" charset="0"/>
-                              </a:rPr>
-                              <m:t>1</m:t>
+                              <m:t>51</m:t>
                             </m:r>
                           </m:sub>
                         </m:sSub>
@@ -42981,7 +43303,7 @@
               </p:txBody>
             </p:sp>
           </mc:Choice>
-          <mc:Fallback>
+          <mc:Fallback xmlns="">
             <p:sp>
               <p:nvSpPr>
                 <p:cNvPr id="25" name="CaixaDeTexto 24">
@@ -43168,8 +43490,8 @@
           </a:p>
         </p:txBody>
       </p:sp>
-      <mc:AlternateContent xmlns:mc="http://schemas.openxmlformats.org/markup-compatibility/2006">
-        <mc:Choice xmlns:a14="http://schemas.microsoft.com/office/drawing/2010/main" Requires="a14">
+      <mc:AlternateContent xmlns:mc="http://schemas.openxmlformats.org/markup-compatibility/2006" xmlns:a14="http://schemas.microsoft.com/office/drawing/2010/main">
+        <mc:Choice Requires="a14">
           <p:sp>
             <p:nvSpPr>
               <p:cNvPr id="6" name="CaixaDeTexto 5">
@@ -43425,7 +43747,7 @@
             </p:txBody>
           </p:sp>
         </mc:Choice>
-        <mc:Fallback>
+        <mc:Fallback xmlns="">
           <p:sp>
             <p:nvSpPr>
               <p:cNvPr id="6" name="CaixaDeTexto 5">
@@ -43470,8 +43792,8 @@
           </p:sp>
         </mc:Fallback>
       </mc:AlternateContent>
-      <mc:AlternateContent xmlns:mc="http://schemas.openxmlformats.org/markup-compatibility/2006">
-        <mc:Choice xmlns:a14="http://schemas.microsoft.com/office/drawing/2010/main" Requires="a14">
+      <mc:AlternateContent xmlns:mc="http://schemas.openxmlformats.org/markup-compatibility/2006" xmlns:a14="http://schemas.microsoft.com/office/drawing/2010/main">
+        <mc:Choice Requires="a14">
           <p:sp>
             <p:nvSpPr>
               <p:cNvPr id="7" name="CaixaDeTexto 6">
@@ -43816,7 +44138,7 @@
             </p:txBody>
           </p:sp>
         </mc:Choice>
-        <mc:Fallback>
+        <mc:Fallback xmlns="">
           <p:sp>
             <p:nvSpPr>
               <p:cNvPr id="7" name="CaixaDeTexto 6">

--- a/slides/TP557_7_Regressão_com_DNNs_parte_I.pptx
+++ b/slides/TP557_7_Regressão_com_DNNs_parte_I.pptx
@@ -17715,8 +17715,8 @@
           </a:p>
         </p:txBody>
       </p:sp>
-      <mc:AlternateContent xmlns:mc="http://schemas.openxmlformats.org/markup-compatibility/2006">
-        <mc:Choice xmlns:a14="http://schemas.microsoft.com/office/drawing/2010/main" Requires="a14">
+      <mc:AlternateContent xmlns:mc="http://schemas.openxmlformats.org/markup-compatibility/2006" xmlns:a14="http://schemas.microsoft.com/office/drawing/2010/main">
+        <mc:Choice Requires="a14">
           <p:sp>
             <p:nvSpPr>
               <p:cNvPr id="3" name="Espaço Reservado para Conteúdo 2">
@@ -17846,7 +17846,7 @@
             </p:txBody>
           </p:sp>
         </mc:Choice>
-        <mc:Fallback>
+        <mc:Fallback xmlns="">
           <p:sp>
             <p:nvSpPr>
               <p:cNvPr id="3" name="Espaço Reservado para Conteúdo 2">
@@ -19369,8 +19369,8 @@
           </a:p>
         </p:txBody>
       </p:sp>
-      <mc:AlternateContent xmlns:mc="http://schemas.openxmlformats.org/markup-compatibility/2006">
-        <mc:Choice xmlns:a14="http://schemas.microsoft.com/office/drawing/2010/main" Requires="a14">
+      <mc:AlternateContent xmlns:mc="http://schemas.openxmlformats.org/markup-compatibility/2006" xmlns:a14="http://schemas.microsoft.com/office/drawing/2010/main">
+        <mc:Choice Requires="a14">
           <p:sp>
             <p:nvSpPr>
               <p:cNvPr id="3" name="Espaço Reservado para Conteúdo 2">
@@ -19459,7 +19459,7 @@
             </p:txBody>
           </p:sp>
         </mc:Choice>
-        <mc:Fallback>
+        <mc:Fallback xmlns="">
           <p:sp>
             <p:nvSpPr>
               <p:cNvPr id="3" name="Espaço Reservado para Conteúdo 2">
@@ -19883,8 +19883,8 @@
             </mc:Fallback>
           </mc:AlternateContent>
         </p:grpSp>
-        <mc:AlternateContent xmlns:mc="http://schemas.openxmlformats.org/markup-compatibility/2006">
-          <mc:Choice xmlns:a14="http://schemas.microsoft.com/office/drawing/2010/main" Requires="a14">
+        <mc:AlternateContent xmlns:mc="http://schemas.openxmlformats.org/markup-compatibility/2006" xmlns:a14="http://schemas.microsoft.com/office/drawing/2010/main">
+          <mc:Choice Requires="a14">
             <p:sp>
               <p:nvSpPr>
                 <p:cNvPr id="5" name="CaixaDeTexto 4">
@@ -19934,7 +19934,7 @@
               </p:txBody>
             </p:sp>
           </mc:Choice>
-          <mc:Fallback>
+          <mc:Fallback xmlns="">
             <p:sp>
               <p:nvSpPr>
                 <p:cNvPr id="5" name="CaixaDeTexto 4">
@@ -20020,8 +20020,8 @@
             </a:fontRef>
           </p:style>
         </p:cxnSp>
-        <mc:AlternateContent xmlns:mc="http://schemas.openxmlformats.org/markup-compatibility/2006">
-          <mc:Choice xmlns:a14="http://schemas.microsoft.com/office/drawing/2010/main" Requires="a14">
+        <mc:AlternateContent xmlns:mc="http://schemas.openxmlformats.org/markup-compatibility/2006" xmlns:a14="http://schemas.microsoft.com/office/drawing/2010/main">
+          <mc:Choice Requires="a14">
             <p:sp>
               <p:nvSpPr>
                 <p:cNvPr id="13" name="CaixaDeTexto 12">
@@ -20071,7 +20071,7 @@
               </p:txBody>
             </p:sp>
           </mc:Choice>
-          <mc:Fallback>
+          <mc:Fallback xmlns="">
             <p:sp>
               <p:nvSpPr>
                 <p:cNvPr id="13" name="CaixaDeTexto 12">
@@ -20116,8 +20116,8 @@
             </p:sp>
           </mc:Fallback>
         </mc:AlternateContent>
-        <mc:AlternateContent xmlns:mc="http://schemas.openxmlformats.org/markup-compatibility/2006">
-          <mc:Choice xmlns:a14="http://schemas.microsoft.com/office/drawing/2010/main" Requires="a14">
+        <mc:AlternateContent xmlns:mc="http://schemas.openxmlformats.org/markup-compatibility/2006" xmlns:a14="http://schemas.microsoft.com/office/drawing/2010/main">
+          <mc:Choice Requires="a14">
             <p:sp>
               <p:nvSpPr>
                 <p:cNvPr id="14" name="CaixaDeTexto 13">
@@ -20203,7 +20203,7 @@
               </p:txBody>
             </p:sp>
           </mc:Choice>
-          <mc:Fallback>
+          <mc:Fallback xmlns="">
             <p:sp>
               <p:nvSpPr>
                 <p:cNvPr id="14" name="CaixaDeTexto 13">
@@ -20307,8 +20307,8 @@
           </a:p>
         </p:txBody>
       </p:sp>
-      <mc:AlternateContent xmlns:mc="http://schemas.openxmlformats.org/markup-compatibility/2006">
-        <mc:Choice xmlns:a14="http://schemas.microsoft.com/office/drawing/2010/main" Requires="a14">
+      <mc:AlternateContent xmlns:mc="http://schemas.openxmlformats.org/markup-compatibility/2006" xmlns:a14="http://schemas.microsoft.com/office/drawing/2010/main">
+        <mc:Choice Requires="a14">
           <p:sp>
             <p:nvSpPr>
               <p:cNvPr id="3" name="Espaço Reservado para Conteúdo 2">
@@ -20463,7 +20463,7 @@
             </p:txBody>
           </p:sp>
         </mc:Choice>
-        <mc:Fallback>
+        <mc:Fallback xmlns="">
           <p:sp>
             <p:nvSpPr>
               <p:cNvPr id="3" name="Espaço Reservado para Conteúdo 2">
@@ -20887,8 +20887,8 @@
             </mc:Fallback>
           </mc:AlternateContent>
         </p:grpSp>
-        <mc:AlternateContent xmlns:mc="http://schemas.openxmlformats.org/markup-compatibility/2006">
-          <mc:Choice xmlns:a14="http://schemas.microsoft.com/office/drawing/2010/main" Requires="a14">
+        <mc:AlternateContent xmlns:mc="http://schemas.openxmlformats.org/markup-compatibility/2006" xmlns:a14="http://schemas.microsoft.com/office/drawing/2010/main">
+          <mc:Choice Requires="a14">
             <p:sp>
               <p:nvSpPr>
                 <p:cNvPr id="16" name="CaixaDeTexto 15">
@@ -20938,7 +20938,7 @@
               </p:txBody>
             </p:sp>
           </mc:Choice>
-          <mc:Fallback>
+          <mc:Fallback xmlns="">
             <p:sp>
               <p:nvSpPr>
                 <p:cNvPr id="16" name="CaixaDeTexto 15">
@@ -21024,8 +21024,8 @@
             </a:fontRef>
           </p:style>
         </p:cxnSp>
-        <mc:AlternateContent xmlns:mc="http://schemas.openxmlformats.org/markup-compatibility/2006">
-          <mc:Choice xmlns:a14="http://schemas.microsoft.com/office/drawing/2010/main" Requires="a14">
+        <mc:AlternateContent xmlns:mc="http://schemas.openxmlformats.org/markup-compatibility/2006" xmlns:a14="http://schemas.microsoft.com/office/drawing/2010/main">
+          <mc:Choice Requires="a14">
             <p:sp>
               <p:nvSpPr>
                 <p:cNvPr id="18" name="CaixaDeTexto 17">
@@ -21075,7 +21075,7 @@
               </p:txBody>
             </p:sp>
           </mc:Choice>
-          <mc:Fallback>
+          <mc:Fallback xmlns="">
             <p:sp>
               <p:nvSpPr>
                 <p:cNvPr id="18" name="CaixaDeTexto 17">
@@ -21120,8 +21120,8 @@
             </p:sp>
           </mc:Fallback>
         </mc:AlternateContent>
-        <mc:AlternateContent xmlns:mc="http://schemas.openxmlformats.org/markup-compatibility/2006">
-          <mc:Choice xmlns:a14="http://schemas.microsoft.com/office/drawing/2010/main" Requires="a14">
+        <mc:AlternateContent xmlns:mc="http://schemas.openxmlformats.org/markup-compatibility/2006" xmlns:a14="http://schemas.microsoft.com/office/drawing/2010/main">
+          <mc:Choice Requires="a14">
             <p:sp>
               <p:nvSpPr>
                 <p:cNvPr id="19" name="CaixaDeTexto 18">
@@ -21207,7 +21207,7 @@
               </p:txBody>
             </p:sp>
           </mc:Choice>
-          <mc:Fallback>
+          <mc:Fallback xmlns="">
             <p:sp>
               <p:nvSpPr>
                 <p:cNvPr id="19" name="CaixaDeTexto 18">
@@ -22929,7 +22929,7 @@
             </a:pPr>
             <a:r>
               <a:rPr lang="pt-BR" dirty="0"/>
-              <a:t>Mede-se o erro com esse palpite;</a:t>
+              <a:t>Mede-se o erro causado por esse palpite;</a:t>
             </a:r>
           </a:p>
           <a:p>
@@ -26273,7 +26273,7 @@
         </p:spPr>
         <p:txBody>
           <a:bodyPr>
-            <a:normAutofit fontScale="85000" lnSpcReduction="20000"/>
+            <a:normAutofit fontScale="92500" lnSpcReduction="10000"/>
           </a:bodyPr>
           <a:lstStyle/>
           <a:p>
@@ -26329,10 +26329,8 @@
           </a:p>
           <a:p>
             <a:r>
-              <a:rPr lang="pt-BR" b="0" i="0" dirty="0">
-                <a:effectLst/>
-              </a:rPr>
-              <a:t>O número de iterações representa o número de atualizações que ocorrem durante o treinamento do modelo no conjunto de treinamento.</a:t>
+              <a:rPr lang="pt-BR" dirty="0"/>
+              <a:t>Assim, uma época é um conjunto de iterações.</a:t>
             </a:r>
           </a:p>
           <a:p>
@@ -29549,7 +29547,7 @@
         </p:spPr>
         <p:txBody>
           <a:bodyPr>
-            <a:normAutofit/>
+            <a:normAutofit lnSpcReduction="10000"/>
           </a:bodyPr>
           <a:lstStyle/>
           <a:p>
@@ -29567,7 +29565,7 @@
             </a:r>
             <a:r>
               <a:rPr lang="pt-BR" dirty="0"/>
-              <a:t> executa as etapas que discutimos antes: </a:t>
+              <a:t> de atualização executa as etapas que discutimos antes: </a:t>
             </a:r>
           </a:p>
           <a:p>
@@ -29577,7 +29575,7 @@
             </a:pPr>
             <a:r>
               <a:rPr lang="pt-BR" dirty="0"/>
-              <a:t>dá-se um palpite a respeito dos valores dos pesos, </a:t>
+              <a:t>dá-se um palpite a respeito dos valores dos pesos (inicialmente, eles são aleatórios), </a:t>
             </a:r>
           </a:p>
           <a:p>
@@ -31121,7 +31119,7 @@
           <a:p>
             <a:r>
               <a:rPr lang="pt-BR" dirty="0"/>
-              <a:t>Percebam que não estamos fazendo, nem faremos, nenhum cálculo nós mesmos. </a:t>
+              <a:t>Percebam que não estamos fazendo, nem faremos, nenhum cálculo nós mesmos (i.e., cálculo do erro, vetor gradiente, atualizações). </a:t>
             </a:r>
           </a:p>
           <a:p>
@@ -32725,7 +32723,10 @@
               <a:t> chamado de </a:t>
             </a:r>
             <a:r>
-              <a:rPr lang="pt-BR" b="0" i="1" dirty="0" err="1">
+              <a:rPr lang="pt-BR" b="1" i="1" dirty="0" err="1">
+                <a:solidFill>
+                  <a:srgbClr val="7030A0"/>
+                </a:solidFill>
                 <a:effectLst/>
               </a:rPr>
               <a:t>history</a:t>
@@ -32734,7 +32735,7 @@
               <a:rPr lang="pt-BR" b="0" dirty="0">
                 <a:effectLst/>
               </a:rPr>
-              <a:t> com </a:t>
+              <a:t> contendo </a:t>
             </a:r>
             <a:r>
               <a:rPr lang="pt-BR" dirty="0"/>

--- a/slides/TP557_7_Regressão_com_DNNs_parte_I.pptx
+++ b/slides/TP557_7_Regressão_com_DNNs_parte_I.pptx
@@ -1664,6 +1664,58 @@
             <a:endParaRPr lang="pt-BR" dirty="0"/>
           </a:p>
           <a:p>
+            <a:endParaRPr lang="pt-BR" dirty="0"/>
+          </a:p>
+          <a:p>
+            <a:pPr marL="0" marR="0" lvl="0" indent="0" algn="l" defTabSz="914400" rtl="0" eaLnBrk="1" fontAlgn="auto" latinLnBrk="0" hangingPunct="1">
+              <a:lnSpc>
+                <a:spcPct val="100000"/>
+              </a:lnSpc>
+              <a:spcBef>
+                <a:spcPts val="0"/>
+              </a:spcBef>
+              <a:spcAft>
+                <a:spcPts val="0"/>
+              </a:spcAft>
+              <a:buClrTx/>
+              <a:buSzTx/>
+              <a:buFontTx/>
+              <a:buNone/>
+              <a:tabLst/>
+              <a:defRPr/>
+            </a:pPr>
+            <a:r>
+              <a:rPr lang="pt-BR" dirty="0"/>
+              <a:t>https://colab.research.google.com/</a:t>
+            </a:r>
+            <a:r>
+              <a:rPr lang="pt-BR" dirty="0" err="1"/>
+              <a:t>github</a:t>
+            </a:r>
+            <a:r>
+              <a:rPr lang="pt-BR" dirty="0"/>
+              <a:t>/zz4fap/tp557-iot-ml/</a:t>
+            </a:r>
+            <a:r>
+              <a:rPr lang="pt-BR" dirty="0" err="1"/>
+              <a:t>blob</a:t>
+            </a:r>
+            <a:r>
+              <a:rPr lang="pt-BR" dirty="0"/>
+              <a:t>/master/</a:t>
+            </a:r>
+            <a:r>
+              <a:rPr lang="pt-BR" dirty="0" err="1"/>
+              <a:t>exercises</a:t>
+            </a:r>
+            <a:r>
+              <a:rPr lang="pt-BR" dirty="0"/>
+              <a:t>/</a:t>
+            </a:r>
+            <a:r>
+              <a:rPr lang="pt-BR" dirty="0" err="1"/>
+              <a:t>Exercício_sobre_regressão_com_DNN_e_dados_ruidosos.ipynb</a:t>
+            </a:r>
             <a:endParaRPr lang="pt-BR" dirty="0"/>
           </a:p>
           <a:p>
@@ -38522,6 +38574,19 @@
               <a:rPr lang="pt-BR" dirty="0"/>
               <a:t>.</a:t>
             </a:r>
+          </a:p>
+          <a:p>
+            <a:r>
+              <a:rPr lang="pt-BR" dirty="0"/>
+              <a:t>Exercício: </a:t>
+            </a:r>
+            <a:r>
+              <a:rPr lang="pt-BR" dirty="0">
+                <a:hlinkClick r:id="rId4"/>
+              </a:rPr>
+              <a:t>Regressão com DNN e dados ruidosos</a:t>
+            </a:r>
+            <a:endParaRPr lang="pt-BR" dirty="0"/>
           </a:p>
         </p:txBody>
       </p:sp>

--- a/slides/TP557_7_Regressão_com_DNNs_parte_I.pptx
+++ b/slides/TP557_7_Regressão_com_DNNs_parte_I.pptx
@@ -308,7 +308,7 @@
           <a:p>
             <a:fld id="{144F1436-6906-4D93-B7A2-786C327BFA14}" type="datetimeFigureOut">
               <a:rPr lang="nl-BE" smtClean="0"/>
-              <a:t>5/09/2023</a:t>
+              <a:t>6/09/2023</a:t>
             </a:fld>
             <a:endParaRPr lang="nl-BE"/>
           </a:p>
@@ -473,7 +473,7 @@
           <a:p>
             <a:fld id="{AA8CD09E-2914-4F47-B6C1-51B2C31814C9}" type="datetimeFigureOut">
               <a:rPr lang="pt-BR" smtClean="0"/>
-              <a:t>05/09/2023</a:t>
+              <a:t>06/09/2023</a:t>
             </a:fld>
             <a:endParaRPr lang="pt-BR"/>
           </a:p>
@@ -2907,7 +2907,7 @@
           <a:p>
             <a:fld id="{63289F7E-B80B-496E-81B4-D396C37C9454}" type="datetimeFigureOut">
               <a:rPr lang="pt-BR" smtClean="0"/>
-              <a:t>05/09/2023</a:t>
+              <a:t>06/09/2023</a:t>
             </a:fld>
             <a:endParaRPr lang="pt-BR"/>
           </a:p>
@@ -3105,7 +3105,7 @@
           <a:p>
             <a:fld id="{63289F7E-B80B-496E-81B4-D396C37C9454}" type="datetimeFigureOut">
               <a:rPr lang="pt-BR" smtClean="0"/>
-              <a:t>05/09/2023</a:t>
+              <a:t>06/09/2023</a:t>
             </a:fld>
             <a:endParaRPr lang="pt-BR"/>
           </a:p>
@@ -3313,7 +3313,7 @@
           <a:p>
             <a:fld id="{63289F7E-B80B-496E-81B4-D396C37C9454}" type="datetimeFigureOut">
               <a:rPr lang="pt-BR" smtClean="0"/>
-              <a:t>05/09/2023</a:t>
+              <a:t>06/09/2023</a:t>
             </a:fld>
             <a:endParaRPr lang="pt-BR"/>
           </a:p>
@@ -3511,7 +3511,7 @@
           <a:p>
             <a:fld id="{63289F7E-B80B-496E-81B4-D396C37C9454}" type="datetimeFigureOut">
               <a:rPr lang="pt-BR" smtClean="0"/>
-              <a:t>05/09/2023</a:t>
+              <a:t>06/09/2023</a:t>
             </a:fld>
             <a:endParaRPr lang="pt-BR"/>
           </a:p>
@@ -3786,7 +3786,7 @@
           <a:p>
             <a:fld id="{63289F7E-B80B-496E-81B4-D396C37C9454}" type="datetimeFigureOut">
               <a:rPr lang="pt-BR" smtClean="0"/>
-              <a:t>05/09/2023</a:t>
+              <a:t>06/09/2023</a:t>
             </a:fld>
             <a:endParaRPr lang="pt-BR"/>
           </a:p>
@@ -4051,7 +4051,7 @@
           <a:p>
             <a:fld id="{63289F7E-B80B-496E-81B4-D396C37C9454}" type="datetimeFigureOut">
               <a:rPr lang="pt-BR" smtClean="0"/>
-              <a:t>05/09/2023</a:t>
+              <a:t>06/09/2023</a:t>
             </a:fld>
             <a:endParaRPr lang="pt-BR"/>
           </a:p>
@@ -4463,7 +4463,7 @@
           <a:p>
             <a:fld id="{63289F7E-B80B-496E-81B4-D396C37C9454}" type="datetimeFigureOut">
               <a:rPr lang="pt-BR" smtClean="0"/>
-              <a:t>05/09/2023</a:t>
+              <a:t>06/09/2023</a:t>
             </a:fld>
             <a:endParaRPr lang="pt-BR"/>
           </a:p>
@@ -4604,7 +4604,7 @@
           <a:p>
             <a:fld id="{63289F7E-B80B-496E-81B4-D396C37C9454}" type="datetimeFigureOut">
               <a:rPr lang="pt-BR" smtClean="0"/>
-              <a:t>05/09/2023</a:t>
+              <a:t>06/09/2023</a:t>
             </a:fld>
             <a:endParaRPr lang="pt-BR"/>
           </a:p>
@@ -4717,7 +4717,7 @@
           <a:p>
             <a:fld id="{63289F7E-B80B-496E-81B4-D396C37C9454}" type="datetimeFigureOut">
               <a:rPr lang="pt-BR" smtClean="0"/>
-              <a:t>05/09/2023</a:t>
+              <a:t>06/09/2023</a:t>
             </a:fld>
             <a:endParaRPr lang="pt-BR"/>
           </a:p>
@@ -5028,7 +5028,7 @@
           <a:p>
             <a:fld id="{63289F7E-B80B-496E-81B4-D396C37C9454}" type="datetimeFigureOut">
               <a:rPr lang="pt-BR" smtClean="0"/>
-              <a:t>05/09/2023</a:t>
+              <a:t>06/09/2023</a:t>
             </a:fld>
             <a:endParaRPr lang="pt-BR"/>
           </a:p>
@@ -5316,7 +5316,7 @@
           <a:p>
             <a:fld id="{63289F7E-B80B-496E-81B4-D396C37C9454}" type="datetimeFigureOut">
               <a:rPr lang="pt-BR" smtClean="0"/>
-              <a:t>05/09/2023</a:t>
+              <a:t>06/09/2023</a:t>
             </a:fld>
             <a:endParaRPr lang="pt-BR"/>
           </a:p>
@@ -5557,7 +5557,7 @@
           <a:p>
             <a:fld id="{63289F7E-B80B-496E-81B4-D396C37C9454}" type="datetimeFigureOut">
               <a:rPr lang="pt-BR" smtClean="0"/>
-              <a:t>05/09/2023</a:t>
+              <a:t>06/09/2023</a:t>
             </a:fld>
             <a:endParaRPr lang="pt-BR"/>
           </a:p>
@@ -38550,7 +38550,7 @@
           <a:p>
             <a:r>
               <a:rPr lang="pt-BR" dirty="0"/>
-              <a:t>Exercício: </a:t>
+              <a:t>Exercício #1: </a:t>
             </a:r>
             <a:r>
               <a:rPr lang="pt-BR" dirty="0">
@@ -38578,7 +38578,7 @@
           <a:p>
             <a:r>
               <a:rPr lang="pt-BR" dirty="0"/>
-              <a:t>Exercício: </a:t>
+              <a:t>Exercício #2: </a:t>
             </a:r>
             <a:r>
               <a:rPr lang="pt-BR" dirty="0">

--- a/slides/TP557_7_Regressão_com_DNNs_parte_I.pptx
+++ b/slides/TP557_7_Regressão_com_DNNs_parte_I.pptx
@@ -5,10 +5,10 @@
     <p:sldMasterId id="2147483648" r:id="rId1"/>
   </p:sldMasterIdLst>
   <p:notesMasterIdLst>
-    <p:notesMasterId r:id="rId36"/>
+    <p:notesMasterId r:id="rId37"/>
   </p:notesMasterIdLst>
   <p:handoutMasterIdLst>
-    <p:handoutMasterId r:id="rId37"/>
+    <p:handoutMasterId r:id="rId38"/>
   </p:handoutMasterIdLst>
   <p:sldIdLst>
     <p:sldId id="256" r:id="rId2"/>
@@ -41,10 +41,11 @@
     <p:sldId id="427" r:id="rId29"/>
     <p:sldId id="426" r:id="rId30"/>
     <p:sldId id="405" r:id="rId31"/>
-    <p:sldId id="293" r:id="rId32"/>
-    <p:sldId id="306" r:id="rId33"/>
-    <p:sldId id="430" r:id="rId34"/>
-    <p:sldId id="432" r:id="rId35"/>
+    <p:sldId id="321" r:id="rId32"/>
+    <p:sldId id="293" r:id="rId33"/>
+    <p:sldId id="306" r:id="rId34"/>
+    <p:sldId id="430" r:id="rId35"/>
+    <p:sldId id="432" r:id="rId36"/>
   </p:sldIdLst>
   <p:sldSz cx="12192000" cy="6858000"/>
   <p:notesSz cx="7315200" cy="9601200"/>
@@ -308,7 +309,7 @@
           <a:p>
             <a:fld id="{144F1436-6906-4D93-B7A2-786C327BFA14}" type="datetimeFigureOut">
               <a:rPr lang="nl-BE" smtClean="0"/>
-              <a:t>6/09/2023</a:t>
+              <a:t>7/09/2023</a:t>
             </a:fld>
             <a:endParaRPr lang="nl-BE"/>
           </a:p>
@@ -473,7 +474,7 @@
           <a:p>
             <a:fld id="{AA8CD09E-2914-4F47-B6C1-51B2C31814C9}" type="datetimeFigureOut">
               <a:rPr lang="pt-BR" smtClean="0"/>
-              <a:t>06/09/2023</a:t>
+              <a:t>07/09/2023</a:t>
             </a:fld>
             <a:endParaRPr lang="pt-BR"/>
           </a:p>
@@ -2907,7 +2908,7 @@
           <a:p>
             <a:fld id="{63289F7E-B80B-496E-81B4-D396C37C9454}" type="datetimeFigureOut">
               <a:rPr lang="pt-BR" smtClean="0"/>
-              <a:t>06/09/2023</a:t>
+              <a:t>07/09/2023</a:t>
             </a:fld>
             <a:endParaRPr lang="pt-BR"/>
           </a:p>
@@ -3105,7 +3106,7 @@
           <a:p>
             <a:fld id="{63289F7E-B80B-496E-81B4-D396C37C9454}" type="datetimeFigureOut">
               <a:rPr lang="pt-BR" smtClean="0"/>
-              <a:t>06/09/2023</a:t>
+              <a:t>07/09/2023</a:t>
             </a:fld>
             <a:endParaRPr lang="pt-BR"/>
           </a:p>
@@ -3313,7 +3314,7 @@
           <a:p>
             <a:fld id="{63289F7E-B80B-496E-81B4-D396C37C9454}" type="datetimeFigureOut">
               <a:rPr lang="pt-BR" smtClean="0"/>
-              <a:t>06/09/2023</a:t>
+              <a:t>07/09/2023</a:t>
             </a:fld>
             <a:endParaRPr lang="pt-BR"/>
           </a:p>
@@ -3511,7 +3512,7 @@
           <a:p>
             <a:fld id="{63289F7E-B80B-496E-81B4-D396C37C9454}" type="datetimeFigureOut">
               <a:rPr lang="pt-BR" smtClean="0"/>
-              <a:t>06/09/2023</a:t>
+              <a:t>07/09/2023</a:t>
             </a:fld>
             <a:endParaRPr lang="pt-BR"/>
           </a:p>
@@ -3786,7 +3787,7 @@
           <a:p>
             <a:fld id="{63289F7E-B80B-496E-81B4-D396C37C9454}" type="datetimeFigureOut">
               <a:rPr lang="pt-BR" smtClean="0"/>
-              <a:t>06/09/2023</a:t>
+              <a:t>07/09/2023</a:t>
             </a:fld>
             <a:endParaRPr lang="pt-BR"/>
           </a:p>
@@ -4051,7 +4052,7 @@
           <a:p>
             <a:fld id="{63289F7E-B80B-496E-81B4-D396C37C9454}" type="datetimeFigureOut">
               <a:rPr lang="pt-BR" smtClean="0"/>
-              <a:t>06/09/2023</a:t>
+              <a:t>07/09/2023</a:t>
             </a:fld>
             <a:endParaRPr lang="pt-BR"/>
           </a:p>
@@ -4463,7 +4464,7 @@
           <a:p>
             <a:fld id="{63289F7E-B80B-496E-81B4-D396C37C9454}" type="datetimeFigureOut">
               <a:rPr lang="pt-BR" smtClean="0"/>
-              <a:t>06/09/2023</a:t>
+              <a:t>07/09/2023</a:t>
             </a:fld>
             <a:endParaRPr lang="pt-BR"/>
           </a:p>
@@ -4604,7 +4605,7 @@
           <a:p>
             <a:fld id="{63289F7E-B80B-496E-81B4-D396C37C9454}" type="datetimeFigureOut">
               <a:rPr lang="pt-BR" smtClean="0"/>
-              <a:t>06/09/2023</a:t>
+              <a:t>07/09/2023</a:t>
             </a:fld>
             <a:endParaRPr lang="pt-BR"/>
           </a:p>
@@ -4717,7 +4718,7 @@
           <a:p>
             <a:fld id="{63289F7E-B80B-496E-81B4-D396C37C9454}" type="datetimeFigureOut">
               <a:rPr lang="pt-BR" smtClean="0"/>
-              <a:t>06/09/2023</a:t>
+              <a:t>07/09/2023</a:t>
             </a:fld>
             <a:endParaRPr lang="pt-BR"/>
           </a:p>
@@ -5028,7 +5029,7 @@
           <a:p>
             <a:fld id="{63289F7E-B80B-496E-81B4-D396C37C9454}" type="datetimeFigureOut">
               <a:rPr lang="pt-BR" smtClean="0"/>
-              <a:t>06/09/2023</a:t>
+              <a:t>07/09/2023</a:t>
             </a:fld>
             <a:endParaRPr lang="pt-BR"/>
           </a:p>
@@ -5316,7 +5317,7 @@
           <a:p>
             <a:fld id="{63289F7E-B80B-496E-81B4-D396C37C9454}" type="datetimeFigureOut">
               <a:rPr lang="pt-BR" smtClean="0"/>
-              <a:t>06/09/2023</a:t>
+              <a:t>07/09/2023</a:t>
             </a:fld>
             <a:endParaRPr lang="pt-BR"/>
           </a:p>
@@ -5557,7 +5558,7 @@
           <a:p>
             <a:fld id="{63289F7E-B80B-496E-81B4-D396C37C9454}" type="datetimeFigureOut">
               <a:rPr lang="pt-BR" smtClean="0"/>
-              <a:t>06/09/2023</a:t>
+              <a:t>07/09/2023</a:t>
             </a:fld>
             <a:endParaRPr lang="pt-BR"/>
           </a:p>
@@ -38622,64 +38623,232 @@
       </p:grpSpPr>
       <p:sp>
         <p:nvSpPr>
-          <p:cNvPr id="4" name="Título 1">
-            <a:extLst>
-              <a:ext uri="{FF2B5EF4-FFF2-40B4-BE49-F238E27FC236}">
-                <a16:creationId xmlns:a16="http://schemas.microsoft.com/office/drawing/2014/main" id="{32666AC8-2E17-4DB4-B0F5-60C640CCFD2E}"/>
-              </a:ext>
-            </a:extLst>
-          </p:cNvPr>
-          <p:cNvSpPr txBox="1">
-            <a:spLocks/>
+          <p:cNvPr id="2" name="Título 1"/>
+          <p:cNvSpPr>
+            <a:spLocks noGrp="1"/>
           </p:cNvSpPr>
-          <p:nvPr/>
+          <p:nvPr>
+            <p:ph type="title"/>
+          </p:nvPr>
+        </p:nvSpPr>
+        <p:spPr/>
+        <p:txBody>
+          <a:bodyPr/>
+          <a:lstStyle/>
+          <a:p>
+            <a:r>
+              <a:rPr lang="pt-BR" dirty="0"/>
+              <a:t>Usando </a:t>
+            </a:r>
+            <a:r>
+              <a:rPr lang="pt-BR" i="1" dirty="0"/>
+              <a:t>callbacks</a:t>
+            </a:r>
+          </a:p>
+        </p:txBody>
+      </p:sp>
+      <p:sp>
+        <p:nvSpPr>
+          <p:cNvPr id="3" name="Espaço Reservado para Conteúdo 2"/>
+          <p:cNvSpPr>
+            <a:spLocks noGrp="1"/>
+          </p:cNvSpPr>
+          <p:nvPr>
+            <p:ph idx="1"/>
+          </p:nvPr>
         </p:nvSpPr>
         <p:spPr>
           <a:xfrm>
-            <a:off x="1431533" y="2720526"/>
-            <a:ext cx="9144000" cy="1029541"/>
+            <a:off x="838199" y="1825624"/>
+            <a:ext cx="11182351" cy="5032375"/>
           </a:xfrm>
-          <a:prstGeom prst="rect">
-            <a:avLst/>
-          </a:prstGeom>
         </p:spPr>
         <p:txBody>
-          <a:bodyPr vert="horz" lIns="91440" tIns="45720" rIns="91440" bIns="45720" rtlCol="0" anchor="ctr">
-            <a:normAutofit/>
+          <a:bodyPr>
+            <a:normAutofit fontScale="92500" lnSpcReduction="20000"/>
           </a:bodyPr>
-          <a:lstStyle>
-            <a:lvl1pPr algn="l" defTabSz="914400" rtl="0" eaLnBrk="1" latinLnBrk="0" hangingPunct="1">
-              <a:lnSpc>
-                <a:spcPct val="90000"/>
-              </a:lnSpc>
-              <a:spcBef>
-                <a:spcPct val="0"/>
-              </a:spcBef>
-              <a:buNone/>
-              <a:defRPr sz="4400" kern="1200">
-                <a:solidFill>
-                  <a:schemeClr val="tx1"/>
-                </a:solidFill>
-                <a:latin typeface="+mj-lt"/>
-                <a:ea typeface="+mj-ea"/>
-                <a:cs typeface="+mj-cs"/>
-              </a:defRPr>
-            </a:lvl1pPr>
-          </a:lstStyle>
+          <a:lstStyle/>
           <a:p>
-            <a:pPr algn="ctr"/>
-            <a:r>
-              <a:rPr lang="pt-BR" sz="6600" dirty="0"/>
-              <a:t>Perguntas?</a:t>
-            </a:r>
-            <a:endParaRPr lang="pt-BR" sz="6600" b="1" i="1" dirty="0"/>
+            <a:r>
+              <a:rPr lang="pt-BR" dirty="0"/>
+              <a:t>E se o treinamento durar várias horas ou dias? </a:t>
+            </a:r>
+          </a:p>
+          <a:p>
+            <a:pPr lvl="1">
+              <a:buFont typeface="Wingdings" panose="05000000000000000000" pitchFamily="2" charset="2"/>
+              <a:buChar char="§"/>
+            </a:pPr>
+            <a:r>
+              <a:rPr lang="pt-BR" dirty="0"/>
+              <a:t>Isso é bastante comum, especialmente ao treinar com grandes conjuntos de dados. </a:t>
+            </a:r>
+          </a:p>
+          <a:p>
+            <a:r>
+              <a:rPr lang="pt-BR" dirty="0"/>
+              <a:t>Nesse caso, não devemos apenas salvar o modelo ao final do treinamento, mas também </a:t>
+            </a:r>
+            <a:r>
+              <a:rPr lang="pt-BR" b="1" i="1" dirty="0"/>
+              <a:t>salvar pontos de verificação</a:t>
+            </a:r>
+            <a:r>
+              <a:rPr lang="pt-BR" dirty="0"/>
+              <a:t> </a:t>
+            </a:r>
+            <a:r>
+              <a:rPr lang="pt-BR" b="1" i="1" dirty="0"/>
+              <a:t>em intervalos regulares</a:t>
+            </a:r>
+            <a:r>
+              <a:rPr lang="pt-BR" dirty="0"/>
+              <a:t> durante o treinamento. </a:t>
+            </a:r>
+          </a:p>
+          <a:p>
+            <a:r>
+              <a:rPr lang="pt-BR" dirty="0"/>
+              <a:t>Podemos configurar o método </a:t>
+            </a:r>
+            <a:r>
+              <a:rPr lang="pt-BR" b="1" i="1" dirty="0" err="1"/>
+              <a:t>fit</a:t>
+            </a:r>
+            <a:r>
+              <a:rPr lang="pt-BR" b="1" i="1" dirty="0"/>
+              <a:t>()</a:t>
+            </a:r>
+            <a:r>
+              <a:rPr lang="pt-BR" dirty="0"/>
+              <a:t> para salvar pontos de verificação, mas como fazer esta configuração?</a:t>
+            </a:r>
+          </a:p>
+          <a:p>
+            <a:pPr lvl="1">
+              <a:buFont typeface="Wingdings" panose="05000000000000000000" pitchFamily="2" charset="2"/>
+              <a:buChar char="§"/>
+            </a:pPr>
+            <a:r>
+              <a:rPr lang="pt-BR" dirty="0"/>
+              <a:t>A resposta é: através de </a:t>
+            </a:r>
+            <a:r>
+              <a:rPr lang="pt-BR" b="1" i="1" dirty="0"/>
+              <a:t>callbacks</a:t>
+            </a:r>
+            <a:r>
+              <a:rPr lang="pt-BR" dirty="0"/>
+              <a:t>.</a:t>
+            </a:r>
+          </a:p>
+          <a:p>
+            <a:pPr lvl="1">
+              <a:buFont typeface="Wingdings" panose="05000000000000000000" pitchFamily="2" charset="2"/>
+              <a:buChar char="§"/>
+            </a:pPr>
+            <a:r>
+              <a:rPr lang="pt-BR" b="1" i="1" dirty="0"/>
+              <a:t>callbacks </a:t>
+            </a:r>
+            <a:r>
+              <a:rPr lang="pt-BR" dirty="0"/>
+              <a:t>são funções passadas como argumento para outras funções e chamadas quando um evento ocorrer.</a:t>
+            </a:r>
+          </a:p>
+          <a:p>
+            <a:r>
+              <a:rPr lang="pt-BR" dirty="0"/>
+              <a:t>O método </a:t>
+            </a:r>
+            <a:r>
+              <a:rPr lang="pt-BR" b="1" i="1" dirty="0" err="1"/>
+              <a:t>fit</a:t>
+            </a:r>
+            <a:r>
+              <a:rPr lang="pt-BR" b="1" i="1" dirty="0"/>
+              <a:t>()</a:t>
+            </a:r>
+            <a:r>
+              <a:rPr lang="pt-BR" dirty="0"/>
+              <a:t> possui um parâmetro chamado </a:t>
+            </a:r>
+            <a:r>
+              <a:rPr lang="pt-BR" b="1" i="1" dirty="0"/>
+              <a:t>callbacks</a:t>
+            </a:r>
+            <a:r>
+              <a:rPr lang="pt-BR" dirty="0"/>
+              <a:t>, que permite especificar uma lista de </a:t>
+            </a:r>
+            <a:r>
+              <a:rPr lang="pt-BR" b="1" i="1" dirty="0"/>
+              <a:t>callbacks</a:t>
+            </a:r>
+            <a:r>
+              <a:rPr lang="pt-BR" dirty="0"/>
+              <a:t> que o Keras </a:t>
+            </a:r>
+            <a:r>
+              <a:rPr lang="pt-BR" b="1" i="1" dirty="0"/>
+              <a:t>chamará durante o treinamento</a:t>
+            </a:r>
+            <a:r>
+              <a:rPr lang="pt-BR" dirty="0"/>
+              <a:t> no </a:t>
+            </a:r>
+            <a:r>
+              <a:rPr lang="pt-BR" b="1" i="1" dirty="0"/>
+              <a:t>início e no final do treinamento</a:t>
+            </a:r>
+            <a:r>
+              <a:rPr lang="pt-BR" dirty="0"/>
+              <a:t>, </a:t>
+            </a:r>
+            <a:r>
+              <a:rPr lang="pt-BR" b="1" i="1" dirty="0"/>
+              <a:t>no início e no final de cada época</a:t>
+            </a:r>
+            <a:r>
+              <a:rPr lang="pt-BR" dirty="0"/>
+              <a:t> e até </a:t>
+            </a:r>
+            <a:r>
+              <a:rPr lang="pt-BR" b="1" i="1" dirty="0"/>
+              <a:t>antes e depois do processamento de cada mini-batch</a:t>
+            </a:r>
+            <a:r>
+              <a:rPr lang="pt-BR" dirty="0"/>
+              <a:t>.</a:t>
+            </a:r>
+          </a:p>
+          <a:p>
+            <a:r>
+              <a:rPr lang="pt-BR" dirty="0"/>
+              <a:t>Veja todas as </a:t>
+            </a:r>
+            <a:r>
+              <a:rPr lang="pt-BR" b="1" i="1" dirty="0"/>
+              <a:t>callbacks</a:t>
+            </a:r>
+            <a:r>
+              <a:rPr lang="pt-BR" dirty="0"/>
+              <a:t> disponíveis em </a:t>
+            </a:r>
+            <a:r>
+              <a:rPr lang="pt-BR" dirty="0">
+                <a:hlinkClick r:id="rId2"/>
+              </a:rPr>
+              <a:t>https://keras.io/callbacks/</a:t>
+            </a:r>
+            <a:endParaRPr lang="pt-BR" dirty="0"/>
           </a:p>
         </p:txBody>
       </p:sp>
     </p:spTree>
     <p:extLst>
       <p:ext uri="{BB962C8B-B14F-4D97-AF65-F5344CB8AC3E}">
-        <p14:creationId xmlns:p14="http://schemas.microsoft.com/office/powerpoint/2010/main" val="1975981511"/>
+        <p14:creationId xmlns:p14="http://schemas.microsoft.com/office/powerpoint/2010/main" val="947601677"/>
       </p:ext>
     </p:extLst>
   </p:cSld>
@@ -38756,6 +38925,92 @@
             <a:pPr algn="ctr"/>
             <a:r>
               <a:rPr lang="pt-BR" sz="6600" dirty="0"/>
+              <a:t>Perguntas?</a:t>
+            </a:r>
+            <a:endParaRPr lang="pt-BR" sz="6600" b="1" i="1" dirty="0"/>
+          </a:p>
+        </p:txBody>
+      </p:sp>
+    </p:spTree>
+    <p:extLst>
+      <p:ext uri="{BB962C8B-B14F-4D97-AF65-F5344CB8AC3E}">
+        <p14:creationId xmlns:p14="http://schemas.microsoft.com/office/powerpoint/2010/main" val="1975981511"/>
+      </p:ext>
+    </p:extLst>
+  </p:cSld>
+  <p:clrMapOvr>
+    <a:masterClrMapping/>
+  </p:clrMapOvr>
+</p:sld>
+</file>
+
+<file path=ppt/slides/slide33.xml><?xml version="1.0" encoding="utf-8"?>
+<p:sld xmlns:a="http://schemas.openxmlformats.org/drawingml/2006/main" xmlns:r="http://schemas.openxmlformats.org/officeDocument/2006/relationships" xmlns:p="http://schemas.openxmlformats.org/presentationml/2006/main">
+  <p:cSld>
+    <p:spTree>
+      <p:nvGrpSpPr>
+        <p:cNvPr id="1" name=""/>
+        <p:cNvGrpSpPr/>
+        <p:nvPr/>
+      </p:nvGrpSpPr>
+      <p:grpSpPr>
+        <a:xfrm>
+          <a:off x="0" y="0"/>
+          <a:ext cx="0" cy="0"/>
+          <a:chOff x="0" y="0"/>
+          <a:chExt cx="0" cy="0"/>
+        </a:xfrm>
+      </p:grpSpPr>
+      <p:sp>
+        <p:nvSpPr>
+          <p:cNvPr id="4" name="Título 1">
+            <a:extLst>
+              <a:ext uri="{FF2B5EF4-FFF2-40B4-BE49-F238E27FC236}">
+                <a16:creationId xmlns:a16="http://schemas.microsoft.com/office/drawing/2014/main" id="{32666AC8-2E17-4DB4-B0F5-60C640CCFD2E}"/>
+              </a:ext>
+            </a:extLst>
+          </p:cNvPr>
+          <p:cNvSpPr txBox="1">
+            <a:spLocks/>
+          </p:cNvSpPr>
+          <p:nvPr/>
+        </p:nvSpPr>
+        <p:spPr>
+          <a:xfrm>
+            <a:off x="1431533" y="2720526"/>
+            <a:ext cx="9144000" cy="1029541"/>
+          </a:xfrm>
+          <a:prstGeom prst="rect">
+            <a:avLst/>
+          </a:prstGeom>
+        </p:spPr>
+        <p:txBody>
+          <a:bodyPr vert="horz" lIns="91440" tIns="45720" rIns="91440" bIns="45720" rtlCol="0" anchor="ctr">
+            <a:normAutofit/>
+          </a:bodyPr>
+          <a:lstStyle>
+            <a:lvl1pPr algn="l" defTabSz="914400" rtl="0" eaLnBrk="1" latinLnBrk="0" hangingPunct="1">
+              <a:lnSpc>
+                <a:spcPct val="90000"/>
+              </a:lnSpc>
+              <a:spcBef>
+                <a:spcPct val="0"/>
+              </a:spcBef>
+              <a:buNone/>
+              <a:defRPr sz="4400" kern="1200">
+                <a:solidFill>
+                  <a:schemeClr val="tx1"/>
+                </a:solidFill>
+                <a:latin typeface="+mj-lt"/>
+                <a:ea typeface="+mj-ea"/>
+                <a:cs typeface="+mj-cs"/>
+              </a:defRPr>
+            </a:lvl1pPr>
+          </a:lstStyle>
+          <a:p>
+            <a:pPr algn="ctr"/>
+            <a:r>
+              <a:rPr lang="pt-BR" sz="6600" dirty="0"/>
               <a:t>Obrigado!</a:t>
             </a:r>
             <a:endParaRPr lang="pt-BR" sz="6600" b="1" i="1" dirty="0"/>
@@ -38775,7 +39030,7 @@
 </p:sld>
 </file>
 
-<file path=ppt/slides/slide33.xml><?xml version="1.0" encoding="utf-8"?>
+<file path=ppt/slides/slide34.xml><?xml version="1.0" encoding="utf-8"?>
 <p:sld xmlns:a="http://schemas.openxmlformats.org/drawingml/2006/main" xmlns:r="http://schemas.openxmlformats.org/officeDocument/2006/relationships" xmlns:p="http://schemas.openxmlformats.org/presentationml/2006/main">
   <p:cSld>
     <p:spTree>
@@ -42972,7 +43227,7 @@
 </p:sld>
 </file>
 
-<file path=ppt/slides/slide34.xml><?xml version="1.0" encoding="utf-8"?>
+<file path=ppt/slides/slide35.xml><?xml version="1.0" encoding="utf-8"?>
 <p:sld xmlns:a="http://schemas.openxmlformats.org/drawingml/2006/main" xmlns:r="http://schemas.openxmlformats.org/officeDocument/2006/relationships" xmlns:p="http://schemas.openxmlformats.org/presentationml/2006/main">
   <p:cSld>
     <p:spTree>

--- a/slides/TP557_7_Regressão_com_DNNs_parte_I.pptx
+++ b/slides/TP557_7_Regressão_com_DNNs_parte_I.pptx
@@ -5,10 +5,10 @@
     <p:sldMasterId id="2147483648" r:id="rId1"/>
   </p:sldMasterIdLst>
   <p:notesMasterIdLst>
-    <p:notesMasterId r:id="rId37"/>
+    <p:notesMasterId r:id="rId38"/>
   </p:notesMasterIdLst>
   <p:handoutMasterIdLst>
-    <p:handoutMasterId r:id="rId38"/>
+    <p:handoutMasterId r:id="rId39"/>
   </p:handoutMasterIdLst>
   <p:sldIdLst>
     <p:sldId id="256" r:id="rId2"/>
@@ -42,10 +42,11 @@
     <p:sldId id="426" r:id="rId30"/>
     <p:sldId id="405" r:id="rId31"/>
     <p:sldId id="321" r:id="rId32"/>
-    <p:sldId id="293" r:id="rId33"/>
-    <p:sldId id="306" r:id="rId34"/>
-    <p:sldId id="430" r:id="rId35"/>
-    <p:sldId id="432" r:id="rId36"/>
+    <p:sldId id="436" r:id="rId33"/>
+    <p:sldId id="293" r:id="rId34"/>
+    <p:sldId id="306" r:id="rId35"/>
+    <p:sldId id="430" r:id="rId36"/>
+    <p:sldId id="432" r:id="rId37"/>
   </p:sldIdLst>
   <p:sldSz cx="12192000" cy="6858000"/>
   <p:notesSz cx="7315200" cy="9601200"/>
@@ -1760,6 +1761,113 @@
 </p:notes>
 </file>
 
+<file path=ppt/notesSlides/notesSlide19.xml><?xml version="1.0" encoding="utf-8"?>
+<p:notes xmlns:a="http://schemas.openxmlformats.org/drawingml/2006/main" xmlns:r="http://schemas.openxmlformats.org/officeDocument/2006/relationships" xmlns:p="http://schemas.openxmlformats.org/presentationml/2006/main">
+  <p:cSld>
+    <p:spTree>
+      <p:nvGrpSpPr>
+        <p:cNvPr id="1" name=""/>
+        <p:cNvGrpSpPr/>
+        <p:nvPr/>
+      </p:nvGrpSpPr>
+      <p:grpSpPr>
+        <a:xfrm>
+          <a:off x="0" y="0"/>
+          <a:ext cx="0" cy="0"/>
+          <a:chOff x="0" y="0"/>
+          <a:chExt cx="0" cy="0"/>
+        </a:xfrm>
+      </p:grpSpPr>
+      <p:sp>
+        <p:nvSpPr>
+          <p:cNvPr id="2" name="Espaço Reservado para Imagem de Slide 1"/>
+          <p:cNvSpPr>
+            <a:spLocks noGrp="1" noRot="1" noChangeAspect="1"/>
+          </p:cNvSpPr>
+          <p:nvPr>
+            <p:ph type="sldImg"/>
+          </p:nvPr>
+        </p:nvSpPr>
+        <p:spPr/>
+      </p:sp>
+      <p:sp>
+        <p:nvSpPr>
+          <p:cNvPr id="3" name="Espaço Reservado para Anotações 2"/>
+          <p:cNvSpPr>
+            <a:spLocks noGrp="1"/>
+          </p:cNvSpPr>
+          <p:nvPr>
+            <p:ph type="body" idx="1"/>
+          </p:nvPr>
+        </p:nvSpPr>
+        <p:spPr/>
+        <p:txBody>
+          <a:bodyPr/>
+          <a:lstStyle/>
+          <a:p>
+            <a:pPr marL="0" marR="0" lvl="0" indent="0" algn="l" defTabSz="914400" rtl="0" eaLnBrk="1" fontAlgn="auto" latinLnBrk="0" hangingPunct="1">
+              <a:lnSpc>
+                <a:spcPct val="100000"/>
+              </a:lnSpc>
+              <a:spcBef>
+                <a:spcPts val="0"/>
+              </a:spcBef>
+              <a:spcAft>
+                <a:spcPts val="0"/>
+              </a:spcAft>
+              <a:buClrTx/>
+              <a:buSzTx/>
+              <a:buFontTx/>
+              <a:buNone/>
+              <a:tabLst/>
+              <a:defRPr/>
+            </a:pPr>
+            <a:r>
+              <a:rPr lang="pt-BR" dirty="0"/>
+              <a:t>https://colab.research.google.com/github/zz4fap/tp557-iot-ml/blob/master/examples/Usando_callbacks.ipynb</a:t>
+            </a:r>
+          </a:p>
+          <a:p>
+            <a:endParaRPr lang="pt-BR" dirty="0"/>
+          </a:p>
+        </p:txBody>
+      </p:sp>
+      <p:sp>
+        <p:nvSpPr>
+          <p:cNvPr id="4" name="Espaço Reservado para Número de Slide 3"/>
+          <p:cNvSpPr>
+            <a:spLocks noGrp="1"/>
+          </p:cNvSpPr>
+          <p:nvPr>
+            <p:ph type="sldNum" sz="quarter" idx="5"/>
+          </p:nvPr>
+        </p:nvSpPr>
+        <p:spPr/>
+        <p:txBody>
+          <a:bodyPr/>
+          <a:lstStyle/>
+          <a:p>
+            <a:fld id="{6FC8D850-966F-45A6-8DE7-15B891E7D40D}" type="slidenum">
+              <a:rPr lang="pt-BR" smtClean="0"/>
+              <a:t>31</a:t>
+            </a:fld>
+            <a:endParaRPr lang="pt-BR"/>
+          </a:p>
+        </p:txBody>
+      </p:sp>
+    </p:spTree>
+    <p:extLst>
+      <p:ext uri="{BB962C8B-B14F-4D97-AF65-F5344CB8AC3E}">
+        <p14:creationId xmlns:p14="http://schemas.microsoft.com/office/powerpoint/2010/main" val="2362226280"/>
+      </p:ext>
+    </p:extLst>
+  </p:cSld>
+  <p:clrMapOvr>
+    <a:masterClrMapping/>
+  </p:clrMapOvr>
+</p:notes>
+</file>
+
 <file path=ppt/notesSlides/notesSlide2.xml><?xml version="1.0" encoding="utf-8"?>
 <p:notes xmlns:a="http://schemas.openxmlformats.org/drawingml/2006/main" xmlns:r="http://schemas.openxmlformats.org/officeDocument/2006/relationships" xmlns:p="http://schemas.openxmlformats.org/presentationml/2006/main">
   <p:cSld>
@@ -1835,6 +1943,139 @@
     <p:extLst>
       <p:ext uri="{BB962C8B-B14F-4D97-AF65-F5344CB8AC3E}">
         <p14:creationId xmlns:p14="http://schemas.microsoft.com/office/powerpoint/2010/main" val="3874238656"/>
+      </p:ext>
+    </p:extLst>
+  </p:cSld>
+  <p:clrMapOvr>
+    <a:masterClrMapping/>
+  </p:clrMapOvr>
+</p:notes>
+</file>
+
+<file path=ppt/notesSlides/notesSlide20.xml><?xml version="1.0" encoding="utf-8"?>
+<p:notes xmlns:a="http://schemas.openxmlformats.org/drawingml/2006/main" xmlns:r="http://schemas.openxmlformats.org/officeDocument/2006/relationships" xmlns:p="http://schemas.openxmlformats.org/presentationml/2006/main">
+  <p:cSld>
+    <p:spTree>
+      <p:nvGrpSpPr>
+        <p:cNvPr id="1" name=""/>
+        <p:cNvGrpSpPr/>
+        <p:nvPr/>
+      </p:nvGrpSpPr>
+      <p:grpSpPr>
+        <a:xfrm>
+          <a:off x="0" y="0"/>
+          <a:ext cx="0" cy="0"/>
+          <a:chOff x="0" y="0"/>
+          <a:chExt cx="0" cy="0"/>
+        </a:xfrm>
+      </p:grpSpPr>
+      <p:sp>
+        <p:nvSpPr>
+          <p:cNvPr id="2" name="Espaço Reservado para Imagem de Slide 1"/>
+          <p:cNvSpPr>
+            <a:spLocks noGrp="1" noRot="1" noChangeAspect="1"/>
+          </p:cNvSpPr>
+          <p:nvPr>
+            <p:ph type="sldImg"/>
+          </p:nvPr>
+        </p:nvSpPr>
+        <p:spPr/>
+      </p:sp>
+      <p:sp>
+        <p:nvSpPr>
+          <p:cNvPr id="3" name="Espaço Reservado para Anotações 2"/>
+          <p:cNvSpPr>
+            <a:spLocks noGrp="1"/>
+          </p:cNvSpPr>
+          <p:nvPr>
+            <p:ph type="body" idx="1"/>
+          </p:nvPr>
+        </p:nvSpPr>
+        <p:spPr/>
+        <p:txBody>
+          <a:bodyPr/>
+          <a:lstStyle/>
+          <a:p>
+            <a:pPr marL="0" marR="0" lvl="0" indent="0" algn="l" defTabSz="914400" rtl="0" eaLnBrk="1" fontAlgn="auto" latinLnBrk="0" hangingPunct="1">
+              <a:lnSpc>
+                <a:spcPct val="100000"/>
+              </a:lnSpc>
+              <a:spcBef>
+                <a:spcPts val="0"/>
+              </a:spcBef>
+              <a:spcAft>
+                <a:spcPts val="0"/>
+              </a:spcAft>
+              <a:buClrTx/>
+              <a:buSzTx/>
+              <a:buFontTx/>
+              <a:buNone/>
+              <a:tabLst/>
+              <a:defRPr/>
+            </a:pPr>
+            <a:r>
+              <a:rPr lang="pt-BR" dirty="0"/>
+              <a:t>https://colab.research.google.com/</a:t>
+            </a:r>
+            <a:r>
+              <a:rPr lang="pt-BR" dirty="0" err="1"/>
+              <a:t>github</a:t>
+            </a:r>
+            <a:r>
+              <a:rPr lang="pt-BR" dirty="0"/>
+              <a:t>/zz4fap/tp557-iot-ml/</a:t>
+            </a:r>
+            <a:r>
+              <a:rPr lang="pt-BR" dirty="0" err="1"/>
+              <a:t>blob</a:t>
+            </a:r>
+            <a:r>
+              <a:rPr lang="pt-BR" dirty="0"/>
+              <a:t>/master/</a:t>
+            </a:r>
+            <a:r>
+              <a:rPr lang="pt-BR" dirty="0" err="1"/>
+              <a:t>examples</a:t>
+            </a:r>
+            <a:r>
+              <a:rPr lang="pt-BR" dirty="0"/>
+              <a:t>/</a:t>
+            </a:r>
+            <a:r>
+              <a:rPr lang="pt-BR" dirty="0" err="1"/>
+              <a:t>Regressão_com_DNNs.ipynb</a:t>
+            </a:r>
+            <a:endParaRPr lang="pt-BR" dirty="0"/>
+          </a:p>
+        </p:txBody>
+      </p:sp>
+      <p:sp>
+        <p:nvSpPr>
+          <p:cNvPr id="4" name="Espaço Reservado para Número de Slide 3"/>
+          <p:cNvSpPr>
+            <a:spLocks noGrp="1"/>
+          </p:cNvSpPr>
+          <p:nvPr>
+            <p:ph type="sldNum" sz="quarter" idx="5"/>
+          </p:nvPr>
+        </p:nvSpPr>
+        <p:spPr/>
+        <p:txBody>
+          <a:bodyPr/>
+          <a:lstStyle/>
+          <a:p>
+            <a:fld id="{6FC8D850-966F-45A6-8DE7-15B891E7D40D}" type="slidenum">
+              <a:rPr lang="pt-BR" smtClean="0"/>
+              <a:t>32</a:t>
+            </a:fld>
+            <a:endParaRPr lang="pt-BR"/>
+          </a:p>
+        </p:txBody>
+      </p:sp>
+    </p:spTree>
+    <p:extLst>
+      <p:ext uri="{BB962C8B-B14F-4D97-AF65-F5344CB8AC3E}">
+        <p14:creationId xmlns:p14="http://schemas.microsoft.com/office/powerpoint/2010/main" val="3505805873"/>
       </p:ext>
     </p:extLst>
   </p:cSld>
@@ -38837,7 +39078,7 @@
             </a:r>
             <a:r>
               <a:rPr lang="pt-BR" dirty="0">
-                <a:hlinkClick r:id="rId2"/>
+                <a:hlinkClick r:id="rId3"/>
               </a:rPr>
               <a:t>https://keras.io/callbacks/</a:t>
             </a:r>
@@ -38877,64 +39118,395 @@
       </p:grpSpPr>
       <p:sp>
         <p:nvSpPr>
-          <p:cNvPr id="4" name="Título 1">
+          <p:cNvPr id="2" name="Título 1">
             <a:extLst>
               <a:ext uri="{FF2B5EF4-FFF2-40B4-BE49-F238E27FC236}">
-                <a16:creationId xmlns:a16="http://schemas.microsoft.com/office/drawing/2014/main" id="{32666AC8-2E17-4DB4-B0F5-60C640CCFD2E}"/>
+                <a16:creationId xmlns:a16="http://schemas.microsoft.com/office/drawing/2014/main" id="{9CD00B3E-85D7-8B25-6629-4A85FF36133A}"/>
               </a:ext>
             </a:extLst>
           </p:cNvPr>
-          <p:cNvSpPr txBox="1">
-            <a:spLocks/>
+          <p:cNvSpPr>
+            <a:spLocks noGrp="1"/>
+          </p:cNvSpPr>
+          <p:nvPr>
+            <p:ph type="title"/>
+          </p:nvPr>
+        </p:nvSpPr>
+        <p:spPr/>
+        <p:txBody>
+          <a:bodyPr/>
+          <a:lstStyle/>
+          <a:p>
+            <a:r>
+              <a:rPr lang="pt-BR" dirty="0"/>
+              <a:t>Exemplo</a:t>
+            </a:r>
+          </a:p>
+        </p:txBody>
+      </p:sp>
+      <p:sp>
+        <p:nvSpPr>
+          <p:cNvPr id="3" name="Espaço Reservado para Conteúdo 2">
+            <a:extLst>
+              <a:ext uri="{FF2B5EF4-FFF2-40B4-BE49-F238E27FC236}">
+                <a16:creationId xmlns:a16="http://schemas.microsoft.com/office/drawing/2014/main" id="{9730104F-E6BA-B308-644A-11A7E4939EBD}"/>
+              </a:ext>
+            </a:extLst>
+          </p:cNvPr>
+          <p:cNvSpPr>
+            <a:spLocks noGrp="1"/>
+          </p:cNvSpPr>
+          <p:nvPr>
+            <p:ph idx="1"/>
+          </p:nvPr>
+        </p:nvSpPr>
+        <p:spPr/>
+        <p:txBody>
+          <a:bodyPr/>
+          <a:lstStyle/>
+          <a:p>
+            <a:r>
+              <a:rPr lang="pt-BR" sz="2800" dirty="0" err="1">
+                <a:hlinkClick r:id="rId3"/>
+              </a:rPr>
+              <a:t>Usando_callbacks.ipynb</a:t>
+            </a:r>
+            <a:endParaRPr lang="pt-BR" sz="2800" dirty="0"/>
+          </a:p>
+        </p:txBody>
+      </p:sp>
+      <p:pic>
+        <p:nvPicPr>
+          <p:cNvPr id="2050" name="Picture 2" descr="TensorFlow">
+            <a:extLst>
+              <a:ext uri="{FF2B5EF4-FFF2-40B4-BE49-F238E27FC236}">
+                <a16:creationId xmlns:a16="http://schemas.microsoft.com/office/drawing/2014/main" id="{87B75C17-2A48-E33A-B66B-927CA792D831}"/>
+              </a:ext>
+            </a:extLst>
+          </p:cNvPr>
+          <p:cNvPicPr>
+            <a:picLocks noChangeAspect="1" noChangeArrowheads="1"/>
+          </p:cNvPicPr>
+          <p:nvPr/>
+        </p:nvPicPr>
+        <p:blipFill>
+          <a:blip r:embed="rId4">
+            <a:extLst>
+              <a:ext uri="{28A0092B-C50C-407E-A947-70E740481C1C}">
+                <a14:useLocalDpi xmlns:a14="http://schemas.microsoft.com/office/drawing/2010/main" val="0"/>
+              </a:ext>
+            </a:extLst>
+          </a:blip>
+          <a:srcRect/>
+          <a:stretch>
+            <a:fillRect/>
+          </a:stretch>
+        </p:blipFill>
+        <p:spPr bwMode="auto">
+          <a:xfrm>
+            <a:off x="1939875" y="2923470"/>
+            <a:ext cx="4099479" cy="2305957"/>
+          </a:xfrm>
+          <a:prstGeom prst="rect">
+            <a:avLst/>
+          </a:prstGeom>
+          <a:noFill/>
+          <a:extLst>
+            <a:ext uri="{909E8E84-426E-40DD-AFC4-6F175D3DCCD1}">
+              <a14:hiddenFill xmlns:a14="http://schemas.microsoft.com/office/drawing/2010/main">
+                <a:solidFill>
+                  <a:srgbClr val="FFFFFF"/>
+                </a:solidFill>
+              </a14:hiddenFill>
+            </a:ext>
+          </a:extLst>
+        </p:spPr>
+      </p:pic>
+      <p:pic>
+        <p:nvPicPr>
+          <p:cNvPr id="2052" name="Picture 4" descr="Project Jupyter | Try Jupyter">
+            <a:extLst>
+              <a:ext uri="{FF2B5EF4-FFF2-40B4-BE49-F238E27FC236}">
+                <a16:creationId xmlns:a16="http://schemas.microsoft.com/office/drawing/2014/main" id="{FC70A9A5-A2C7-C005-C6C5-A9FF775654D9}"/>
+              </a:ext>
+            </a:extLst>
+          </p:cNvPr>
+          <p:cNvPicPr>
+            <a:picLocks noChangeAspect="1" noChangeArrowheads="1"/>
+          </p:cNvPicPr>
+          <p:nvPr/>
+        </p:nvPicPr>
+        <p:blipFill>
+          <a:blip r:embed="rId5">
+            <a:extLst>
+              <a:ext uri="{28A0092B-C50C-407E-A947-70E740481C1C}">
+                <a14:useLocalDpi xmlns:a14="http://schemas.microsoft.com/office/drawing/2010/main" val="0"/>
+              </a:ext>
+            </a:extLst>
+          </a:blip>
+          <a:srcRect/>
+          <a:stretch>
+            <a:fillRect/>
+          </a:stretch>
+        </p:blipFill>
+        <p:spPr bwMode="auto">
+          <a:xfrm>
+            <a:off x="5203370" y="3167764"/>
+            <a:ext cx="3461657" cy="1817370"/>
+          </a:xfrm>
+          <a:prstGeom prst="rect">
+            <a:avLst/>
+          </a:prstGeom>
+          <a:noFill/>
+          <a:extLst>
+            <a:ext uri="{909E8E84-426E-40DD-AFC4-6F175D3DCCD1}">
+              <a14:hiddenFill xmlns:a14="http://schemas.microsoft.com/office/drawing/2010/main">
+                <a:solidFill>
+                  <a:srgbClr val="FFFFFF"/>
+                </a:solidFill>
+              </a14:hiddenFill>
+            </a:ext>
+          </a:extLst>
+        </p:spPr>
+      </p:pic>
+      <p:pic>
+        <p:nvPicPr>
+          <p:cNvPr id="2056" name="Picture 8" descr="Google Colaboratory Colab - Guía Completa Español - Marketing Branding">
+            <a:extLst>
+              <a:ext uri="{FF2B5EF4-FFF2-40B4-BE49-F238E27FC236}">
+                <a16:creationId xmlns:a16="http://schemas.microsoft.com/office/drawing/2014/main" id="{8A007768-2032-FE11-22C9-9394A0EF02EF}"/>
+              </a:ext>
+            </a:extLst>
+          </p:cNvPr>
+          <p:cNvPicPr>
+            <a:picLocks noChangeAspect="1" noChangeArrowheads="1"/>
+          </p:cNvPicPr>
+          <p:nvPr/>
+        </p:nvPicPr>
+        <p:blipFill rotWithShape="1">
+          <a:blip r:embed="rId6">
+            <a:extLst>
+              <a:ext uri="{28A0092B-C50C-407E-A947-70E740481C1C}">
+                <a14:useLocalDpi xmlns:a14="http://schemas.microsoft.com/office/drawing/2010/main" val="0"/>
+              </a:ext>
+            </a:extLst>
+          </a:blip>
+          <a:srcRect l="5865" r="10641"/>
+          <a:stretch/>
+        </p:blipFill>
+        <p:spPr bwMode="auto">
+          <a:xfrm>
+            <a:off x="8665027" y="2746576"/>
+            <a:ext cx="3331071" cy="2659743"/>
+          </a:xfrm>
+          <a:prstGeom prst="rect">
+            <a:avLst/>
+          </a:prstGeom>
+          <a:noFill/>
+          <a:extLst>
+            <a:ext uri="{909E8E84-426E-40DD-AFC4-6F175D3DCCD1}">
+              <a14:hiddenFill xmlns:a14="http://schemas.microsoft.com/office/drawing/2010/main">
+                <a:solidFill>
+                  <a:srgbClr val="FFFFFF"/>
+                </a:solidFill>
+              </a14:hiddenFill>
+            </a:ext>
+          </a:extLst>
+        </p:spPr>
+      </p:pic>
+      <p:pic>
+        <p:nvPicPr>
+          <p:cNvPr id="2058" name="Picture 10" descr="IT12A01: FUNDAMENTALS OF PYTHON PROGRAMMING (SF) (SYNCHRONOUS E-LEARNING) -  NTUC LearningHub">
+            <a:extLst>
+              <a:ext uri="{FF2B5EF4-FFF2-40B4-BE49-F238E27FC236}">
+                <a16:creationId xmlns:a16="http://schemas.microsoft.com/office/drawing/2014/main" id="{80EDF8DB-E749-8471-3ACA-2FFE3006FC46}"/>
+              </a:ext>
+            </a:extLst>
+          </p:cNvPr>
+          <p:cNvPicPr>
+            <a:picLocks noChangeAspect="1" noChangeArrowheads="1"/>
+          </p:cNvPicPr>
+          <p:nvPr/>
+        </p:nvPicPr>
+        <p:blipFill rotWithShape="1">
+          <a:blip r:embed="rId7">
+            <a:extLst>
+              <a:ext uri="{28A0092B-C50C-407E-A947-70E740481C1C}">
+                <a14:useLocalDpi xmlns:a14="http://schemas.microsoft.com/office/drawing/2010/main" val="0"/>
+              </a:ext>
+            </a:extLst>
+          </a:blip>
+          <a:srcRect l="23319" r="20198"/>
+          <a:stretch/>
+        </p:blipFill>
+        <p:spPr bwMode="auto">
+          <a:xfrm>
+            <a:off x="304800" y="3167764"/>
+            <a:ext cx="1894114" cy="1877924"/>
+          </a:xfrm>
+          <a:prstGeom prst="rect">
+            <a:avLst/>
+          </a:prstGeom>
+          <a:noFill/>
+          <a:extLst>
+            <a:ext uri="{909E8E84-426E-40DD-AFC4-6F175D3DCCD1}">
+              <a14:hiddenFill xmlns:a14="http://schemas.microsoft.com/office/drawing/2010/main">
+                <a:solidFill>
+                  <a:srgbClr val="FFFFFF"/>
+                </a:solidFill>
+              </a14:hiddenFill>
+            </a:ext>
+          </a:extLst>
+        </p:spPr>
+      </p:pic>
+      <p:sp>
+        <p:nvSpPr>
+          <p:cNvPr id="8" name="Sinal de Adição 7">
+            <a:extLst>
+              <a:ext uri="{FF2B5EF4-FFF2-40B4-BE49-F238E27FC236}">
+                <a16:creationId xmlns:a16="http://schemas.microsoft.com/office/drawing/2014/main" id="{89317CF7-D83C-5980-45A9-863C64A2BE61}"/>
+              </a:ext>
+            </a:extLst>
+          </p:cNvPr>
+          <p:cNvSpPr>
+            <a:spLocks noChangeAspect="1"/>
           </p:cNvSpPr>
           <p:nvPr/>
         </p:nvSpPr>
         <p:spPr>
           <a:xfrm>
-            <a:off x="1431533" y="2720526"/>
-            <a:ext cx="9144000" cy="1029541"/>
+            <a:off x="2198914" y="3535968"/>
+            <a:ext cx="468000" cy="468000"/>
           </a:xfrm>
-          <a:prstGeom prst="rect">
+          <a:prstGeom prst="mathPlus">
             <a:avLst/>
           </a:prstGeom>
         </p:spPr>
+        <p:style>
+          <a:lnRef idx="2">
+            <a:schemeClr val="accent1">
+              <a:shade val="15000"/>
+            </a:schemeClr>
+          </a:lnRef>
+          <a:fillRef idx="1">
+            <a:schemeClr val="accent1"/>
+          </a:fillRef>
+          <a:effectRef idx="0">
+            <a:schemeClr val="accent1"/>
+          </a:effectRef>
+          <a:fontRef idx="minor">
+            <a:schemeClr val="lt1"/>
+          </a:fontRef>
+        </p:style>
         <p:txBody>
-          <a:bodyPr vert="horz" lIns="91440" tIns="45720" rIns="91440" bIns="45720" rtlCol="0" anchor="ctr">
-            <a:normAutofit/>
-          </a:bodyPr>
-          <a:lstStyle>
-            <a:lvl1pPr algn="l" defTabSz="914400" rtl="0" eaLnBrk="1" latinLnBrk="0" hangingPunct="1">
-              <a:lnSpc>
-                <a:spcPct val="90000"/>
-              </a:lnSpc>
-              <a:spcBef>
-                <a:spcPct val="0"/>
-              </a:spcBef>
-              <a:buNone/>
-              <a:defRPr sz="4400" kern="1200">
-                <a:solidFill>
-                  <a:schemeClr val="tx1"/>
-                </a:solidFill>
-                <a:latin typeface="+mj-lt"/>
-                <a:ea typeface="+mj-ea"/>
-                <a:cs typeface="+mj-cs"/>
-              </a:defRPr>
-            </a:lvl1pPr>
-          </a:lstStyle>
+          <a:bodyPr rtlCol="0" anchor="ctr"/>
+          <a:lstStyle/>
           <a:p>
             <a:pPr algn="ctr"/>
-            <a:r>
-              <a:rPr lang="pt-BR" sz="6600" dirty="0"/>
-              <a:t>Perguntas?</a:t>
-            </a:r>
-            <a:endParaRPr lang="pt-BR" sz="6600" b="1" i="1" dirty="0"/>
+            <a:endParaRPr lang="pt-BR"/>
+          </a:p>
+        </p:txBody>
+      </p:sp>
+      <p:sp>
+        <p:nvSpPr>
+          <p:cNvPr id="10" name="Sinal de Adição 9">
+            <a:extLst>
+              <a:ext uri="{FF2B5EF4-FFF2-40B4-BE49-F238E27FC236}">
+                <a16:creationId xmlns:a16="http://schemas.microsoft.com/office/drawing/2014/main" id="{C6DC4B29-EABA-20F7-BB46-C33BEC93E2DD}"/>
+              </a:ext>
+            </a:extLst>
+          </p:cNvPr>
+          <p:cNvSpPr>
+            <a:spLocks noChangeAspect="1"/>
+          </p:cNvSpPr>
+          <p:nvPr/>
+        </p:nvSpPr>
+        <p:spPr>
+          <a:xfrm>
+            <a:off x="5279613" y="3535968"/>
+            <a:ext cx="468000" cy="468000"/>
+          </a:xfrm>
+          <a:prstGeom prst="mathPlus">
+            <a:avLst/>
+          </a:prstGeom>
+        </p:spPr>
+        <p:style>
+          <a:lnRef idx="2">
+            <a:schemeClr val="accent1">
+              <a:shade val="15000"/>
+            </a:schemeClr>
+          </a:lnRef>
+          <a:fillRef idx="1">
+            <a:schemeClr val="accent1"/>
+          </a:fillRef>
+          <a:effectRef idx="0">
+            <a:schemeClr val="accent1"/>
+          </a:effectRef>
+          <a:fontRef idx="minor">
+            <a:schemeClr val="lt1"/>
+          </a:fontRef>
+        </p:style>
+        <p:txBody>
+          <a:bodyPr rtlCol="0" anchor="ctr"/>
+          <a:lstStyle/>
+          <a:p>
+            <a:pPr algn="ctr"/>
+            <a:endParaRPr lang="pt-BR"/>
+          </a:p>
+        </p:txBody>
+      </p:sp>
+      <p:sp>
+        <p:nvSpPr>
+          <p:cNvPr id="11" name="Sinal de Adição 10">
+            <a:extLst>
+              <a:ext uri="{FF2B5EF4-FFF2-40B4-BE49-F238E27FC236}">
+                <a16:creationId xmlns:a16="http://schemas.microsoft.com/office/drawing/2014/main" id="{FF65B64B-136B-DCC4-8A01-509D3D5CD19F}"/>
+              </a:ext>
+            </a:extLst>
+          </p:cNvPr>
+          <p:cNvSpPr>
+            <a:spLocks noChangeAspect="1"/>
+          </p:cNvSpPr>
+          <p:nvPr/>
+        </p:nvSpPr>
+        <p:spPr>
+          <a:xfrm>
+            <a:off x="7968386" y="3533294"/>
+            <a:ext cx="468000" cy="468000"/>
+          </a:xfrm>
+          <a:prstGeom prst="mathPlus">
+            <a:avLst/>
+          </a:prstGeom>
+        </p:spPr>
+        <p:style>
+          <a:lnRef idx="2">
+            <a:schemeClr val="accent1">
+              <a:shade val="15000"/>
+            </a:schemeClr>
+          </a:lnRef>
+          <a:fillRef idx="1">
+            <a:schemeClr val="accent1"/>
+          </a:fillRef>
+          <a:effectRef idx="0">
+            <a:schemeClr val="accent1"/>
+          </a:effectRef>
+          <a:fontRef idx="minor">
+            <a:schemeClr val="lt1"/>
+          </a:fontRef>
+        </p:style>
+        <p:txBody>
+          <a:bodyPr rtlCol="0" anchor="ctr"/>
+          <a:lstStyle/>
+          <a:p>
+            <a:pPr algn="ctr"/>
+            <a:endParaRPr lang="pt-BR"/>
           </a:p>
         </p:txBody>
       </p:sp>
     </p:spTree>
     <p:extLst>
       <p:ext uri="{BB962C8B-B14F-4D97-AF65-F5344CB8AC3E}">
-        <p14:creationId xmlns:p14="http://schemas.microsoft.com/office/powerpoint/2010/main" val="1975981511"/>
+        <p14:creationId xmlns:p14="http://schemas.microsoft.com/office/powerpoint/2010/main" val="2893870506"/>
       </p:ext>
     </p:extLst>
   </p:cSld>
@@ -39011,6 +39583,92 @@
             <a:pPr algn="ctr"/>
             <a:r>
               <a:rPr lang="pt-BR" sz="6600" dirty="0"/>
+              <a:t>Perguntas?</a:t>
+            </a:r>
+            <a:endParaRPr lang="pt-BR" sz="6600" b="1" i="1" dirty="0"/>
+          </a:p>
+        </p:txBody>
+      </p:sp>
+    </p:spTree>
+    <p:extLst>
+      <p:ext uri="{BB962C8B-B14F-4D97-AF65-F5344CB8AC3E}">
+        <p14:creationId xmlns:p14="http://schemas.microsoft.com/office/powerpoint/2010/main" val="1975981511"/>
+      </p:ext>
+    </p:extLst>
+  </p:cSld>
+  <p:clrMapOvr>
+    <a:masterClrMapping/>
+  </p:clrMapOvr>
+</p:sld>
+</file>
+
+<file path=ppt/slides/slide34.xml><?xml version="1.0" encoding="utf-8"?>
+<p:sld xmlns:a="http://schemas.openxmlformats.org/drawingml/2006/main" xmlns:r="http://schemas.openxmlformats.org/officeDocument/2006/relationships" xmlns:p="http://schemas.openxmlformats.org/presentationml/2006/main">
+  <p:cSld>
+    <p:spTree>
+      <p:nvGrpSpPr>
+        <p:cNvPr id="1" name=""/>
+        <p:cNvGrpSpPr/>
+        <p:nvPr/>
+      </p:nvGrpSpPr>
+      <p:grpSpPr>
+        <a:xfrm>
+          <a:off x="0" y="0"/>
+          <a:ext cx="0" cy="0"/>
+          <a:chOff x="0" y="0"/>
+          <a:chExt cx="0" cy="0"/>
+        </a:xfrm>
+      </p:grpSpPr>
+      <p:sp>
+        <p:nvSpPr>
+          <p:cNvPr id="4" name="Título 1">
+            <a:extLst>
+              <a:ext uri="{FF2B5EF4-FFF2-40B4-BE49-F238E27FC236}">
+                <a16:creationId xmlns:a16="http://schemas.microsoft.com/office/drawing/2014/main" id="{32666AC8-2E17-4DB4-B0F5-60C640CCFD2E}"/>
+              </a:ext>
+            </a:extLst>
+          </p:cNvPr>
+          <p:cNvSpPr txBox="1">
+            <a:spLocks/>
+          </p:cNvSpPr>
+          <p:nvPr/>
+        </p:nvSpPr>
+        <p:spPr>
+          <a:xfrm>
+            <a:off x="1431533" y="2720526"/>
+            <a:ext cx="9144000" cy="1029541"/>
+          </a:xfrm>
+          <a:prstGeom prst="rect">
+            <a:avLst/>
+          </a:prstGeom>
+        </p:spPr>
+        <p:txBody>
+          <a:bodyPr vert="horz" lIns="91440" tIns="45720" rIns="91440" bIns="45720" rtlCol="0" anchor="ctr">
+            <a:normAutofit/>
+          </a:bodyPr>
+          <a:lstStyle>
+            <a:lvl1pPr algn="l" defTabSz="914400" rtl="0" eaLnBrk="1" latinLnBrk="0" hangingPunct="1">
+              <a:lnSpc>
+                <a:spcPct val="90000"/>
+              </a:lnSpc>
+              <a:spcBef>
+                <a:spcPct val="0"/>
+              </a:spcBef>
+              <a:buNone/>
+              <a:defRPr sz="4400" kern="1200">
+                <a:solidFill>
+                  <a:schemeClr val="tx1"/>
+                </a:solidFill>
+                <a:latin typeface="+mj-lt"/>
+                <a:ea typeface="+mj-ea"/>
+                <a:cs typeface="+mj-cs"/>
+              </a:defRPr>
+            </a:lvl1pPr>
+          </a:lstStyle>
+          <a:p>
+            <a:pPr algn="ctr"/>
+            <a:r>
+              <a:rPr lang="pt-BR" sz="6600" dirty="0"/>
               <a:t>Obrigado!</a:t>
             </a:r>
             <a:endParaRPr lang="pt-BR" sz="6600" b="1" i="1" dirty="0"/>
@@ -39030,7 +39688,7 @@
 </p:sld>
 </file>
 
-<file path=ppt/slides/slide34.xml><?xml version="1.0" encoding="utf-8"?>
+<file path=ppt/slides/slide35.xml><?xml version="1.0" encoding="utf-8"?>
 <p:sld xmlns:a="http://schemas.openxmlformats.org/drawingml/2006/main" xmlns:r="http://schemas.openxmlformats.org/officeDocument/2006/relationships" xmlns:p="http://schemas.openxmlformats.org/presentationml/2006/main">
   <p:cSld>
     <p:spTree>
@@ -43227,7 +43885,7 @@
 </p:sld>
 </file>
 
-<file path=ppt/slides/slide35.xml><?xml version="1.0" encoding="utf-8"?>
+<file path=ppt/slides/slide36.xml><?xml version="1.0" encoding="utf-8"?>
 <p:sld xmlns:a="http://schemas.openxmlformats.org/drawingml/2006/main" xmlns:r="http://schemas.openxmlformats.org/officeDocument/2006/relationships" xmlns:p="http://schemas.openxmlformats.org/presentationml/2006/main">
   <p:cSld>
     <p:spTree>

--- a/slides/TP557_7_Regressão_com_DNNs_parte_I.pptx
+++ b/slides/TP557_7_Regressão_com_DNNs_parte_I.pptx
@@ -310,7 +310,7 @@
           <a:p>
             <a:fld id="{144F1436-6906-4D93-B7A2-786C327BFA14}" type="datetimeFigureOut">
               <a:rPr lang="nl-BE" smtClean="0"/>
-              <a:t>7/09/2023</a:t>
+              <a:t>8/09/2023</a:t>
             </a:fld>
             <a:endParaRPr lang="nl-BE"/>
           </a:p>
@@ -475,7 +475,7 @@
           <a:p>
             <a:fld id="{AA8CD09E-2914-4F47-B6C1-51B2C31814C9}" type="datetimeFigureOut">
               <a:rPr lang="pt-BR" smtClean="0"/>
-              <a:t>07/09/2023</a:t>
+              <a:t>08/09/2023</a:t>
             </a:fld>
             <a:endParaRPr lang="pt-BR"/>
           </a:p>
@@ -3149,7 +3149,7 @@
           <a:p>
             <a:fld id="{63289F7E-B80B-496E-81B4-D396C37C9454}" type="datetimeFigureOut">
               <a:rPr lang="pt-BR" smtClean="0"/>
-              <a:t>07/09/2023</a:t>
+              <a:t>08/09/2023</a:t>
             </a:fld>
             <a:endParaRPr lang="pt-BR"/>
           </a:p>
@@ -3347,7 +3347,7 @@
           <a:p>
             <a:fld id="{63289F7E-B80B-496E-81B4-D396C37C9454}" type="datetimeFigureOut">
               <a:rPr lang="pt-BR" smtClean="0"/>
-              <a:t>07/09/2023</a:t>
+              <a:t>08/09/2023</a:t>
             </a:fld>
             <a:endParaRPr lang="pt-BR"/>
           </a:p>
@@ -3555,7 +3555,7 @@
           <a:p>
             <a:fld id="{63289F7E-B80B-496E-81B4-D396C37C9454}" type="datetimeFigureOut">
               <a:rPr lang="pt-BR" smtClean="0"/>
-              <a:t>07/09/2023</a:t>
+              <a:t>08/09/2023</a:t>
             </a:fld>
             <a:endParaRPr lang="pt-BR"/>
           </a:p>
@@ -3753,7 +3753,7 @@
           <a:p>
             <a:fld id="{63289F7E-B80B-496E-81B4-D396C37C9454}" type="datetimeFigureOut">
               <a:rPr lang="pt-BR" smtClean="0"/>
-              <a:t>07/09/2023</a:t>
+              <a:t>08/09/2023</a:t>
             </a:fld>
             <a:endParaRPr lang="pt-BR"/>
           </a:p>
@@ -4028,7 +4028,7 @@
           <a:p>
             <a:fld id="{63289F7E-B80B-496E-81B4-D396C37C9454}" type="datetimeFigureOut">
               <a:rPr lang="pt-BR" smtClean="0"/>
-              <a:t>07/09/2023</a:t>
+              <a:t>08/09/2023</a:t>
             </a:fld>
             <a:endParaRPr lang="pt-BR"/>
           </a:p>
@@ -4293,7 +4293,7 @@
           <a:p>
             <a:fld id="{63289F7E-B80B-496E-81B4-D396C37C9454}" type="datetimeFigureOut">
               <a:rPr lang="pt-BR" smtClean="0"/>
-              <a:t>07/09/2023</a:t>
+              <a:t>08/09/2023</a:t>
             </a:fld>
             <a:endParaRPr lang="pt-BR"/>
           </a:p>
@@ -4705,7 +4705,7 @@
           <a:p>
             <a:fld id="{63289F7E-B80B-496E-81B4-D396C37C9454}" type="datetimeFigureOut">
               <a:rPr lang="pt-BR" smtClean="0"/>
-              <a:t>07/09/2023</a:t>
+              <a:t>08/09/2023</a:t>
             </a:fld>
             <a:endParaRPr lang="pt-BR"/>
           </a:p>
@@ -4846,7 +4846,7 @@
           <a:p>
             <a:fld id="{63289F7E-B80B-496E-81B4-D396C37C9454}" type="datetimeFigureOut">
               <a:rPr lang="pt-BR" smtClean="0"/>
-              <a:t>07/09/2023</a:t>
+              <a:t>08/09/2023</a:t>
             </a:fld>
             <a:endParaRPr lang="pt-BR"/>
           </a:p>
@@ -4959,7 +4959,7 @@
           <a:p>
             <a:fld id="{63289F7E-B80B-496E-81B4-D396C37C9454}" type="datetimeFigureOut">
               <a:rPr lang="pt-BR" smtClean="0"/>
-              <a:t>07/09/2023</a:t>
+              <a:t>08/09/2023</a:t>
             </a:fld>
             <a:endParaRPr lang="pt-BR"/>
           </a:p>
@@ -5270,7 +5270,7 @@
           <a:p>
             <a:fld id="{63289F7E-B80B-496E-81B4-D396C37C9454}" type="datetimeFigureOut">
               <a:rPr lang="pt-BR" smtClean="0"/>
-              <a:t>07/09/2023</a:t>
+              <a:t>08/09/2023</a:t>
             </a:fld>
             <a:endParaRPr lang="pt-BR"/>
           </a:p>
@@ -5558,7 +5558,7 @@
           <a:p>
             <a:fld id="{63289F7E-B80B-496E-81B4-D396C37C9454}" type="datetimeFigureOut">
               <a:rPr lang="pt-BR" smtClean="0"/>
-              <a:t>07/09/2023</a:t>
+              <a:t>08/09/2023</a:t>
             </a:fld>
             <a:endParaRPr lang="pt-BR"/>
           </a:p>
@@ -5799,7 +5799,7 @@
           <a:p>
             <a:fld id="{63289F7E-B80B-496E-81B4-D396C37C9454}" type="datetimeFigureOut">
               <a:rPr lang="pt-BR" smtClean="0"/>
-              <a:t>07/09/2023</a:t>
+              <a:t>08/09/2023</a:t>
             </a:fld>
             <a:endParaRPr lang="pt-BR"/>
           </a:p>
@@ -8747,14 +8747,168 @@
           </a:p>
         </p:txBody>
       </p:sp>
-      <mc:AlternateContent xmlns:mc="http://schemas.openxmlformats.org/markup-compatibility/2006" xmlns:a14="http://schemas.microsoft.com/office/drawing/2010/main">
-        <mc:Choice Requires="a14">
+      <p:sp>
+        <p:nvSpPr>
+          <p:cNvPr id="27" name="Elipse 26">
+            <a:extLst>
+              <a:ext uri="{FF2B5EF4-FFF2-40B4-BE49-F238E27FC236}">
+                <a16:creationId xmlns:a16="http://schemas.microsoft.com/office/drawing/2014/main" id="{69AFB094-43B1-8880-457C-124F65E7AA05}"/>
+              </a:ext>
+            </a:extLst>
+          </p:cNvPr>
+          <p:cNvSpPr/>
+          <p:nvPr/>
+        </p:nvSpPr>
+        <p:spPr>
+          <a:xfrm>
+            <a:off x="971322" y="3042545"/>
+            <a:ext cx="288000" cy="288000"/>
+          </a:xfrm>
+          <a:prstGeom prst="ellipse">
+            <a:avLst/>
+          </a:prstGeom>
+          <a:noFill/>
+          <a:ln>
+            <a:solidFill>
+              <a:schemeClr val="tx1"/>
+            </a:solidFill>
+          </a:ln>
+        </p:spPr>
+        <p:style>
+          <a:lnRef idx="2">
+            <a:schemeClr val="accent1">
+              <a:shade val="15000"/>
+            </a:schemeClr>
+          </a:lnRef>
+          <a:fillRef idx="1">
+            <a:schemeClr val="accent1"/>
+          </a:fillRef>
+          <a:effectRef idx="0">
+            <a:schemeClr val="accent1"/>
+          </a:effectRef>
+          <a:fontRef idx="minor">
+            <a:schemeClr val="lt1"/>
+          </a:fontRef>
+        </p:style>
+        <p:txBody>
+          <a:bodyPr rtlCol="0" anchor="ctr"/>
+          <a:lstStyle/>
+          <a:p>
+            <a:pPr algn="ctr"/>
+            <a:endParaRPr lang="pt-BR" dirty="0"/>
+          </a:p>
+        </p:txBody>
+      </p:sp>
+      <p:sp>
+        <p:nvSpPr>
+          <p:cNvPr id="29" name="Elipse 28">
+            <a:extLst>
+              <a:ext uri="{FF2B5EF4-FFF2-40B4-BE49-F238E27FC236}">
+                <a16:creationId xmlns:a16="http://schemas.microsoft.com/office/drawing/2014/main" id="{651583E6-8146-1C20-2C9A-EFA7502FAB23}"/>
+              </a:ext>
+            </a:extLst>
+          </p:cNvPr>
+          <p:cNvSpPr/>
+          <p:nvPr/>
+        </p:nvSpPr>
+        <p:spPr>
+          <a:xfrm>
+            <a:off x="982749" y="4504166"/>
+            <a:ext cx="288000" cy="288000"/>
+          </a:xfrm>
+          <a:prstGeom prst="ellipse">
+            <a:avLst/>
+          </a:prstGeom>
+          <a:noFill/>
+          <a:ln>
+            <a:solidFill>
+              <a:schemeClr val="tx1"/>
+            </a:solidFill>
+          </a:ln>
+        </p:spPr>
+        <p:style>
+          <a:lnRef idx="2">
+            <a:schemeClr val="accent1">
+              <a:shade val="15000"/>
+            </a:schemeClr>
+          </a:lnRef>
+          <a:fillRef idx="1">
+            <a:schemeClr val="accent1"/>
+          </a:fillRef>
+          <a:effectRef idx="0">
+            <a:schemeClr val="accent1"/>
+          </a:effectRef>
+          <a:fontRef idx="minor">
+            <a:schemeClr val="lt1"/>
+          </a:fontRef>
+        </p:style>
+        <p:txBody>
+          <a:bodyPr rtlCol="0" anchor="ctr"/>
+          <a:lstStyle/>
+          <a:p>
+            <a:pPr algn="ctr"/>
+            <a:endParaRPr lang="pt-BR" dirty="0"/>
+          </a:p>
+        </p:txBody>
+      </p:sp>
+      <p:sp>
+        <p:nvSpPr>
+          <p:cNvPr id="35" name="Retângulo 34">
+            <a:extLst>
+              <a:ext uri="{FF2B5EF4-FFF2-40B4-BE49-F238E27FC236}">
+                <a16:creationId xmlns:a16="http://schemas.microsoft.com/office/drawing/2014/main" id="{05E33D71-30D4-A18F-F9B4-B17BD449DC99}"/>
+              </a:ext>
+            </a:extLst>
+          </p:cNvPr>
+          <p:cNvSpPr/>
+          <p:nvPr/>
+        </p:nvSpPr>
+        <p:spPr>
+          <a:xfrm>
+            <a:off x="920926" y="2974265"/>
+            <a:ext cx="390805" cy="1940635"/>
+          </a:xfrm>
+          <a:prstGeom prst="rect">
+            <a:avLst/>
+          </a:prstGeom>
+          <a:noFill/>
+          <a:ln>
+            <a:prstDash val="dash"/>
+          </a:ln>
+        </p:spPr>
+        <p:style>
+          <a:lnRef idx="2">
+            <a:schemeClr val="accent1">
+              <a:shade val="15000"/>
+            </a:schemeClr>
+          </a:lnRef>
+          <a:fillRef idx="1">
+            <a:schemeClr val="accent1"/>
+          </a:fillRef>
+          <a:effectRef idx="0">
+            <a:schemeClr val="accent1"/>
+          </a:effectRef>
+          <a:fontRef idx="minor">
+            <a:schemeClr val="lt1"/>
+          </a:fontRef>
+        </p:style>
+        <p:txBody>
+          <a:bodyPr rtlCol="0" anchor="ctr"/>
+          <a:lstStyle/>
+          <a:p>
+            <a:pPr algn="ctr"/>
+            <a:endParaRPr lang="pt-BR" dirty="0"/>
+          </a:p>
+        </p:txBody>
+      </p:sp>
+      <mc:AlternateContent xmlns:mc="http://schemas.openxmlformats.org/markup-compatibility/2006">
+        <mc:Choice xmlns:a14="http://schemas.microsoft.com/office/drawing/2010/main" Requires="a14">
           <p:sp>
             <p:nvSpPr>
-              <p:cNvPr id="31" name="CaixaDeTexto 30">
+              <p:cNvPr id="37" name="CaixaDeTexto 36">
                 <a:extLst>
                   <a:ext uri="{FF2B5EF4-FFF2-40B4-BE49-F238E27FC236}">
-                    <a16:creationId xmlns:a16="http://schemas.microsoft.com/office/drawing/2014/main" id="{D098067F-41E5-A30D-0A56-7B5535338012}"/>
+                    <a16:creationId xmlns:a16="http://schemas.microsoft.com/office/drawing/2014/main" id="{0DC5AB40-59DB-81C6-B885-55553A8E4740}"/>
                   </a:ext>
                 </a:extLst>
               </p:cNvPr>
@@ -8763,7 +8917,7 @@
             </p:nvSpPr>
             <p:spPr>
               <a:xfrm>
-                <a:off x="4283525" y="3389441"/>
+                <a:off x="4268107" y="3429389"/>
                 <a:ext cx="266702" cy="369332"/>
               </a:xfrm>
               <a:prstGeom prst="rect">
@@ -8793,12 +8947,24 @@
                           </m:ctrlPr>
                         </m:sSubPr>
                         <m:e>
-                          <m:r>
-                            <a:rPr lang="pt-BR" b="0" i="1" smtClean="0">
-                              <a:latin typeface="Cambria Math" panose="02040503050406030204" pitchFamily="18" charset="0"/>
-                            </a:rPr>
-                            <m:t>𝑦</m:t>
-                          </m:r>
+                          <m:acc>
+                            <m:accPr>
+                              <m:chr m:val="̂"/>
+                              <m:ctrlPr>
+                                <a:rPr lang="pt-BR" i="1" smtClean="0">
+                                  <a:latin typeface="Cambria Math" panose="02040503050406030204" pitchFamily="18" charset="0"/>
+                                </a:rPr>
+                              </m:ctrlPr>
+                            </m:accPr>
+                            <m:e>
+                              <m:r>
+                                <a:rPr lang="pt-BR" b="0" i="1" smtClean="0">
+                                  <a:latin typeface="Cambria Math" panose="02040503050406030204" pitchFamily="18" charset="0"/>
+                                </a:rPr>
+                                <m:t>𝑦</m:t>
+                              </m:r>
+                            </m:e>
+                          </m:acc>
                         </m:e>
                         <m:sub>
                           <m:r>
@@ -8817,13 +8983,13 @@
             </p:txBody>
           </p:sp>
         </mc:Choice>
-        <mc:Fallback xmlns="">
+        <mc:Fallback>
           <p:sp>
             <p:nvSpPr>
-              <p:cNvPr id="31" name="CaixaDeTexto 30">
+              <p:cNvPr id="37" name="CaixaDeTexto 36">
                 <a:extLst>
                   <a:ext uri="{FF2B5EF4-FFF2-40B4-BE49-F238E27FC236}">
-                    <a16:creationId xmlns:a16="http://schemas.microsoft.com/office/drawing/2014/main" id="{D098067F-41E5-A30D-0A56-7B5535338012}"/>
+                    <a16:creationId xmlns:a16="http://schemas.microsoft.com/office/drawing/2014/main" id="{0DC5AB40-59DB-81C6-B885-55553A8E4740}"/>
                   </a:ext>
                 </a:extLst>
               </p:cNvPr>
@@ -8834,7 +9000,7 @@
             </p:nvSpPr>
             <p:spPr>
               <a:xfrm>
-                <a:off x="4283525" y="3389441"/>
+                <a:off x="4268107" y="3429389"/>
                 <a:ext cx="266702" cy="369332"/>
               </a:xfrm>
               <a:prstGeom prst="rect">
@@ -8843,7 +9009,7 @@
               <a:blipFill>
                 <a:blip r:embed="rId4"/>
                 <a:stretch>
-                  <a:fillRect r="-37209" b="-6557"/>
+                  <a:fillRect t="-6667" r="-36364" b="-6667"/>
                 </a:stretch>
               </a:blipFill>
             </p:spPr>
@@ -8862,14 +9028,14 @@
           </p:sp>
         </mc:Fallback>
       </mc:AlternateContent>
-      <mc:AlternateContent xmlns:mc="http://schemas.openxmlformats.org/markup-compatibility/2006" xmlns:a14="http://schemas.microsoft.com/office/drawing/2010/main">
-        <mc:Choice Requires="a14">
+      <mc:AlternateContent xmlns:mc="http://schemas.openxmlformats.org/markup-compatibility/2006">
+        <mc:Choice xmlns:a14="http://schemas.microsoft.com/office/drawing/2010/main" Requires="a14">
           <p:sp>
             <p:nvSpPr>
-              <p:cNvPr id="33" name="CaixaDeTexto 32">
+              <p:cNvPr id="39" name="CaixaDeTexto 38">
                 <a:extLst>
                   <a:ext uri="{FF2B5EF4-FFF2-40B4-BE49-F238E27FC236}">
-                    <a16:creationId xmlns:a16="http://schemas.microsoft.com/office/drawing/2014/main" id="{6CBA627C-F78B-FE7B-C056-A886387A76B6}"/>
+                    <a16:creationId xmlns:a16="http://schemas.microsoft.com/office/drawing/2014/main" id="{F934570C-207C-50C9-2531-E7840ED9BB8D}"/>
                   </a:ext>
                 </a:extLst>
               </p:cNvPr>
@@ -8878,7 +9044,7 @@
             </p:nvSpPr>
             <p:spPr>
               <a:xfrm>
-                <a:off x="4283525" y="4099934"/>
+                <a:off x="4268107" y="4139882"/>
                 <a:ext cx="266702" cy="369332"/>
               </a:xfrm>
               <a:prstGeom prst="rect">
@@ -8908,12 +9074,24 @@
                           </m:ctrlPr>
                         </m:sSubPr>
                         <m:e>
-                          <m:r>
-                            <a:rPr lang="pt-BR" b="0" i="1" smtClean="0">
-                              <a:latin typeface="Cambria Math" panose="02040503050406030204" pitchFamily="18" charset="0"/>
-                            </a:rPr>
-                            <m:t>𝑦</m:t>
-                          </m:r>
+                          <m:acc>
+                            <m:accPr>
+                              <m:chr m:val="̂"/>
+                              <m:ctrlPr>
+                                <a:rPr lang="pt-BR" i="1" smtClean="0">
+                                  <a:latin typeface="Cambria Math" panose="02040503050406030204" pitchFamily="18" charset="0"/>
+                                </a:rPr>
+                              </m:ctrlPr>
+                            </m:accPr>
+                            <m:e>
+                              <m:r>
+                                <a:rPr lang="pt-BR" b="0" i="1" smtClean="0">
+                                  <a:latin typeface="Cambria Math" panose="02040503050406030204" pitchFamily="18" charset="0"/>
+                                </a:rPr>
+                                <m:t>𝑦</m:t>
+                              </m:r>
+                            </m:e>
+                          </m:acc>
                         </m:e>
                         <m:sub>
                           <m:r>
@@ -8932,13 +9110,13 @@
             </p:txBody>
           </p:sp>
         </mc:Choice>
-        <mc:Fallback xmlns="">
+        <mc:Fallback>
           <p:sp>
             <p:nvSpPr>
-              <p:cNvPr id="33" name="CaixaDeTexto 32">
+              <p:cNvPr id="39" name="CaixaDeTexto 38">
                 <a:extLst>
                   <a:ext uri="{FF2B5EF4-FFF2-40B4-BE49-F238E27FC236}">
-                    <a16:creationId xmlns:a16="http://schemas.microsoft.com/office/drawing/2014/main" id="{6CBA627C-F78B-FE7B-C056-A886387A76B6}"/>
+                    <a16:creationId xmlns:a16="http://schemas.microsoft.com/office/drawing/2014/main" id="{F934570C-207C-50C9-2531-E7840ED9BB8D}"/>
                   </a:ext>
                 </a:extLst>
               </p:cNvPr>
@@ -8949,7 +9127,7 @@
             </p:nvSpPr>
             <p:spPr>
               <a:xfrm>
-                <a:off x="4283525" y="4099934"/>
+                <a:off x="4268107" y="4139882"/>
                 <a:ext cx="266702" cy="369332"/>
               </a:xfrm>
               <a:prstGeom prst="rect">
@@ -8958,7 +9136,7 @@
               <a:blipFill>
                 <a:blip r:embed="rId5"/>
                 <a:stretch>
-                  <a:fillRect r="-39535" b="-6667"/>
+                  <a:fillRect t="-6557" r="-38636" b="-6557"/>
                 </a:stretch>
               </a:blipFill>
             </p:spPr>
@@ -11281,14 +11459,168 @@
           </a:p>
         </p:txBody>
       </p:sp>
-      <mc:AlternateContent xmlns:mc="http://schemas.openxmlformats.org/markup-compatibility/2006" xmlns:a14="http://schemas.microsoft.com/office/drawing/2010/main">
-        <mc:Choice Requires="a14">
+      <p:sp>
+        <p:nvSpPr>
+          <p:cNvPr id="27" name="Elipse 26">
+            <a:extLst>
+              <a:ext uri="{FF2B5EF4-FFF2-40B4-BE49-F238E27FC236}">
+                <a16:creationId xmlns:a16="http://schemas.microsoft.com/office/drawing/2014/main" id="{22A93382-D88C-70E6-9B59-1AF2FD479481}"/>
+              </a:ext>
+            </a:extLst>
+          </p:cNvPr>
+          <p:cNvSpPr/>
+          <p:nvPr/>
+        </p:nvSpPr>
+        <p:spPr>
+          <a:xfrm>
+            <a:off x="971322" y="3042545"/>
+            <a:ext cx="288000" cy="288000"/>
+          </a:xfrm>
+          <a:prstGeom prst="ellipse">
+            <a:avLst/>
+          </a:prstGeom>
+          <a:noFill/>
+          <a:ln>
+            <a:solidFill>
+              <a:schemeClr val="tx1"/>
+            </a:solidFill>
+          </a:ln>
+        </p:spPr>
+        <p:style>
+          <a:lnRef idx="2">
+            <a:schemeClr val="accent1">
+              <a:shade val="15000"/>
+            </a:schemeClr>
+          </a:lnRef>
+          <a:fillRef idx="1">
+            <a:schemeClr val="accent1"/>
+          </a:fillRef>
+          <a:effectRef idx="0">
+            <a:schemeClr val="accent1"/>
+          </a:effectRef>
+          <a:fontRef idx="minor">
+            <a:schemeClr val="lt1"/>
+          </a:fontRef>
+        </p:style>
+        <p:txBody>
+          <a:bodyPr rtlCol="0" anchor="ctr"/>
+          <a:lstStyle/>
+          <a:p>
+            <a:pPr algn="ctr"/>
+            <a:endParaRPr lang="pt-BR" dirty="0"/>
+          </a:p>
+        </p:txBody>
+      </p:sp>
+      <p:sp>
+        <p:nvSpPr>
+          <p:cNvPr id="29" name="Elipse 28">
+            <a:extLst>
+              <a:ext uri="{FF2B5EF4-FFF2-40B4-BE49-F238E27FC236}">
+                <a16:creationId xmlns:a16="http://schemas.microsoft.com/office/drawing/2014/main" id="{708469EC-6004-2D63-0804-7B226F3E1CB1}"/>
+              </a:ext>
+            </a:extLst>
+          </p:cNvPr>
+          <p:cNvSpPr/>
+          <p:nvPr/>
+        </p:nvSpPr>
+        <p:spPr>
+          <a:xfrm>
+            <a:off x="982749" y="4504166"/>
+            <a:ext cx="288000" cy="288000"/>
+          </a:xfrm>
+          <a:prstGeom prst="ellipse">
+            <a:avLst/>
+          </a:prstGeom>
+          <a:noFill/>
+          <a:ln>
+            <a:solidFill>
+              <a:schemeClr val="tx1"/>
+            </a:solidFill>
+          </a:ln>
+        </p:spPr>
+        <p:style>
+          <a:lnRef idx="2">
+            <a:schemeClr val="accent1">
+              <a:shade val="15000"/>
+            </a:schemeClr>
+          </a:lnRef>
+          <a:fillRef idx="1">
+            <a:schemeClr val="accent1"/>
+          </a:fillRef>
+          <a:effectRef idx="0">
+            <a:schemeClr val="accent1"/>
+          </a:effectRef>
+          <a:fontRef idx="minor">
+            <a:schemeClr val="lt1"/>
+          </a:fontRef>
+        </p:style>
+        <p:txBody>
+          <a:bodyPr rtlCol="0" anchor="ctr"/>
+          <a:lstStyle/>
+          <a:p>
+            <a:pPr algn="ctr"/>
+            <a:endParaRPr lang="pt-BR" dirty="0"/>
+          </a:p>
+        </p:txBody>
+      </p:sp>
+      <p:sp>
+        <p:nvSpPr>
+          <p:cNvPr id="35" name="Retângulo 34">
+            <a:extLst>
+              <a:ext uri="{FF2B5EF4-FFF2-40B4-BE49-F238E27FC236}">
+                <a16:creationId xmlns:a16="http://schemas.microsoft.com/office/drawing/2014/main" id="{D1BB9D04-F15F-3E34-E391-00EB80B9A840}"/>
+              </a:ext>
+            </a:extLst>
+          </p:cNvPr>
+          <p:cNvSpPr/>
+          <p:nvPr/>
+        </p:nvSpPr>
+        <p:spPr>
+          <a:xfrm>
+            <a:off x="920926" y="2974265"/>
+            <a:ext cx="390805" cy="1940635"/>
+          </a:xfrm>
+          <a:prstGeom prst="rect">
+            <a:avLst/>
+          </a:prstGeom>
+          <a:noFill/>
+          <a:ln>
+            <a:prstDash val="dash"/>
+          </a:ln>
+        </p:spPr>
+        <p:style>
+          <a:lnRef idx="2">
+            <a:schemeClr val="accent1">
+              <a:shade val="15000"/>
+            </a:schemeClr>
+          </a:lnRef>
+          <a:fillRef idx="1">
+            <a:schemeClr val="accent1"/>
+          </a:fillRef>
+          <a:effectRef idx="0">
+            <a:schemeClr val="accent1"/>
+          </a:effectRef>
+          <a:fontRef idx="minor">
+            <a:schemeClr val="lt1"/>
+          </a:fontRef>
+        </p:style>
+        <p:txBody>
+          <a:bodyPr rtlCol="0" anchor="ctr"/>
+          <a:lstStyle/>
+          <a:p>
+            <a:pPr algn="ctr"/>
+            <a:endParaRPr lang="pt-BR" dirty="0"/>
+          </a:p>
+        </p:txBody>
+      </p:sp>
+      <mc:AlternateContent xmlns:mc="http://schemas.openxmlformats.org/markup-compatibility/2006">
+        <mc:Choice xmlns:a14="http://schemas.microsoft.com/office/drawing/2010/main" Requires="a14">
           <p:sp>
             <p:nvSpPr>
-              <p:cNvPr id="31" name="CaixaDeTexto 30">
+              <p:cNvPr id="37" name="CaixaDeTexto 36">
                 <a:extLst>
                   <a:ext uri="{FF2B5EF4-FFF2-40B4-BE49-F238E27FC236}">
-                    <a16:creationId xmlns:a16="http://schemas.microsoft.com/office/drawing/2014/main" id="{D098067F-41E5-A30D-0A56-7B5535338012}"/>
+                    <a16:creationId xmlns:a16="http://schemas.microsoft.com/office/drawing/2014/main" id="{82791097-3950-FBA9-E13E-B8305DFB45B1}"/>
                   </a:ext>
                 </a:extLst>
               </p:cNvPr>
@@ -11297,7 +11629,7 @@
             </p:nvSpPr>
             <p:spPr>
               <a:xfrm>
-                <a:off x="4283525" y="3389441"/>
+                <a:off x="4268107" y="3429389"/>
                 <a:ext cx="266702" cy="369332"/>
               </a:xfrm>
               <a:prstGeom prst="rect">
@@ -11327,12 +11659,24 @@
                           </m:ctrlPr>
                         </m:sSubPr>
                         <m:e>
-                          <m:r>
-                            <a:rPr lang="pt-BR" b="0" i="1" smtClean="0">
-                              <a:latin typeface="Cambria Math" panose="02040503050406030204" pitchFamily="18" charset="0"/>
-                            </a:rPr>
-                            <m:t>𝑦</m:t>
-                          </m:r>
+                          <m:acc>
+                            <m:accPr>
+                              <m:chr m:val="̂"/>
+                              <m:ctrlPr>
+                                <a:rPr lang="pt-BR" i="1" smtClean="0">
+                                  <a:latin typeface="Cambria Math" panose="02040503050406030204" pitchFamily="18" charset="0"/>
+                                </a:rPr>
+                              </m:ctrlPr>
+                            </m:accPr>
+                            <m:e>
+                              <m:r>
+                                <a:rPr lang="pt-BR" b="0" i="1" smtClean="0">
+                                  <a:latin typeface="Cambria Math" panose="02040503050406030204" pitchFamily="18" charset="0"/>
+                                </a:rPr>
+                                <m:t>𝑦</m:t>
+                              </m:r>
+                            </m:e>
+                          </m:acc>
                         </m:e>
                         <m:sub>
                           <m:r>
@@ -11351,13 +11695,13 @@
             </p:txBody>
           </p:sp>
         </mc:Choice>
-        <mc:Fallback xmlns="">
+        <mc:Fallback>
           <p:sp>
             <p:nvSpPr>
-              <p:cNvPr id="31" name="CaixaDeTexto 30">
+              <p:cNvPr id="37" name="CaixaDeTexto 36">
                 <a:extLst>
                   <a:ext uri="{FF2B5EF4-FFF2-40B4-BE49-F238E27FC236}">
-                    <a16:creationId xmlns:a16="http://schemas.microsoft.com/office/drawing/2014/main" id="{D098067F-41E5-A30D-0A56-7B5535338012}"/>
+                    <a16:creationId xmlns:a16="http://schemas.microsoft.com/office/drawing/2014/main" id="{82791097-3950-FBA9-E13E-B8305DFB45B1}"/>
                   </a:ext>
                 </a:extLst>
               </p:cNvPr>
@@ -11368,7 +11712,7 @@
             </p:nvSpPr>
             <p:spPr>
               <a:xfrm>
-                <a:off x="4283525" y="3389441"/>
+                <a:off x="4268107" y="3429389"/>
                 <a:ext cx="266702" cy="369332"/>
               </a:xfrm>
               <a:prstGeom prst="rect">
@@ -11377,7 +11721,7 @@
               <a:blipFill>
                 <a:blip r:embed="rId4"/>
                 <a:stretch>
-                  <a:fillRect r="-37209" b="-6557"/>
+                  <a:fillRect t="-6667" r="-36364" b="-6667"/>
                 </a:stretch>
               </a:blipFill>
             </p:spPr>
@@ -11396,14 +11740,14 @@
           </p:sp>
         </mc:Fallback>
       </mc:AlternateContent>
-      <mc:AlternateContent xmlns:mc="http://schemas.openxmlformats.org/markup-compatibility/2006" xmlns:a14="http://schemas.microsoft.com/office/drawing/2010/main">
-        <mc:Choice Requires="a14">
+      <mc:AlternateContent xmlns:mc="http://schemas.openxmlformats.org/markup-compatibility/2006">
+        <mc:Choice xmlns:a14="http://schemas.microsoft.com/office/drawing/2010/main" Requires="a14">
           <p:sp>
             <p:nvSpPr>
-              <p:cNvPr id="33" name="CaixaDeTexto 32">
+              <p:cNvPr id="39" name="CaixaDeTexto 38">
                 <a:extLst>
                   <a:ext uri="{FF2B5EF4-FFF2-40B4-BE49-F238E27FC236}">
-                    <a16:creationId xmlns:a16="http://schemas.microsoft.com/office/drawing/2014/main" id="{6CBA627C-F78B-FE7B-C056-A886387A76B6}"/>
+                    <a16:creationId xmlns:a16="http://schemas.microsoft.com/office/drawing/2014/main" id="{9D67A65A-9B31-85CF-0C2E-6BE00120B57D}"/>
                   </a:ext>
                 </a:extLst>
               </p:cNvPr>
@@ -11412,7 +11756,7 @@
             </p:nvSpPr>
             <p:spPr>
               <a:xfrm>
-                <a:off x="4283525" y="4099934"/>
+                <a:off x="4268107" y="4139882"/>
                 <a:ext cx="266702" cy="369332"/>
               </a:xfrm>
               <a:prstGeom prst="rect">
@@ -11442,12 +11786,24 @@
                           </m:ctrlPr>
                         </m:sSubPr>
                         <m:e>
-                          <m:r>
-                            <a:rPr lang="pt-BR" b="0" i="1" smtClean="0">
-                              <a:latin typeface="Cambria Math" panose="02040503050406030204" pitchFamily="18" charset="0"/>
-                            </a:rPr>
-                            <m:t>𝑦</m:t>
-                          </m:r>
+                          <m:acc>
+                            <m:accPr>
+                              <m:chr m:val="̂"/>
+                              <m:ctrlPr>
+                                <a:rPr lang="pt-BR" i="1" smtClean="0">
+                                  <a:latin typeface="Cambria Math" panose="02040503050406030204" pitchFamily="18" charset="0"/>
+                                </a:rPr>
+                              </m:ctrlPr>
+                            </m:accPr>
+                            <m:e>
+                              <m:r>
+                                <a:rPr lang="pt-BR" b="0" i="1" smtClean="0">
+                                  <a:latin typeface="Cambria Math" panose="02040503050406030204" pitchFamily="18" charset="0"/>
+                                </a:rPr>
+                                <m:t>𝑦</m:t>
+                              </m:r>
+                            </m:e>
+                          </m:acc>
                         </m:e>
                         <m:sub>
                           <m:r>
@@ -11466,13 +11822,13 @@
             </p:txBody>
           </p:sp>
         </mc:Choice>
-        <mc:Fallback xmlns="">
+        <mc:Fallback>
           <p:sp>
             <p:nvSpPr>
-              <p:cNvPr id="33" name="CaixaDeTexto 32">
+              <p:cNvPr id="39" name="CaixaDeTexto 38">
                 <a:extLst>
                   <a:ext uri="{FF2B5EF4-FFF2-40B4-BE49-F238E27FC236}">
-                    <a16:creationId xmlns:a16="http://schemas.microsoft.com/office/drawing/2014/main" id="{6CBA627C-F78B-FE7B-C056-A886387A76B6}"/>
+                    <a16:creationId xmlns:a16="http://schemas.microsoft.com/office/drawing/2014/main" id="{9D67A65A-9B31-85CF-0C2E-6BE00120B57D}"/>
                   </a:ext>
                 </a:extLst>
               </p:cNvPr>
@@ -11483,7 +11839,7 @@
             </p:nvSpPr>
             <p:spPr>
               <a:xfrm>
-                <a:off x="4283525" y="4099934"/>
+                <a:off x="4268107" y="4139882"/>
                 <a:ext cx="266702" cy="369332"/>
               </a:xfrm>
               <a:prstGeom prst="rect">
@@ -11492,7 +11848,7 @@
               <a:blipFill>
                 <a:blip r:embed="rId5"/>
                 <a:stretch>
-                  <a:fillRect r="-39535" b="-6667"/>
+                  <a:fillRect t="-6557" r="-38636" b="-6557"/>
                 </a:stretch>
               </a:blipFill>
             </p:spPr>
@@ -45363,6 +45719,2246 @@
             </p:sp>
           </mc:Fallback>
         </mc:AlternateContent>
+      </p:grpSp>
+      <p:grpSp>
+        <p:nvGrpSpPr>
+          <p:cNvPr id="106" name="Agrupar 105">
+            <a:extLst>
+              <a:ext uri="{FF2B5EF4-FFF2-40B4-BE49-F238E27FC236}">
+                <a16:creationId xmlns:a16="http://schemas.microsoft.com/office/drawing/2014/main" id="{00E5DEFA-4749-3000-5EE3-3CE1DB95952B}"/>
+              </a:ext>
+            </a:extLst>
+          </p:cNvPr>
+          <p:cNvGrpSpPr/>
+          <p:nvPr/>
+        </p:nvGrpSpPr>
+        <p:grpSpPr>
+          <a:xfrm>
+            <a:off x="6493051" y="2516477"/>
+            <a:ext cx="3613883" cy="2721428"/>
+            <a:chOff x="6493051" y="2516477"/>
+            <a:chExt cx="3613883" cy="2721428"/>
+          </a:xfrm>
+        </p:grpSpPr>
+        <p:grpSp>
+          <p:nvGrpSpPr>
+            <p:cNvPr id="61" name="Agrupar 60">
+              <a:extLst>
+                <a:ext uri="{FF2B5EF4-FFF2-40B4-BE49-F238E27FC236}">
+                  <a16:creationId xmlns:a16="http://schemas.microsoft.com/office/drawing/2014/main" id="{46FA90D2-6D21-74D3-DA17-F66928C524FB}"/>
+                </a:ext>
+              </a:extLst>
+            </p:cNvPr>
+            <p:cNvGrpSpPr/>
+            <p:nvPr/>
+          </p:nvGrpSpPr>
+          <p:grpSpPr>
+            <a:xfrm>
+              <a:off x="6834866" y="2516477"/>
+              <a:ext cx="3026226" cy="2721428"/>
+              <a:chOff x="598713" y="2645229"/>
+              <a:chExt cx="3026226" cy="2721428"/>
+            </a:xfrm>
+          </p:grpSpPr>
+          <p:sp>
+            <p:nvSpPr>
+              <p:cNvPr id="62" name="Elipse 61">
+                <a:extLst>
+                  <a:ext uri="{FF2B5EF4-FFF2-40B4-BE49-F238E27FC236}">
+                    <a16:creationId xmlns:a16="http://schemas.microsoft.com/office/drawing/2014/main" id="{E83514E8-28D5-559E-49FD-6BFE4720F622}"/>
+                  </a:ext>
+                </a:extLst>
+              </p:cNvPr>
+              <p:cNvSpPr/>
+              <p:nvPr/>
+            </p:nvSpPr>
+            <p:spPr>
+              <a:xfrm>
+                <a:off x="1828800" y="2645229"/>
+                <a:ext cx="566057" cy="566057"/>
+              </a:xfrm>
+              <a:prstGeom prst="ellipse">
+                <a:avLst/>
+              </a:prstGeom>
+              <a:solidFill>
+                <a:schemeClr val="bg1">
+                  <a:lumMod val="85000"/>
+                </a:schemeClr>
+              </a:solidFill>
+              <a:ln>
+                <a:noFill/>
+              </a:ln>
+            </p:spPr>
+            <p:style>
+              <a:lnRef idx="2">
+                <a:schemeClr val="accent1">
+                  <a:shade val="15000"/>
+                </a:schemeClr>
+              </a:lnRef>
+              <a:fillRef idx="1">
+                <a:schemeClr val="accent1"/>
+              </a:fillRef>
+              <a:effectRef idx="0">
+                <a:schemeClr val="accent1"/>
+              </a:effectRef>
+              <a:fontRef idx="minor">
+                <a:schemeClr val="lt1"/>
+              </a:fontRef>
+            </p:style>
+            <p:txBody>
+              <a:bodyPr rtlCol="0" anchor="ctr"/>
+              <a:lstStyle/>
+              <a:p>
+                <a:pPr algn="ctr"/>
+                <a:endParaRPr lang="pt-BR" dirty="0"/>
+              </a:p>
+            </p:txBody>
+          </p:sp>
+          <p:sp>
+            <p:nvSpPr>
+              <p:cNvPr id="63" name="Elipse 62">
+                <a:extLst>
+                  <a:ext uri="{FF2B5EF4-FFF2-40B4-BE49-F238E27FC236}">
+                    <a16:creationId xmlns:a16="http://schemas.microsoft.com/office/drawing/2014/main" id="{0A3C2BDF-C144-FB6F-A111-BC3DE2165DC0}"/>
+                  </a:ext>
+                </a:extLst>
+              </p:cNvPr>
+              <p:cNvSpPr/>
+              <p:nvPr/>
+            </p:nvSpPr>
+            <p:spPr>
+              <a:xfrm>
+                <a:off x="1828799" y="3363686"/>
+                <a:ext cx="566057" cy="566057"/>
+              </a:xfrm>
+              <a:prstGeom prst="ellipse">
+                <a:avLst/>
+              </a:prstGeom>
+              <a:solidFill>
+                <a:schemeClr val="bg1">
+                  <a:lumMod val="85000"/>
+                </a:schemeClr>
+              </a:solidFill>
+              <a:ln>
+                <a:noFill/>
+              </a:ln>
+            </p:spPr>
+            <p:style>
+              <a:lnRef idx="2">
+                <a:schemeClr val="accent1">
+                  <a:shade val="15000"/>
+                </a:schemeClr>
+              </a:lnRef>
+              <a:fillRef idx="1">
+                <a:schemeClr val="accent1"/>
+              </a:fillRef>
+              <a:effectRef idx="0">
+                <a:schemeClr val="accent1"/>
+              </a:effectRef>
+              <a:fontRef idx="minor">
+                <a:schemeClr val="lt1"/>
+              </a:fontRef>
+            </p:style>
+            <p:txBody>
+              <a:bodyPr rtlCol="0" anchor="ctr"/>
+              <a:lstStyle/>
+              <a:p>
+                <a:pPr algn="ctr"/>
+                <a:endParaRPr lang="pt-BR" dirty="0"/>
+              </a:p>
+            </p:txBody>
+          </p:sp>
+          <p:sp>
+            <p:nvSpPr>
+              <p:cNvPr id="64" name="Elipse 63">
+                <a:extLst>
+                  <a:ext uri="{FF2B5EF4-FFF2-40B4-BE49-F238E27FC236}">
+                    <a16:creationId xmlns:a16="http://schemas.microsoft.com/office/drawing/2014/main" id="{602BB5A4-93ED-67E9-8B69-A659AF7AF2CB}"/>
+                  </a:ext>
+                </a:extLst>
+              </p:cNvPr>
+              <p:cNvSpPr/>
+              <p:nvPr/>
+            </p:nvSpPr>
+            <p:spPr>
+              <a:xfrm>
+                <a:off x="1828799" y="4082143"/>
+                <a:ext cx="566057" cy="566057"/>
+              </a:xfrm>
+              <a:prstGeom prst="ellipse">
+                <a:avLst/>
+              </a:prstGeom>
+              <a:solidFill>
+                <a:schemeClr val="bg1">
+                  <a:lumMod val="85000"/>
+                </a:schemeClr>
+              </a:solidFill>
+              <a:ln>
+                <a:noFill/>
+              </a:ln>
+            </p:spPr>
+            <p:style>
+              <a:lnRef idx="2">
+                <a:schemeClr val="accent1">
+                  <a:shade val="15000"/>
+                </a:schemeClr>
+              </a:lnRef>
+              <a:fillRef idx="1">
+                <a:schemeClr val="accent1"/>
+              </a:fillRef>
+              <a:effectRef idx="0">
+                <a:schemeClr val="accent1"/>
+              </a:effectRef>
+              <a:fontRef idx="minor">
+                <a:schemeClr val="lt1"/>
+              </a:fontRef>
+            </p:style>
+            <p:txBody>
+              <a:bodyPr rtlCol="0" anchor="ctr"/>
+              <a:lstStyle/>
+              <a:p>
+                <a:pPr algn="ctr"/>
+                <a:endParaRPr lang="pt-BR" dirty="0"/>
+              </a:p>
+            </p:txBody>
+          </p:sp>
+          <p:sp>
+            <p:nvSpPr>
+              <p:cNvPr id="65" name="Elipse 64">
+                <a:extLst>
+                  <a:ext uri="{FF2B5EF4-FFF2-40B4-BE49-F238E27FC236}">
+                    <a16:creationId xmlns:a16="http://schemas.microsoft.com/office/drawing/2014/main" id="{307E5A11-8975-543A-2B0B-62CBC72929FD}"/>
+                  </a:ext>
+                </a:extLst>
+              </p:cNvPr>
+              <p:cNvSpPr/>
+              <p:nvPr/>
+            </p:nvSpPr>
+            <p:spPr>
+              <a:xfrm>
+                <a:off x="1828799" y="4800600"/>
+                <a:ext cx="566057" cy="566057"/>
+              </a:xfrm>
+              <a:prstGeom prst="ellipse">
+                <a:avLst/>
+              </a:prstGeom>
+              <a:solidFill>
+                <a:schemeClr val="bg1">
+                  <a:lumMod val="85000"/>
+                </a:schemeClr>
+              </a:solidFill>
+              <a:ln>
+                <a:noFill/>
+              </a:ln>
+            </p:spPr>
+            <p:style>
+              <a:lnRef idx="2">
+                <a:schemeClr val="accent1">
+                  <a:shade val="15000"/>
+                </a:schemeClr>
+              </a:lnRef>
+              <a:fillRef idx="1">
+                <a:schemeClr val="accent1"/>
+              </a:fillRef>
+              <a:effectRef idx="0">
+                <a:schemeClr val="accent1"/>
+              </a:effectRef>
+              <a:fontRef idx="minor">
+                <a:schemeClr val="lt1"/>
+              </a:fontRef>
+            </p:style>
+            <p:txBody>
+              <a:bodyPr rtlCol="0" anchor="ctr"/>
+              <a:lstStyle/>
+              <a:p>
+                <a:pPr algn="ctr"/>
+                <a:endParaRPr lang="pt-BR" dirty="0"/>
+              </a:p>
+            </p:txBody>
+          </p:sp>
+          <p:sp>
+            <p:nvSpPr>
+              <p:cNvPr id="66" name="Elipse 65">
+                <a:extLst>
+                  <a:ext uri="{FF2B5EF4-FFF2-40B4-BE49-F238E27FC236}">
+                    <a16:creationId xmlns:a16="http://schemas.microsoft.com/office/drawing/2014/main" id="{C74387BF-F51B-A4AD-737C-573BDD5E39E8}"/>
+                  </a:ext>
+                </a:extLst>
+              </p:cNvPr>
+              <p:cNvSpPr/>
+              <p:nvPr/>
+            </p:nvSpPr>
+            <p:spPr>
+              <a:xfrm>
+                <a:off x="2786742" y="3363685"/>
+                <a:ext cx="566057" cy="566057"/>
+              </a:xfrm>
+              <a:prstGeom prst="ellipse">
+                <a:avLst/>
+              </a:prstGeom>
+              <a:solidFill>
+                <a:schemeClr val="bg1">
+                  <a:lumMod val="85000"/>
+                </a:schemeClr>
+              </a:solidFill>
+              <a:ln>
+                <a:noFill/>
+              </a:ln>
+            </p:spPr>
+            <p:style>
+              <a:lnRef idx="2">
+                <a:schemeClr val="accent1">
+                  <a:shade val="15000"/>
+                </a:schemeClr>
+              </a:lnRef>
+              <a:fillRef idx="1">
+                <a:schemeClr val="accent1"/>
+              </a:fillRef>
+              <a:effectRef idx="0">
+                <a:schemeClr val="accent1"/>
+              </a:effectRef>
+              <a:fontRef idx="minor">
+                <a:schemeClr val="lt1"/>
+              </a:fontRef>
+            </p:style>
+            <p:txBody>
+              <a:bodyPr rtlCol="0" anchor="ctr"/>
+              <a:lstStyle/>
+              <a:p>
+                <a:pPr algn="ctr"/>
+                <a:endParaRPr lang="pt-BR" dirty="0"/>
+              </a:p>
+            </p:txBody>
+          </p:sp>
+          <p:sp>
+            <p:nvSpPr>
+              <p:cNvPr id="67" name="Elipse 66">
+                <a:extLst>
+                  <a:ext uri="{FF2B5EF4-FFF2-40B4-BE49-F238E27FC236}">
+                    <a16:creationId xmlns:a16="http://schemas.microsoft.com/office/drawing/2014/main" id="{12D26ADB-BDC0-4CB4-D634-D17FC45EA5AF}"/>
+                  </a:ext>
+                </a:extLst>
+              </p:cNvPr>
+              <p:cNvSpPr/>
+              <p:nvPr/>
+            </p:nvSpPr>
+            <p:spPr>
+              <a:xfrm>
+                <a:off x="2786741" y="4082142"/>
+                <a:ext cx="566057" cy="566057"/>
+              </a:xfrm>
+              <a:prstGeom prst="ellipse">
+                <a:avLst/>
+              </a:prstGeom>
+              <a:solidFill>
+                <a:schemeClr val="bg1">
+                  <a:lumMod val="85000"/>
+                </a:schemeClr>
+              </a:solidFill>
+              <a:ln>
+                <a:noFill/>
+              </a:ln>
+            </p:spPr>
+            <p:style>
+              <a:lnRef idx="2">
+                <a:schemeClr val="accent1">
+                  <a:shade val="15000"/>
+                </a:schemeClr>
+              </a:lnRef>
+              <a:fillRef idx="1">
+                <a:schemeClr val="accent1"/>
+              </a:fillRef>
+              <a:effectRef idx="0">
+                <a:schemeClr val="accent1"/>
+              </a:effectRef>
+              <a:fontRef idx="minor">
+                <a:schemeClr val="lt1"/>
+              </a:fontRef>
+            </p:style>
+            <p:txBody>
+              <a:bodyPr rtlCol="0" anchor="ctr"/>
+              <a:lstStyle/>
+              <a:p>
+                <a:pPr algn="ctr"/>
+                <a:endParaRPr lang="pt-BR" dirty="0"/>
+              </a:p>
+            </p:txBody>
+          </p:sp>
+          <p:sp>
+            <p:nvSpPr>
+              <p:cNvPr id="68" name="Elipse 67">
+                <a:extLst>
+                  <a:ext uri="{FF2B5EF4-FFF2-40B4-BE49-F238E27FC236}">
+                    <a16:creationId xmlns:a16="http://schemas.microsoft.com/office/drawing/2014/main" id="{D56F69FA-C31D-22B5-FCDF-901E58D20CD2}"/>
+                  </a:ext>
+                </a:extLst>
+              </p:cNvPr>
+              <p:cNvSpPr/>
+              <p:nvPr/>
+            </p:nvSpPr>
+            <p:spPr>
+              <a:xfrm>
+                <a:off x="870856" y="2962615"/>
+                <a:ext cx="566057" cy="566057"/>
+              </a:xfrm>
+              <a:prstGeom prst="ellipse">
+                <a:avLst/>
+              </a:prstGeom>
+              <a:solidFill>
+                <a:schemeClr val="bg1">
+                  <a:lumMod val="85000"/>
+                </a:schemeClr>
+              </a:solidFill>
+              <a:ln>
+                <a:noFill/>
+              </a:ln>
+            </p:spPr>
+            <p:style>
+              <a:lnRef idx="2">
+                <a:schemeClr val="accent1">
+                  <a:shade val="15000"/>
+                </a:schemeClr>
+              </a:lnRef>
+              <a:fillRef idx="1">
+                <a:schemeClr val="accent1"/>
+              </a:fillRef>
+              <a:effectRef idx="0">
+                <a:schemeClr val="accent1"/>
+              </a:effectRef>
+              <a:fontRef idx="minor">
+                <a:schemeClr val="lt1"/>
+              </a:fontRef>
+            </p:style>
+            <p:txBody>
+              <a:bodyPr rtlCol="0" anchor="ctr"/>
+              <a:lstStyle/>
+              <a:p>
+                <a:pPr algn="ctr"/>
+                <a:endParaRPr lang="pt-BR" dirty="0"/>
+              </a:p>
+            </p:txBody>
+          </p:sp>
+          <p:sp>
+            <p:nvSpPr>
+              <p:cNvPr id="69" name="Elipse 68">
+                <a:extLst>
+                  <a:ext uri="{FF2B5EF4-FFF2-40B4-BE49-F238E27FC236}">
+                    <a16:creationId xmlns:a16="http://schemas.microsoft.com/office/drawing/2014/main" id="{D2274404-02C8-02AE-2B1F-190B6892877D}"/>
+                  </a:ext>
+                </a:extLst>
+              </p:cNvPr>
+              <p:cNvSpPr/>
+              <p:nvPr/>
+            </p:nvSpPr>
+            <p:spPr>
+              <a:xfrm>
+                <a:off x="870856" y="3718265"/>
+                <a:ext cx="566057" cy="566057"/>
+              </a:xfrm>
+              <a:prstGeom prst="ellipse">
+                <a:avLst/>
+              </a:prstGeom>
+              <a:solidFill>
+                <a:schemeClr val="bg1">
+                  <a:lumMod val="85000"/>
+                </a:schemeClr>
+              </a:solidFill>
+              <a:ln>
+                <a:noFill/>
+              </a:ln>
+            </p:spPr>
+            <p:style>
+              <a:lnRef idx="2">
+                <a:schemeClr val="accent1">
+                  <a:shade val="15000"/>
+                </a:schemeClr>
+              </a:lnRef>
+              <a:fillRef idx="1">
+                <a:schemeClr val="accent1"/>
+              </a:fillRef>
+              <a:effectRef idx="0">
+                <a:schemeClr val="accent1"/>
+              </a:effectRef>
+              <a:fontRef idx="minor">
+                <a:schemeClr val="lt1"/>
+              </a:fontRef>
+            </p:style>
+            <p:txBody>
+              <a:bodyPr rtlCol="0" anchor="ctr"/>
+              <a:lstStyle/>
+              <a:p>
+                <a:pPr algn="ctr"/>
+                <a:endParaRPr lang="pt-BR" dirty="0"/>
+              </a:p>
+            </p:txBody>
+          </p:sp>
+          <p:sp>
+            <p:nvSpPr>
+              <p:cNvPr id="70" name="Elipse 69">
+                <a:extLst>
+                  <a:ext uri="{FF2B5EF4-FFF2-40B4-BE49-F238E27FC236}">
+                    <a16:creationId xmlns:a16="http://schemas.microsoft.com/office/drawing/2014/main" id="{5D11A12E-596E-2C65-8299-A24E06997B3B}"/>
+                  </a:ext>
+                </a:extLst>
+              </p:cNvPr>
+              <p:cNvSpPr/>
+              <p:nvPr/>
+            </p:nvSpPr>
+            <p:spPr>
+              <a:xfrm>
+                <a:off x="870856" y="4473915"/>
+                <a:ext cx="566057" cy="566057"/>
+              </a:xfrm>
+              <a:prstGeom prst="ellipse">
+                <a:avLst/>
+              </a:prstGeom>
+              <a:solidFill>
+                <a:schemeClr val="bg1">
+                  <a:lumMod val="85000"/>
+                </a:schemeClr>
+              </a:solidFill>
+              <a:ln>
+                <a:noFill/>
+              </a:ln>
+            </p:spPr>
+            <p:style>
+              <a:lnRef idx="2">
+                <a:schemeClr val="accent1">
+                  <a:shade val="15000"/>
+                </a:schemeClr>
+              </a:lnRef>
+              <a:fillRef idx="1">
+                <a:schemeClr val="accent1"/>
+              </a:fillRef>
+              <a:effectRef idx="0">
+                <a:schemeClr val="accent1"/>
+              </a:effectRef>
+              <a:fontRef idx="minor">
+                <a:schemeClr val="lt1"/>
+              </a:fontRef>
+            </p:style>
+            <p:txBody>
+              <a:bodyPr rtlCol="0" anchor="ctr"/>
+              <a:lstStyle/>
+              <a:p>
+                <a:pPr algn="ctr"/>
+                <a:endParaRPr lang="pt-BR" dirty="0"/>
+              </a:p>
+            </p:txBody>
+          </p:sp>
+          <p:cxnSp>
+            <p:nvCxnSpPr>
+              <p:cNvPr id="71" name="Conector de Seta Reta 70">
+                <a:extLst>
+                  <a:ext uri="{FF2B5EF4-FFF2-40B4-BE49-F238E27FC236}">
+                    <a16:creationId xmlns:a16="http://schemas.microsoft.com/office/drawing/2014/main" id="{6728FEB4-BDEA-DD3E-A6CF-7C18ED3BEAD6}"/>
+                  </a:ext>
+                </a:extLst>
+              </p:cNvPr>
+              <p:cNvCxnSpPr>
+                <a:stCxn id="68" idx="6"/>
+                <a:endCxn id="62" idx="2"/>
+              </p:cNvCxnSpPr>
+              <p:nvPr/>
+            </p:nvCxnSpPr>
+            <p:spPr>
+              <a:xfrm flipV="1">
+                <a:off x="1436913" y="2928258"/>
+                <a:ext cx="391887" cy="317386"/>
+              </a:xfrm>
+              <a:prstGeom prst="straightConnector1">
+                <a:avLst/>
+              </a:prstGeom>
+              <a:ln>
+                <a:tailEnd type="triangle"/>
+              </a:ln>
+            </p:spPr>
+            <p:style>
+              <a:lnRef idx="1">
+                <a:schemeClr val="accent1"/>
+              </a:lnRef>
+              <a:fillRef idx="0">
+                <a:schemeClr val="accent1"/>
+              </a:fillRef>
+              <a:effectRef idx="0">
+                <a:schemeClr val="accent1"/>
+              </a:effectRef>
+              <a:fontRef idx="minor">
+                <a:schemeClr val="tx1"/>
+              </a:fontRef>
+            </p:style>
+          </p:cxnSp>
+          <p:cxnSp>
+            <p:nvCxnSpPr>
+              <p:cNvPr id="72" name="Conector de Seta Reta 71">
+                <a:extLst>
+                  <a:ext uri="{FF2B5EF4-FFF2-40B4-BE49-F238E27FC236}">
+                    <a16:creationId xmlns:a16="http://schemas.microsoft.com/office/drawing/2014/main" id="{8D954E14-5FDB-ECA3-02A4-1BBD14829CB7}"/>
+                  </a:ext>
+                </a:extLst>
+              </p:cNvPr>
+              <p:cNvCxnSpPr>
+                <a:stCxn id="68" idx="6"/>
+                <a:endCxn id="63" idx="2"/>
+              </p:cNvCxnSpPr>
+              <p:nvPr/>
+            </p:nvCxnSpPr>
+            <p:spPr>
+              <a:xfrm>
+                <a:off x="1436913" y="3245644"/>
+                <a:ext cx="391886" cy="401071"/>
+              </a:xfrm>
+              <a:prstGeom prst="straightConnector1">
+                <a:avLst/>
+              </a:prstGeom>
+              <a:ln>
+                <a:tailEnd type="triangle"/>
+              </a:ln>
+            </p:spPr>
+            <p:style>
+              <a:lnRef idx="1">
+                <a:schemeClr val="accent1"/>
+              </a:lnRef>
+              <a:fillRef idx="0">
+                <a:schemeClr val="accent1"/>
+              </a:fillRef>
+              <a:effectRef idx="0">
+                <a:schemeClr val="accent1"/>
+              </a:effectRef>
+              <a:fontRef idx="minor">
+                <a:schemeClr val="tx1"/>
+              </a:fontRef>
+            </p:style>
+          </p:cxnSp>
+          <p:cxnSp>
+            <p:nvCxnSpPr>
+              <p:cNvPr id="73" name="Conector de Seta Reta 72">
+                <a:extLst>
+                  <a:ext uri="{FF2B5EF4-FFF2-40B4-BE49-F238E27FC236}">
+                    <a16:creationId xmlns:a16="http://schemas.microsoft.com/office/drawing/2014/main" id="{5F1B697B-01C8-85B9-9CBD-6E8664989F9C}"/>
+                  </a:ext>
+                </a:extLst>
+              </p:cNvPr>
+              <p:cNvCxnSpPr>
+                <a:stCxn id="68" idx="6"/>
+                <a:endCxn id="64" idx="2"/>
+              </p:cNvCxnSpPr>
+              <p:nvPr/>
+            </p:nvCxnSpPr>
+            <p:spPr>
+              <a:xfrm>
+                <a:off x="1436913" y="3245644"/>
+                <a:ext cx="391886" cy="1119528"/>
+              </a:xfrm>
+              <a:prstGeom prst="straightConnector1">
+                <a:avLst/>
+              </a:prstGeom>
+              <a:ln>
+                <a:tailEnd type="triangle"/>
+              </a:ln>
+            </p:spPr>
+            <p:style>
+              <a:lnRef idx="1">
+                <a:schemeClr val="accent1"/>
+              </a:lnRef>
+              <a:fillRef idx="0">
+                <a:schemeClr val="accent1"/>
+              </a:fillRef>
+              <a:effectRef idx="0">
+                <a:schemeClr val="accent1"/>
+              </a:effectRef>
+              <a:fontRef idx="minor">
+                <a:schemeClr val="tx1"/>
+              </a:fontRef>
+            </p:style>
+          </p:cxnSp>
+          <p:cxnSp>
+            <p:nvCxnSpPr>
+              <p:cNvPr id="74" name="Conector de Seta Reta 73">
+                <a:extLst>
+                  <a:ext uri="{FF2B5EF4-FFF2-40B4-BE49-F238E27FC236}">
+                    <a16:creationId xmlns:a16="http://schemas.microsoft.com/office/drawing/2014/main" id="{3826036C-02C4-E2A3-C704-F69F3C660AE8}"/>
+                  </a:ext>
+                </a:extLst>
+              </p:cNvPr>
+              <p:cNvCxnSpPr>
+                <a:stCxn id="68" idx="6"/>
+                <a:endCxn id="65" idx="2"/>
+              </p:cNvCxnSpPr>
+              <p:nvPr/>
+            </p:nvCxnSpPr>
+            <p:spPr>
+              <a:xfrm>
+                <a:off x="1436913" y="3245644"/>
+                <a:ext cx="391886" cy="1837985"/>
+              </a:xfrm>
+              <a:prstGeom prst="straightConnector1">
+                <a:avLst/>
+              </a:prstGeom>
+              <a:ln>
+                <a:tailEnd type="triangle"/>
+              </a:ln>
+            </p:spPr>
+            <p:style>
+              <a:lnRef idx="1">
+                <a:schemeClr val="accent1"/>
+              </a:lnRef>
+              <a:fillRef idx="0">
+                <a:schemeClr val="accent1"/>
+              </a:fillRef>
+              <a:effectRef idx="0">
+                <a:schemeClr val="accent1"/>
+              </a:effectRef>
+              <a:fontRef idx="minor">
+                <a:schemeClr val="tx1"/>
+              </a:fontRef>
+            </p:style>
+          </p:cxnSp>
+          <p:cxnSp>
+            <p:nvCxnSpPr>
+              <p:cNvPr id="75" name="Conector de Seta Reta 74">
+                <a:extLst>
+                  <a:ext uri="{FF2B5EF4-FFF2-40B4-BE49-F238E27FC236}">
+                    <a16:creationId xmlns:a16="http://schemas.microsoft.com/office/drawing/2014/main" id="{A9AFDA15-D4FC-F03F-9DD8-25D988505A4E}"/>
+                  </a:ext>
+                </a:extLst>
+              </p:cNvPr>
+              <p:cNvCxnSpPr>
+                <a:stCxn id="69" idx="6"/>
+                <a:endCxn id="62" idx="2"/>
+              </p:cNvCxnSpPr>
+              <p:nvPr/>
+            </p:nvCxnSpPr>
+            <p:spPr>
+              <a:xfrm flipV="1">
+                <a:off x="1436913" y="2928258"/>
+                <a:ext cx="391887" cy="1073036"/>
+              </a:xfrm>
+              <a:prstGeom prst="straightConnector1">
+                <a:avLst/>
+              </a:prstGeom>
+              <a:ln>
+                <a:tailEnd type="triangle"/>
+              </a:ln>
+            </p:spPr>
+            <p:style>
+              <a:lnRef idx="1">
+                <a:schemeClr val="accent1"/>
+              </a:lnRef>
+              <a:fillRef idx="0">
+                <a:schemeClr val="accent1"/>
+              </a:fillRef>
+              <a:effectRef idx="0">
+                <a:schemeClr val="accent1"/>
+              </a:effectRef>
+              <a:fontRef idx="minor">
+                <a:schemeClr val="tx1"/>
+              </a:fontRef>
+            </p:style>
+          </p:cxnSp>
+          <p:cxnSp>
+            <p:nvCxnSpPr>
+              <p:cNvPr id="76" name="Conector de Seta Reta 75">
+                <a:extLst>
+                  <a:ext uri="{FF2B5EF4-FFF2-40B4-BE49-F238E27FC236}">
+                    <a16:creationId xmlns:a16="http://schemas.microsoft.com/office/drawing/2014/main" id="{475188C5-4893-F19B-3981-01A8883F8AC9}"/>
+                  </a:ext>
+                </a:extLst>
+              </p:cNvPr>
+              <p:cNvCxnSpPr>
+                <a:stCxn id="70" idx="6"/>
+                <a:endCxn id="63" idx="2"/>
+              </p:cNvCxnSpPr>
+              <p:nvPr/>
+            </p:nvCxnSpPr>
+            <p:spPr>
+              <a:xfrm flipV="1">
+                <a:off x="1436913" y="3646715"/>
+                <a:ext cx="391886" cy="1110229"/>
+              </a:xfrm>
+              <a:prstGeom prst="straightConnector1">
+                <a:avLst/>
+              </a:prstGeom>
+              <a:ln>
+                <a:tailEnd type="triangle"/>
+              </a:ln>
+            </p:spPr>
+            <p:style>
+              <a:lnRef idx="1">
+                <a:schemeClr val="accent1"/>
+              </a:lnRef>
+              <a:fillRef idx="0">
+                <a:schemeClr val="accent1"/>
+              </a:fillRef>
+              <a:effectRef idx="0">
+                <a:schemeClr val="accent1"/>
+              </a:effectRef>
+              <a:fontRef idx="minor">
+                <a:schemeClr val="tx1"/>
+              </a:fontRef>
+            </p:style>
+          </p:cxnSp>
+          <p:cxnSp>
+            <p:nvCxnSpPr>
+              <p:cNvPr id="77" name="Conector de Seta Reta 76">
+                <a:extLst>
+                  <a:ext uri="{FF2B5EF4-FFF2-40B4-BE49-F238E27FC236}">
+                    <a16:creationId xmlns:a16="http://schemas.microsoft.com/office/drawing/2014/main" id="{7D0C433A-7570-F63B-1B5D-BAC08FC3BD44}"/>
+                  </a:ext>
+                </a:extLst>
+              </p:cNvPr>
+              <p:cNvCxnSpPr>
+                <a:stCxn id="69" idx="6"/>
+                <a:endCxn id="63" idx="2"/>
+              </p:cNvCxnSpPr>
+              <p:nvPr/>
+            </p:nvCxnSpPr>
+            <p:spPr>
+              <a:xfrm flipV="1">
+                <a:off x="1436913" y="3646715"/>
+                <a:ext cx="391886" cy="354579"/>
+              </a:xfrm>
+              <a:prstGeom prst="straightConnector1">
+                <a:avLst/>
+              </a:prstGeom>
+              <a:ln>
+                <a:tailEnd type="triangle"/>
+              </a:ln>
+            </p:spPr>
+            <p:style>
+              <a:lnRef idx="1">
+                <a:schemeClr val="accent1"/>
+              </a:lnRef>
+              <a:fillRef idx="0">
+                <a:schemeClr val="accent1"/>
+              </a:fillRef>
+              <a:effectRef idx="0">
+                <a:schemeClr val="accent1"/>
+              </a:effectRef>
+              <a:fontRef idx="minor">
+                <a:schemeClr val="tx1"/>
+              </a:fontRef>
+            </p:style>
+          </p:cxnSp>
+          <p:cxnSp>
+            <p:nvCxnSpPr>
+              <p:cNvPr id="78" name="Conector de Seta Reta 77">
+                <a:extLst>
+                  <a:ext uri="{FF2B5EF4-FFF2-40B4-BE49-F238E27FC236}">
+                    <a16:creationId xmlns:a16="http://schemas.microsoft.com/office/drawing/2014/main" id="{82AB98DC-AD80-A4BC-4146-DEA1D0633C04}"/>
+                  </a:ext>
+                </a:extLst>
+              </p:cNvPr>
+              <p:cNvCxnSpPr>
+                <a:stCxn id="69" idx="6"/>
+                <a:endCxn id="64" idx="2"/>
+              </p:cNvCxnSpPr>
+              <p:nvPr/>
+            </p:nvCxnSpPr>
+            <p:spPr>
+              <a:xfrm>
+                <a:off x="1436913" y="4001294"/>
+                <a:ext cx="391886" cy="363878"/>
+              </a:xfrm>
+              <a:prstGeom prst="straightConnector1">
+                <a:avLst/>
+              </a:prstGeom>
+              <a:ln>
+                <a:tailEnd type="triangle"/>
+              </a:ln>
+            </p:spPr>
+            <p:style>
+              <a:lnRef idx="1">
+                <a:schemeClr val="accent1"/>
+              </a:lnRef>
+              <a:fillRef idx="0">
+                <a:schemeClr val="accent1"/>
+              </a:fillRef>
+              <a:effectRef idx="0">
+                <a:schemeClr val="accent1"/>
+              </a:effectRef>
+              <a:fontRef idx="minor">
+                <a:schemeClr val="tx1"/>
+              </a:fontRef>
+            </p:style>
+          </p:cxnSp>
+          <p:cxnSp>
+            <p:nvCxnSpPr>
+              <p:cNvPr id="79" name="Conector de Seta Reta 78">
+                <a:extLst>
+                  <a:ext uri="{FF2B5EF4-FFF2-40B4-BE49-F238E27FC236}">
+                    <a16:creationId xmlns:a16="http://schemas.microsoft.com/office/drawing/2014/main" id="{14B7F1F4-22BA-A738-FBC6-C7F80402160B}"/>
+                  </a:ext>
+                </a:extLst>
+              </p:cNvPr>
+              <p:cNvCxnSpPr>
+                <a:stCxn id="69" idx="6"/>
+                <a:endCxn id="65" idx="2"/>
+              </p:cNvCxnSpPr>
+              <p:nvPr/>
+            </p:nvCxnSpPr>
+            <p:spPr>
+              <a:xfrm>
+                <a:off x="1436913" y="4001294"/>
+                <a:ext cx="391886" cy="1082335"/>
+              </a:xfrm>
+              <a:prstGeom prst="straightConnector1">
+                <a:avLst/>
+              </a:prstGeom>
+              <a:ln>
+                <a:tailEnd type="triangle"/>
+              </a:ln>
+            </p:spPr>
+            <p:style>
+              <a:lnRef idx="1">
+                <a:schemeClr val="accent1"/>
+              </a:lnRef>
+              <a:fillRef idx="0">
+                <a:schemeClr val="accent1"/>
+              </a:fillRef>
+              <a:effectRef idx="0">
+                <a:schemeClr val="accent1"/>
+              </a:effectRef>
+              <a:fontRef idx="minor">
+                <a:schemeClr val="tx1"/>
+              </a:fontRef>
+            </p:style>
+          </p:cxnSp>
+          <p:cxnSp>
+            <p:nvCxnSpPr>
+              <p:cNvPr id="80" name="Conector de Seta Reta 79">
+                <a:extLst>
+                  <a:ext uri="{FF2B5EF4-FFF2-40B4-BE49-F238E27FC236}">
+                    <a16:creationId xmlns:a16="http://schemas.microsoft.com/office/drawing/2014/main" id="{3CD6E44D-5639-3D45-1F58-D533CB9615D8}"/>
+                  </a:ext>
+                </a:extLst>
+              </p:cNvPr>
+              <p:cNvCxnSpPr>
+                <a:stCxn id="70" idx="6"/>
+                <a:endCxn id="62" idx="2"/>
+              </p:cNvCxnSpPr>
+              <p:nvPr/>
+            </p:nvCxnSpPr>
+            <p:spPr>
+              <a:xfrm flipV="1">
+                <a:off x="1436913" y="2928258"/>
+                <a:ext cx="391887" cy="1828686"/>
+              </a:xfrm>
+              <a:prstGeom prst="straightConnector1">
+                <a:avLst/>
+              </a:prstGeom>
+              <a:ln>
+                <a:tailEnd type="triangle"/>
+              </a:ln>
+            </p:spPr>
+            <p:style>
+              <a:lnRef idx="1">
+                <a:schemeClr val="accent1"/>
+              </a:lnRef>
+              <a:fillRef idx="0">
+                <a:schemeClr val="accent1"/>
+              </a:fillRef>
+              <a:effectRef idx="0">
+                <a:schemeClr val="accent1"/>
+              </a:effectRef>
+              <a:fontRef idx="minor">
+                <a:schemeClr val="tx1"/>
+              </a:fontRef>
+            </p:style>
+          </p:cxnSp>
+          <p:cxnSp>
+            <p:nvCxnSpPr>
+              <p:cNvPr id="81" name="Conector de Seta Reta 80">
+                <a:extLst>
+                  <a:ext uri="{FF2B5EF4-FFF2-40B4-BE49-F238E27FC236}">
+                    <a16:creationId xmlns:a16="http://schemas.microsoft.com/office/drawing/2014/main" id="{3BC04C90-AAF0-A0AD-B6CB-9CBF45786DBB}"/>
+                  </a:ext>
+                </a:extLst>
+              </p:cNvPr>
+              <p:cNvCxnSpPr>
+                <a:stCxn id="70" idx="6"/>
+                <a:endCxn id="64" idx="2"/>
+              </p:cNvCxnSpPr>
+              <p:nvPr/>
+            </p:nvCxnSpPr>
+            <p:spPr>
+              <a:xfrm flipV="1">
+                <a:off x="1436913" y="4365172"/>
+                <a:ext cx="391886" cy="391772"/>
+              </a:xfrm>
+              <a:prstGeom prst="straightConnector1">
+                <a:avLst/>
+              </a:prstGeom>
+              <a:ln>
+                <a:tailEnd type="triangle"/>
+              </a:ln>
+            </p:spPr>
+            <p:style>
+              <a:lnRef idx="1">
+                <a:schemeClr val="accent1"/>
+              </a:lnRef>
+              <a:fillRef idx="0">
+                <a:schemeClr val="accent1"/>
+              </a:fillRef>
+              <a:effectRef idx="0">
+                <a:schemeClr val="accent1"/>
+              </a:effectRef>
+              <a:fontRef idx="minor">
+                <a:schemeClr val="tx1"/>
+              </a:fontRef>
+            </p:style>
+          </p:cxnSp>
+          <p:cxnSp>
+            <p:nvCxnSpPr>
+              <p:cNvPr id="82" name="Conector de Seta Reta 81">
+                <a:extLst>
+                  <a:ext uri="{FF2B5EF4-FFF2-40B4-BE49-F238E27FC236}">
+                    <a16:creationId xmlns:a16="http://schemas.microsoft.com/office/drawing/2014/main" id="{81CC28DF-53A3-FCA6-6653-D6454622485F}"/>
+                  </a:ext>
+                </a:extLst>
+              </p:cNvPr>
+              <p:cNvCxnSpPr>
+                <a:stCxn id="70" idx="6"/>
+                <a:endCxn id="65" idx="2"/>
+              </p:cNvCxnSpPr>
+              <p:nvPr/>
+            </p:nvCxnSpPr>
+            <p:spPr>
+              <a:xfrm>
+                <a:off x="1436913" y="4756944"/>
+                <a:ext cx="391886" cy="326685"/>
+              </a:xfrm>
+              <a:prstGeom prst="straightConnector1">
+                <a:avLst/>
+              </a:prstGeom>
+              <a:ln>
+                <a:tailEnd type="triangle"/>
+              </a:ln>
+            </p:spPr>
+            <p:style>
+              <a:lnRef idx="1">
+                <a:schemeClr val="accent1"/>
+              </a:lnRef>
+              <a:fillRef idx="0">
+                <a:schemeClr val="accent1"/>
+              </a:fillRef>
+              <a:effectRef idx="0">
+                <a:schemeClr val="accent1"/>
+              </a:effectRef>
+              <a:fontRef idx="minor">
+                <a:schemeClr val="tx1"/>
+              </a:fontRef>
+            </p:style>
+          </p:cxnSp>
+          <p:cxnSp>
+            <p:nvCxnSpPr>
+              <p:cNvPr id="83" name="Conector de Seta Reta 82">
+                <a:extLst>
+                  <a:ext uri="{FF2B5EF4-FFF2-40B4-BE49-F238E27FC236}">
+                    <a16:creationId xmlns:a16="http://schemas.microsoft.com/office/drawing/2014/main" id="{90658C18-0972-10C1-F707-3B2BE3B6A542}"/>
+                  </a:ext>
+                </a:extLst>
+              </p:cNvPr>
+              <p:cNvCxnSpPr>
+                <a:stCxn id="62" idx="6"/>
+                <a:endCxn id="66" idx="2"/>
+              </p:cNvCxnSpPr>
+              <p:nvPr/>
+            </p:nvCxnSpPr>
+            <p:spPr>
+              <a:xfrm>
+                <a:off x="2394857" y="2928258"/>
+                <a:ext cx="391885" cy="718456"/>
+              </a:xfrm>
+              <a:prstGeom prst="straightConnector1">
+                <a:avLst/>
+              </a:prstGeom>
+              <a:ln>
+                <a:tailEnd type="triangle"/>
+              </a:ln>
+            </p:spPr>
+            <p:style>
+              <a:lnRef idx="1">
+                <a:schemeClr val="accent1"/>
+              </a:lnRef>
+              <a:fillRef idx="0">
+                <a:schemeClr val="accent1"/>
+              </a:fillRef>
+              <a:effectRef idx="0">
+                <a:schemeClr val="accent1"/>
+              </a:effectRef>
+              <a:fontRef idx="minor">
+                <a:schemeClr val="tx1"/>
+              </a:fontRef>
+            </p:style>
+          </p:cxnSp>
+          <p:cxnSp>
+            <p:nvCxnSpPr>
+              <p:cNvPr id="84" name="Conector de Seta Reta 83">
+                <a:extLst>
+                  <a:ext uri="{FF2B5EF4-FFF2-40B4-BE49-F238E27FC236}">
+                    <a16:creationId xmlns:a16="http://schemas.microsoft.com/office/drawing/2014/main" id="{2F67A750-8C0F-8284-AF05-3B5EF1D84548}"/>
+                  </a:ext>
+                </a:extLst>
+              </p:cNvPr>
+              <p:cNvCxnSpPr>
+                <a:stCxn id="63" idx="6"/>
+                <a:endCxn id="67" idx="2"/>
+              </p:cNvCxnSpPr>
+              <p:nvPr/>
+            </p:nvCxnSpPr>
+            <p:spPr>
+              <a:xfrm>
+                <a:off x="2394856" y="3646715"/>
+                <a:ext cx="391885" cy="718456"/>
+              </a:xfrm>
+              <a:prstGeom prst="straightConnector1">
+                <a:avLst/>
+              </a:prstGeom>
+              <a:ln>
+                <a:tailEnd type="triangle"/>
+              </a:ln>
+            </p:spPr>
+            <p:style>
+              <a:lnRef idx="1">
+                <a:schemeClr val="accent1"/>
+              </a:lnRef>
+              <a:fillRef idx="0">
+                <a:schemeClr val="accent1"/>
+              </a:fillRef>
+              <a:effectRef idx="0">
+                <a:schemeClr val="accent1"/>
+              </a:effectRef>
+              <a:fontRef idx="minor">
+                <a:schemeClr val="tx1"/>
+              </a:fontRef>
+            </p:style>
+          </p:cxnSp>
+          <p:cxnSp>
+            <p:nvCxnSpPr>
+              <p:cNvPr id="85" name="Conector de Seta Reta 84">
+                <a:extLst>
+                  <a:ext uri="{FF2B5EF4-FFF2-40B4-BE49-F238E27FC236}">
+                    <a16:creationId xmlns:a16="http://schemas.microsoft.com/office/drawing/2014/main" id="{ADB882A9-59F2-2DB0-52A7-A36310BBD71D}"/>
+                  </a:ext>
+                </a:extLst>
+              </p:cNvPr>
+              <p:cNvCxnSpPr>
+                <a:stCxn id="64" idx="6"/>
+                <a:endCxn id="67" idx="2"/>
+              </p:cNvCxnSpPr>
+              <p:nvPr/>
+            </p:nvCxnSpPr>
+            <p:spPr>
+              <a:xfrm flipV="1">
+                <a:off x="2394856" y="4365171"/>
+                <a:ext cx="391885" cy="1"/>
+              </a:xfrm>
+              <a:prstGeom prst="straightConnector1">
+                <a:avLst/>
+              </a:prstGeom>
+              <a:ln>
+                <a:tailEnd type="triangle"/>
+              </a:ln>
+            </p:spPr>
+            <p:style>
+              <a:lnRef idx="1">
+                <a:schemeClr val="accent1"/>
+              </a:lnRef>
+              <a:fillRef idx="0">
+                <a:schemeClr val="accent1"/>
+              </a:fillRef>
+              <a:effectRef idx="0">
+                <a:schemeClr val="accent1"/>
+              </a:effectRef>
+              <a:fontRef idx="minor">
+                <a:schemeClr val="tx1"/>
+              </a:fontRef>
+            </p:style>
+          </p:cxnSp>
+          <p:cxnSp>
+            <p:nvCxnSpPr>
+              <p:cNvPr id="86" name="Conector de Seta Reta 85">
+                <a:extLst>
+                  <a:ext uri="{FF2B5EF4-FFF2-40B4-BE49-F238E27FC236}">
+                    <a16:creationId xmlns:a16="http://schemas.microsoft.com/office/drawing/2014/main" id="{4C8FB207-893F-80AA-89E0-B4910B87C984}"/>
+                  </a:ext>
+                </a:extLst>
+              </p:cNvPr>
+              <p:cNvCxnSpPr>
+                <a:stCxn id="65" idx="6"/>
+                <a:endCxn id="67" idx="2"/>
+              </p:cNvCxnSpPr>
+              <p:nvPr/>
+            </p:nvCxnSpPr>
+            <p:spPr>
+              <a:xfrm flipV="1">
+                <a:off x="2394856" y="4365171"/>
+                <a:ext cx="391885" cy="718458"/>
+              </a:xfrm>
+              <a:prstGeom prst="straightConnector1">
+                <a:avLst/>
+              </a:prstGeom>
+              <a:ln>
+                <a:tailEnd type="triangle"/>
+              </a:ln>
+            </p:spPr>
+            <p:style>
+              <a:lnRef idx="1">
+                <a:schemeClr val="accent1"/>
+              </a:lnRef>
+              <a:fillRef idx="0">
+                <a:schemeClr val="accent1"/>
+              </a:fillRef>
+              <a:effectRef idx="0">
+                <a:schemeClr val="accent1"/>
+              </a:effectRef>
+              <a:fontRef idx="minor">
+                <a:schemeClr val="tx1"/>
+              </a:fontRef>
+            </p:style>
+          </p:cxnSp>
+          <p:cxnSp>
+            <p:nvCxnSpPr>
+              <p:cNvPr id="87" name="Conector de Seta Reta 86">
+                <a:extLst>
+                  <a:ext uri="{FF2B5EF4-FFF2-40B4-BE49-F238E27FC236}">
+                    <a16:creationId xmlns:a16="http://schemas.microsoft.com/office/drawing/2014/main" id="{C1209D82-47A6-1CEE-5039-808DE6B29B10}"/>
+                  </a:ext>
+                </a:extLst>
+              </p:cNvPr>
+              <p:cNvCxnSpPr>
+                <a:cxnSpLocks/>
+                <a:stCxn id="62" idx="6"/>
+                <a:endCxn id="67" idx="2"/>
+              </p:cNvCxnSpPr>
+              <p:nvPr/>
+            </p:nvCxnSpPr>
+            <p:spPr>
+              <a:xfrm>
+                <a:off x="2394857" y="2928258"/>
+                <a:ext cx="391884" cy="1436913"/>
+              </a:xfrm>
+              <a:prstGeom prst="straightConnector1">
+                <a:avLst/>
+              </a:prstGeom>
+              <a:ln>
+                <a:tailEnd type="triangle"/>
+              </a:ln>
+            </p:spPr>
+            <p:style>
+              <a:lnRef idx="1">
+                <a:schemeClr val="accent1"/>
+              </a:lnRef>
+              <a:fillRef idx="0">
+                <a:schemeClr val="accent1"/>
+              </a:fillRef>
+              <a:effectRef idx="0">
+                <a:schemeClr val="accent1"/>
+              </a:effectRef>
+              <a:fontRef idx="minor">
+                <a:schemeClr val="tx1"/>
+              </a:fontRef>
+            </p:style>
+          </p:cxnSp>
+          <p:cxnSp>
+            <p:nvCxnSpPr>
+              <p:cNvPr id="88" name="Conector de Seta Reta 87">
+                <a:extLst>
+                  <a:ext uri="{FF2B5EF4-FFF2-40B4-BE49-F238E27FC236}">
+                    <a16:creationId xmlns:a16="http://schemas.microsoft.com/office/drawing/2014/main" id="{8F14F364-F6AF-5ADC-3B7E-BB380AC91313}"/>
+                  </a:ext>
+                </a:extLst>
+              </p:cNvPr>
+              <p:cNvCxnSpPr>
+                <a:stCxn id="63" idx="6"/>
+                <a:endCxn id="66" idx="2"/>
+              </p:cNvCxnSpPr>
+              <p:nvPr/>
+            </p:nvCxnSpPr>
+            <p:spPr>
+              <a:xfrm flipV="1">
+                <a:off x="2394856" y="3646714"/>
+                <a:ext cx="391886" cy="1"/>
+              </a:xfrm>
+              <a:prstGeom prst="straightConnector1">
+                <a:avLst/>
+              </a:prstGeom>
+              <a:ln>
+                <a:tailEnd type="triangle"/>
+              </a:ln>
+            </p:spPr>
+            <p:style>
+              <a:lnRef idx="1">
+                <a:schemeClr val="accent1"/>
+              </a:lnRef>
+              <a:fillRef idx="0">
+                <a:schemeClr val="accent1"/>
+              </a:fillRef>
+              <a:effectRef idx="0">
+                <a:schemeClr val="accent1"/>
+              </a:effectRef>
+              <a:fontRef idx="minor">
+                <a:schemeClr val="tx1"/>
+              </a:fontRef>
+            </p:style>
+          </p:cxnSp>
+          <p:cxnSp>
+            <p:nvCxnSpPr>
+              <p:cNvPr id="89" name="Conector de Seta Reta 88">
+                <a:extLst>
+                  <a:ext uri="{FF2B5EF4-FFF2-40B4-BE49-F238E27FC236}">
+                    <a16:creationId xmlns:a16="http://schemas.microsoft.com/office/drawing/2014/main" id="{91C5A847-2765-F488-6C96-DA34EB264661}"/>
+                  </a:ext>
+                </a:extLst>
+              </p:cNvPr>
+              <p:cNvCxnSpPr>
+                <a:stCxn id="64" idx="6"/>
+                <a:endCxn id="66" idx="2"/>
+              </p:cNvCxnSpPr>
+              <p:nvPr/>
+            </p:nvCxnSpPr>
+            <p:spPr>
+              <a:xfrm flipV="1">
+                <a:off x="2394856" y="3646714"/>
+                <a:ext cx="391886" cy="718458"/>
+              </a:xfrm>
+              <a:prstGeom prst="straightConnector1">
+                <a:avLst/>
+              </a:prstGeom>
+              <a:ln>
+                <a:tailEnd type="triangle"/>
+              </a:ln>
+            </p:spPr>
+            <p:style>
+              <a:lnRef idx="1">
+                <a:schemeClr val="accent1"/>
+              </a:lnRef>
+              <a:fillRef idx="0">
+                <a:schemeClr val="accent1"/>
+              </a:fillRef>
+              <a:effectRef idx="0">
+                <a:schemeClr val="accent1"/>
+              </a:effectRef>
+              <a:fontRef idx="minor">
+                <a:schemeClr val="tx1"/>
+              </a:fontRef>
+            </p:style>
+          </p:cxnSp>
+          <p:cxnSp>
+            <p:nvCxnSpPr>
+              <p:cNvPr id="90" name="Conector de Seta Reta 89">
+                <a:extLst>
+                  <a:ext uri="{FF2B5EF4-FFF2-40B4-BE49-F238E27FC236}">
+                    <a16:creationId xmlns:a16="http://schemas.microsoft.com/office/drawing/2014/main" id="{7B24034E-17A1-1279-943A-5CF323732B3B}"/>
+                  </a:ext>
+                </a:extLst>
+              </p:cNvPr>
+              <p:cNvCxnSpPr>
+                <a:stCxn id="65" idx="6"/>
+                <a:endCxn id="66" idx="2"/>
+              </p:cNvCxnSpPr>
+              <p:nvPr/>
+            </p:nvCxnSpPr>
+            <p:spPr>
+              <a:xfrm flipV="1">
+                <a:off x="2394856" y="3646714"/>
+                <a:ext cx="391886" cy="1436915"/>
+              </a:xfrm>
+              <a:prstGeom prst="straightConnector1">
+                <a:avLst/>
+              </a:prstGeom>
+              <a:ln>
+                <a:tailEnd type="triangle"/>
+              </a:ln>
+            </p:spPr>
+            <p:style>
+              <a:lnRef idx="1">
+                <a:schemeClr val="accent1"/>
+              </a:lnRef>
+              <a:fillRef idx="0">
+                <a:schemeClr val="accent1"/>
+              </a:fillRef>
+              <a:effectRef idx="0">
+                <a:schemeClr val="accent1"/>
+              </a:effectRef>
+              <a:fontRef idx="minor">
+                <a:schemeClr val="tx1"/>
+              </a:fontRef>
+            </p:style>
+          </p:cxnSp>
+          <p:cxnSp>
+            <p:nvCxnSpPr>
+              <p:cNvPr id="93" name="Conector de Seta Reta 92">
+                <a:extLst>
+                  <a:ext uri="{FF2B5EF4-FFF2-40B4-BE49-F238E27FC236}">
+                    <a16:creationId xmlns:a16="http://schemas.microsoft.com/office/drawing/2014/main" id="{EE467958-5C63-895F-C98E-1BE483BADCA7}"/>
+                  </a:ext>
+                </a:extLst>
+              </p:cNvPr>
+              <p:cNvCxnSpPr>
+                <a:endCxn id="68" idx="2"/>
+              </p:cNvCxnSpPr>
+              <p:nvPr/>
+            </p:nvCxnSpPr>
+            <p:spPr>
+              <a:xfrm>
+                <a:off x="598714" y="3245643"/>
+                <a:ext cx="272142" cy="1"/>
+              </a:xfrm>
+              <a:prstGeom prst="straightConnector1">
+                <a:avLst/>
+              </a:prstGeom>
+              <a:ln>
+                <a:tailEnd type="triangle"/>
+              </a:ln>
+            </p:spPr>
+            <p:style>
+              <a:lnRef idx="1">
+                <a:schemeClr val="accent1"/>
+              </a:lnRef>
+              <a:fillRef idx="0">
+                <a:schemeClr val="accent1"/>
+              </a:fillRef>
+              <a:effectRef idx="0">
+                <a:schemeClr val="accent1"/>
+              </a:effectRef>
+              <a:fontRef idx="minor">
+                <a:schemeClr val="tx1"/>
+              </a:fontRef>
+            </p:style>
+          </p:cxnSp>
+          <p:cxnSp>
+            <p:nvCxnSpPr>
+              <p:cNvPr id="94" name="Conector de Seta Reta 93">
+                <a:extLst>
+                  <a:ext uri="{FF2B5EF4-FFF2-40B4-BE49-F238E27FC236}">
+                    <a16:creationId xmlns:a16="http://schemas.microsoft.com/office/drawing/2014/main" id="{6B8EDC46-42CD-62ED-51ED-1EA26B2196CF}"/>
+                  </a:ext>
+                </a:extLst>
+              </p:cNvPr>
+              <p:cNvCxnSpPr>
+                <a:endCxn id="69" idx="2"/>
+              </p:cNvCxnSpPr>
+              <p:nvPr/>
+            </p:nvCxnSpPr>
+            <p:spPr>
+              <a:xfrm>
+                <a:off x="598714" y="3245643"/>
+                <a:ext cx="272142" cy="755651"/>
+              </a:xfrm>
+              <a:prstGeom prst="straightConnector1">
+                <a:avLst/>
+              </a:prstGeom>
+              <a:ln>
+                <a:tailEnd type="triangle"/>
+              </a:ln>
+            </p:spPr>
+            <p:style>
+              <a:lnRef idx="1">
+                <a:schemeClr val="accent1"/>
+              </a:lnRef>
+              <a:fillRef idx="0">
+                <a:schemeClr val="accent1"/>
+              </a:fillRef>
+              <a:effectRef idx="0">
+                <a:schemeClr val="accent1"/>
+              </a:effectRef>
+              <a:fontRef idx="minor">
+                <a:schemeClr val="tx1"/>
+              </a:fontRef>
+            </p:style>
+          </p:cxnSp>
+          <p:cxnSp>
+            <p:nvCxnSpPr>
+              <p:cNvPr id="95" name="Conector de Seta Reta 94">
+                <a:extLst>
+                  <a:ext uri="{FF2B5EF4-FFF2-40B4-BE49-F238E27FC236}">
+                    <a16:creationId xmlns:a16="http://schemas.microsoft.com/office/drawing/2014/main" id="{D2E255D1-8E3C-3E75-CFCD-31FF246F48B8}"/>
+                  </a:ext>
+                </a:extLst>
+              </p:cNvPr>
+              <p:cNvCxnSpPr>
+                <a:endCxn id="70" idx="2"/>
+              </p:cNvCxnSpPr>
+              <p:nvPr/>
+            </p:nvCxnSpPr>
+            <p:spPr>
+              <a:xfrm>
+                <a:off x="598714" y="3245643"/>
+                <a:ext cx="272142" cy="1511301"/>
+              </a:xfrm>
+              <a:prstGeom prst="straightConnector1">
+                <a:avLst/>
+              </a:prstGeom>
+              <a:ln>
+                <a:tailEnd type="triangle"/>
+              </a:ln>
+            </p:spPr>
+            <p:style>
+              <a:lnRef idx="1">
+                <a:schemeClr val="accent1"/>
+              </a:lnRef>
+              <a:fillRef idx="0">
+                <a:schemeClr val="accent1"/>
+              </a:fillRef>
+              <a:effectRef idx="0">
+                <a:schemeClr val="accent1"/>
+              </a:effectRef>
+              <a:fontRef idx="minor">
+                <a:schemeClr val="tx1"/>
+              </a:fontRef>
+            </p:style>
+          </p:cxnSp>
+          <p:cxnSp>
+            <p:nvCxnSpPr>
+              <p:cNvPr id="96" name="Conector de Seta Reta 95">
+                <a:extLst>
+                  <a:ext uri="{FF2B5EF4-FFF2-40B4-BE49-F238E27FC236}">
+                    <a16:creationId xmlns:a16="http://schemas.microsoft.com/office/drawing/2014/main" id="{9049BADE-5A49-6D9A-BCB5-08707C5F7902}"/>
+                  </a:ext>
+                </a:extLst>
+              </p:cNvPr>
+              <p:cNvCxnSpPr/>
+              <p:nvPr/>
+            </p:nvCxnSpPr>
+            <p:spPr>
+              <a:xfrm>
+                <a:off x="598714" y="4726100"/>
+                <a:ext cx="272142" cy="1"/>
+              </a:xfrm>
+              <a:prstGeom prst="straightConnector1">
+                <a:avLst/>
+              </a:prstGeom>
+              <a:ln>
+                <a:tailEnd type="triangle"/>
+              </a:ln>
+            </p:spPr>
+            <p:style>
+              <a:lnRef idx="1">
+                <a:schemeClr val="accent1"/>
+              </a:lnRef>
+              <a:fillRef idx="0">
+                <a:schemeClr val="accent1"/>
+              </a:fillRef>
+              <a:effectRef idx="0">
+                <a:schemeClr val="accent1"/>
+              </a:effectRef>
+              <a:fontRef idx="minor">
+                <a:schemeClr val="tx1"/>
+              </a:fontRef>
+            </p:style>
+          </p:cxnSp>
+          <p:cxnSp>
+            <p:nvCxnSpPr>
+              <p:cNvPr id="97" name="Conector reto 96">
+                <a:extLst>
+                  <a:ext uri="{FF2B5EF4-FFF2-40B4-BE49-F238E27FC236}">
+                    <a16:creationId xmlns:a16="http://schemas.microsoft.com/office/drawing/2014/main" id="{BEB40C67-7259-1E00-20F6-C0C7E8FA8F52}"/>
+                  </a:ext>
+                </a:extLst>
+              </p:cNvPr>
+              <p:cNvCxnSpPr>
+                <a:cxnSpLocks/>
+                <a:endCxn id="69" idx="2"/>
+              </p:cNvCxnSpPr>
+              <p:nvPr/>
+            </p:nvCxnSpPr>
+            <p:spPr>
+              <a:xfrm flipV="1">
+                <a:off x="598713" y="4001294"/>
+                <a:ext cx="272143" cy="723106"/>
+              </a:xfrm>
+              <a:prstGeom prst="line">
+                <a:avLst/>
+              </a:prstGeom>
+              <a:ln>
+                <a:headEnd type="none" w="med" len="med"/>
+                <a:tailEnd type="triangle" w="med" len="med"/>
+              </a:ln>
+            </p:spPr>
+            <p:style>
+              <a:lnRef idx="1">
+                <a:schemeClr val="accent1"/>
+              </a:lnRef>
+              <a:fillRef idx="0">
+                <a:schemeClr val="accent1"/>
+              </a:fillRef>
+              <a:effectRef idx="0">
+                <a:schemeClr val="accent1"/>
+              </a:effectRef>
+              <a:fontRef idx="minor">
+                <a:schemeClr val="tx1"/>
+              </a:fontRef>
+            </p:style>
+          </p:cxnSp>
+          <p:cxnSp>
+            <p:nvCxnSpPr>
+              <p:cNvPr id="98" name="Conector de Seta Reta 97">
+                <a:extLst>
+                  <a:ext uri="{FF2B5EF4-FFF2-40B4-BE49-F238E27FC236}">
+                    <a16:creationId xmlns:a16="http://schemas.microsoft.com/office/drawing/2014/main" id="{582767F4-1CAD-9905-4E1D-EA0667F1E2BD}"/>
+                  </a:ext>
+                </a:extLst>
+              </p:cNvPr>
+              <p:cNvCxnSpPr/>
+              <p:nvPr/>
+            </p:nvCxnSpPr>
+            <p:spPr>
+              <a:xfrm>
+                <a:off x="3352797" y="3646712"/>
+                <a:ext cx="272142" cy="1"/>
+              </a:xfrm>
+              <a:prstGeom prst="straightConnector1">
+                <a:avLst/>
+              </a:prstGeom>
+              <a:ln>
+                <a:tailEnd type="triangle"/>
+              </a:ln>
+            </p:spPr>
+            <p:style>
+              <a:lnRef idx="1">
+                <a:schemeClr val="accent1"/>
+              </a:lnRef>
+              <a:fillRef idx="0">
+                <a:schemeClr val="accent1"/>
+              </a:fillRef>
+              <a:effectRef idx="0">
+                <a:schemeClr val="accent1"/>
+              </a:effectRef>
+              <a:fontRef idx="minor">
+                <a:schemeClr val="tx1"/>
+              </a:fontRef>
+            </p:style>
+          </p:cxnSp>
+          <p:cxnSp>
+            <p:nvCxnSpPr>
+              <p:cNvPr id="99" name="Conector de Seta Reta 98">
+                <a:extLst>
+                  <a:ext uri="{FF2B5EF4-FFF2-40B4-BE49-F238E27FC236}">
+                    <a16:creationId xmlns:a16="http://schemas.microsoft.com/office/drawing/2014/main" id="{A120809A-F030-23D4-6485-413A5907DCD3}"/>
+                  </a:ext>
+                </a:extLst>
+              </p:cNvPr>
+              <p:cNvCxnSpPr/>
+              <p:nvPr/>
+            </p:nvCxnSpPr>
+            <p:spPr>
+              <a:xfrm>
+                <a:off x="3352797" y="4362846"/>
+                <a:ext cx="272142" cy="1"/>
+              </a:xfrm>
+              <a:prstGeom prst="straightConnector1">
+                <a:avLst/>
+              </a:prstGeom>
+              <a:ln>
+                <a:tailEnd type="triangle"/>
+              </a:ln>
+            </p:spPr>
+            <p:style>
+              <a:lnRef idx="1">
+                <a:schemeClr val="accent1"/>
+              </a:lnRef>
+              <a:fillRef idx="0">
+                <a:schemeClr val="accent1"/>
+              </a:fillRef>
+              <a:effectRef idx="0">
+                <a:schemeClr val="accent1"/>
+              </a:effectRef>
+              <a:fontRef idx="minor">
+                <a:schemeClr val="tx1"/>
+              </a:fontRef>
+            </p:style>
+          </p:cxnSp>
+        </p:grpSp>
+        <mc:AlternateContent xmlns:mc="http://schemas.openxmlformats.org/markup-compatibility/2006">
+          <mc:Choice xmlns:a14="http://schemas.microsoft.com/office/drawing/2010/main" Requires="a14">
+            <p:sp>
+              <p:nvSpPr>
+                <p:cNvPr id="100" name="CaixaDeTexto 99">
+                  <a:extLst>
+                    <a:ext uri="{FF2B5EF4-FFF2-40B4-BE49-F238E27FC236}">
+                      <a16:creationId xmlns:a16="http://schemas.microsoft.com/office/drawing/2014/main" id="{AD5E0809-3356-A3DD-6D00-6E07C31FC917}"/>
+                    </a:ext>
+                  </a:extLst>
+                </p:cNvPr>
+                <p:cNvSpPr txBox="1"/>
+                <p:nvPr/>
+              </p:nvSpPr>
+              <p:spPr>
+                <a:xfrm>
+                  <a:off x="6494686" y="2878170"/>
+                  <a:ext cx="266702" cy="369332"/>
+                </a:xfrm>
+                <a:prstGeom prst="rect">
+                  <a:avLst/>
+                </a:prstGeom>
+                <a:noFill/>
+              </p:spPr>
+              <p:txBody>
+                <a:bodyPr wrap="square" rtlCol="0">
+                  <a:spAutoFit/>
+                </a:bodyPr>
+                <a:lstStyle/>
+                <a:p>
+                  <a:pPr/>
+                  <a14:m>
+                    <m:oMathPara xmlns:m="http://schemas.openxmlformats.org/officeDocument/2006/math">
+                      <m:oMathParaPr>
+                        <m:jc m:val="centerGroup"/>
+                      </m:oMathParaPr>
+                      <m:oMath xmlns:m="http://schemas.openxmlformats.org/officeDocument/2006/math">
+                        <m:sSub>
+                          <m:sSubPr>
+                            <m:ctrlPr>
+                              <a:rPr lang="pt-BR" i="1" smtClean="0">
+                                <a:latin typeface="Cambria Math" panose="02040503050406030204" pitchFamily="18" charset="0"/>
+                              </a:rPr>
+                            </m:ctrlPr>
+                          </m:sSubPr>
+                          <m:e>
+                            <m:r>
+                              <a:rPr lang="pt-BR" b="0" i="1" smtClean="0">
+                                <a:latin typeface="Cambria Math" panose="02040503050406030204" pitchFamily="18" charset="0"/>
+                              </a:rPr>
+                              <m:t>𝑥</m:t>
+                            </m:r>
+                          </m:e>
+                          <m:sub>
+                            <m:r>
+                              <a:rPr lang="pt-BR" b="0" i="1" smtClean="0">
+                                <a:latin typeface="Cambria Math" panose="02040503050406030204" pitchFamily="18" charset="0"/>
+                              </a:rPr>
+                              <m:t>1</m:t>
+                            </m:r>
+                          </m:sub>
+                        </m:sSub>
+                      </m:oMath>
+                    </m:oMathPara>
+                  </a14:m>
+                  <a:endParaRPr lang="pt-BR" dirty="0"/>
+                </a:p>
+              </p:txBody>
+            </p:sp>
+          </mc:Choice>
+          <mc:Fallback>
+            <p:sp>
+              <p:nvSpPr>
+                <p:cNvPr id="100" name="CaixaDeTexto 99">
+                  <a:extLst>
+                    <a:ext uri="{FF2B5EF4-FFF2-40B4-BE49-F238E27FC236}">
+                      <a16:creationId xmlns:a16="http://schemas.microsoft.com/office/drawing/2014/main" id="{AD5E0809-3356-A3DD-6D00-6E07C31FC917}"/>
+                    </a:ext>
+                  </a:extLst>
+                </p:cNvPr>
+                <p:cNvSpPr txBox="1">
+                  <a:spLocks noRot="1" noChangeAspect="1" noMove="1" noResize="1" noEditPoints="1" noAdjustHandles="1" noChangeArrowheads="1" noChangeShapeType="1" noTextEdit="1"/>
+                </p:cNvSpPr>
+                <p:nvPr/>
+              </p:nvSpPr>
+              <p:spPr>
+                <a:xfrm>
+                  <a:off x="6494686" y="2878170"/>
+                  <a:ext cx="266702" cy="369332"/>
+                </a:xfrm>
+                <a:prstGeom prst="rect">
+                  <a:avLst/>
+                </a:prstGeom>
+                <a:blipFill>
+                  <a:blip r:embed="rId15"/>
+                  <a:stretch>
+                    <a:fillRect r="-36364"/>
+                  </a:stretch>
+                </a:blipFill>
+              </p:spPr>
+              <p:txBody>
+                <a:bodyPr/>
+                <a:lstStyle/>
+                <a:p>
+                  <a:r>
+                    <a:rPr lang="pt-BR">
+                      <a:noFill/>
+                    </a:rPr>
+                    <a:t> </a:t>
+                  </a:r>
+                </a:p>
+              </p:txBody>
+            </p:sp>
+          </mc:Fallback>
+        </mc:AlternateContent>
+        <mc:AlternateContent xmlns:mc="http://schemas.openxmlformats.org/markup-compatibility/2006">
+          <mc:Choice xmlns:a14="http://schemas.microsoft.com/office/drawing/2010/main" Requires="a14">
+            <p:sp>
+              <p:nvSpPr>
+                <p:cNvPr id="101" name="CaixaDeTexto 100">
+                  <a:extLst>
+                    <a:ext uri="{FF2B5EF4-FFF2-40B4-BE49-F238E27FC236}">
+                      <a16:creationId xmlns:a16="http://schemas.microsoft.com/office/drawing/2014/main" id="{B2289AB8-ADC6-7DB7-968B-7315291FE5DC}"/>
+                    </a:ext>
+                  </a:extLst>
+                </p:cNvPr>
+                <p:cNvSpPr txBox="1"/>
+                <p:nvPr/>
+              </p:nvSpPr>
+              <p:spPr>
+                <a:xfrm>
+                  <a:off x="6493051" y="4334781"/>
+                  <a:ext cx="266702" cy="369332"/>
+                </a:xfrm>
+                <a:prstGeom prst="rect">
+                  <a:avLst/>
+                </a:prstGeom>
+                <a:noFill/>
+              </p:spPr>
+              <p:txBody>
+                <a:bodyPr wrap="square" rtlCol="0">
+                  <a:spAutoFit/>
+                </a:bodyPr>
+                <a:lstStyle/>
+                <a:p>
+                  <a:pPr/>
+                  <a14:m>
+                    <m:oMathPara xmlns:m="http://schemas.openxmlformats.org/officeDocument/2006/math">
+                      <m:oMathParaPr>
+                        <m:jc m:val="centerGroup"/>
+                      </m:oMathParaPr>
+                      <m:oMath xmlns:m="http://schemas.openxmlformats.org/officeDocument/2006/math">
+                        <m:sSub>
+                          <m:sSubPr>
+                            <m:ctrlPr>
+                              <a:rPr lang="pt-BR" i="1" smtClean="0">
+                                <a:latin typeface="Cambria Math" panose="02040503050406030204" pitchFamily="18" charset="0"/>
+                              </a:rPr>
+                            </m:ctrlPr>
+                          </m:sSubPr>
+                          <m:e>
+                            <m:r>
+                              <a:rPr lang="pt-BR" b="0" i="1" smtClean="0">
+                                <a:latin typeface="Cambria Math" panose="02040503050406030204" pitchFamily="18" charset="0"/>
+                              </a:rPr>
+                              <m:t>𝑥</m:t>
+                            </m:r>
+                          </m:e>
+                          <m:sub>
+                            <m:r>
+                              <a:rPr lang="pt-BR" b="0" i="1" smtClean="0">
+                                <a:latin typeface="Cambria Math" panose="02040503050406030204" pitchFamily="18" charset="0"/>
+                              </a:rPr>
+                              <m:t>2</m:t>
+                            </m:r>
+                          </m:sub>
+                        </m:sSub>
+                      </m:oMath>
+                    </m:oMathPara>
+                  </a14:m>
+                  <a:endParaRPr lang="pt-BR" dirty="0"/>
+                </a:p>
+              </p:txBody>
+            </p:sp>
+          </mc:Choice>
+          <mc:Fallback>
+            <p:sp>
+              <p:nvSpPr>
+                <p:cNvPr id="101" name="CaixaDeTexto 100">
+                  <a:extLst>
+                    <a:ext uri="{FF2B5EF4-FFF2-40B4-BE49-F238E27FC236}">
+                      <a16:creationId xmlns:a16="http://schemas.microsoft.com/office/drawing/2014/main" id="{B2289AB8-ADC6-7DB7-968B-7315291FE5DC}"/>
+                    </a:ext>
+                  </a:extLst>
+                </p:cNvPr>
+                <p:cNvSpPr txBox="1">
+                  <a:spLocks noRot="1" noChangeAspect="1" noMove="1" noResize="1" noEditPoints="1" noAdjustHandles="1" noChangeArrowheads="1" noChangeShapeType="1" noTextEdit="1"/>
+                </p:cNvSpPr>
+                <p:nvPr/>
+              </p:nvSpPr>
+              <p:spPr>
+                <a:xfrm>
+                  <a:off x="6493051" y="4334781"/>
+                  <a:ext cx="266702" cy="369332"/>
+                </a:xfrm>
+                <a:prstGeom prst="rect">
+                  <a:avLst/>
+                </a:prstGeom>
+                <a:blipFill>
+                  <a:blip r:embed="rId16"/>
+                  <a:stretch>
+                    <a:fillRect r="-38636"/>
+                  </a:stretch>
+                </a:blipFill>
+              </p:spPr>
+              <p:txBody>
+                <a:bodyPr/>
+                <a:lstStyle/>
+                <a:p>
+                  <a:r>
+                    <a:rPr lang="pt-BR">
+                      <a:noFill/>
+                    </a:rPr>
+                    <a:t> </a:t>
+                  </a:r>
+                </a:p>
+              </p:txBody>
+            </p:sp>
+          </mc:Fallback>
+        </mc:AlternateContent>
+        <mc:AlternateContent xmlns:mc="http://schemas.openxmlformats.org/markup-compatibility/2006">
+          <mc:Choice xmlns:a14="http://schemas.microsoft.com/office/drawing/2010/main" Requires="a14">
+            <p:sp>
+              <p:nvSpPr>
+                <p:cNvPr id="102" name="CaixaDeTexto 101">
+                  <a:extLst>
+                    <a:ext uri="{FF2B5EF4-FFF2-40B4-BE49-F238E27FC236}">
+                      <a16:creationId xmlns:a16="http://schemas.microsoft.com/office/drawing/2014/main" id="{344A792F-E049-0E53-EE3D-F475D5B17512}"/>
+                    </a:ext>
+                  </a:extLst>
+                </p:cNvPr>
+                <p:cNvSpPr txBox="1"/>
+                <p:nvPr/>
+              </p:nvSpPr>
+              <p:spPr>
+                <a:xfrm>
+                  <a:off x="9840232" y="3333294"/>
+                  <a:ext cx="266702" cy="369332"/>
+                </a:xfrm>
+                <a:prstGeom prst="rect">
+                  <a:avLst/>
+                </a:prstGeom>
+                <a:noFill/>
+              </p:spPr>
+              <p:txBody>
+                <a:bodyPr wrap="square" rtlCol="0">
+                  <a:spAutoFit/>
+                </a:bodyPr>
+                <a:lstStyle/>
+                <a:p>
+                  <a:pPr/>
+                  <a14:m>
+                    <m:oMathPara xmlns:m="http://schemas.openxmlformats.org/officeDocument/2006/math">
+                      <m:oMathParaPr>
+                        <m:jc m:val="centerGroup"/>
+                      </m:oMathParaPr>
+                      <m:oMath xmlns:m="http://schemas.openxmlformats.org/officeDocument/2006/math">
+                        <m:sSub>
+                          <m:sSubPr>
+                            <m:ctrlPr>
+                              <a:rPr lang="pt-BR" i="1" smtClean="0">
+                                <a:latin typeface="Cambria Math" panose="02040503050406030204" pitchFamily="18" charset="0"/>
+                              </a:rPr>
+                            </m:ctrlPr>
+                          </m:sSubPr>
+                          <m:e>
+                            <m:acc>
+                              <m:accPr>
+                                <m:chr m:val="̂"/>
+                                <m:ctrlPr>
+                                  <a:rPr lang="pt-BR" i="1" smtClean="0">
+                                    <a:latin typeface="Cambria Math" panose="02040503050406030204" pitchFamily="18" charset="0"/>
+                                  </a:rPr>
+                                </m:ctrlPr>
+                              </m:accPr>
+                              <m:e>
+                                <m:r>
+                                  <a:rPr lang="pt-BR" b="0" i="1" smtClean="0">
+                                    <a:latin typeface="Cambria Math" panose="02040503050406030204" pitchFamily="18" charset="0"/>
+                                  </a:rPr>
+                                  <m:t>𝑦</m:t>
+                                </m:r>
+                              </m:e>
+                            </m:acc>
+                          </m:e>
+                          <m:sub>
+                            <m:r>
+                              <a:rPr lang="pt-BR" b="0" i="1" smtClean="0">
+                                <a:latin typeface="Cambria Math" panose="02040503050406030204" pitchFamily="18" charset="0"/>
+                              </a:rPr>
+                              <m:t>1</m:t>
+                            </m:r>
+                          </m:sub>
+                        </m:sSub>
+                      </m:oMath>
+                    </m:oMathPara>
+                  </a14:m>
+                  <a:endParaRPr lang="pt-BR" dirty="0"/>
+                </a:p>
+              </p:txBody>
+            </p:sp>
+          </mc:Choice>
+          <mc:Fallback>
+            <p:sp>
+              <p:nvSpPr>
+                <p:cNvPr id="102" name="CaixaDeTexto 101">
+                  <a:extLst>
+                    <a:ext uri="{FF2B5EF4-FFF2-40B4-BE49-F238E27FC236}">
+                      <a16:creationId xmlns:a16="http://schemas.microsoft.com/office/drawing/2014/main" id="{344A792F-E049-0E53-EE3D-F475D5B17512}"/>
+                    </a:ext>
+                  </a:extLst>
+                </p:cNvPr>
+                <p:cNvSpPr txBox="1">
+                  <a:spLocks noRot="1" noChangeAspect="1" noMove="1" noResize="1" noEditPoints="1" noAdjustHandles="1" noChangeArrowheads="1" noChangeShapeType="1" noTextEdit="1"/>
+                </p:cNvSpPr>
+                <p:nvPr/>
+              </p:nvSpPr>
+              <p:spPr>
+                <a:xfrm>
+                  <a:off x="9840232" y="3333294"/>
+                  <a:ext cx="266702" cy="369332"/>
+                </a:xfrm>
+                <a:prstGeom prst="rect">
+                  <a:avLst/>
+                </a:prstGeom>
+                <a:blipFill>
+                  <a:blip r:embed="rId17"/>
+                  <a:stretch>
+                    <a:fillRect t="-6667" r="-36364" b="-6667"/>
+                  </a:stretch>
+                </a:blipFill>
+              </p:spPr>
+              <p:txBody>
+                <a:bodyPr/>
+                <a:lstStyle/>
+                <a:p>
+                  <a:r>
+                    <a:rPr lang="pt-BR">
+                      <a:noFill/>
+                    </a:rPr>
+                    <a:t> </a:t>
+                  </a:r>
+                </a:p>
+              </p:txBody>
+            </p:sp>
+          </mc:Fallback>
+        </mc:AlternateContent>
+        <mc:AlternateContent xmlns:mc="http://schemas.openxmlformats.org/markup-compatibility/2006">
+          <mc:Choice xmlns:a14="http://schemas.microsoft.com/office/drawing/2010/main" Requires="a14">
+            <p:sp>
+              <p:nvSpPr>
+                <p:cNvPr id="103" name="CaixaDeTexto 102">
+                  <a:extLst>
+                    <a:ext uri="{FF2B5EF4-FFF2-40B4-BE49-F238E27FC236}">
+                      <a16:creationId xmlns:a16="http://schemas.microsoft.com/office/drawing/2014/main" id="{FD2CBAC9-99A3-157F-1312-DB88A85742B4}"/>
+                    </a:ext>
+                  </a:extLst>
+                </p:cNvPr>
+                <p:cNvSpPr txBox="1"/>
+                <p:nvPr/>
+              </p:nvSpPr>
+              <p:spPr>
+                <a:xfrm>
+                  <a:off x="9840232" y="4043787"/>
+                  <a:ext cx="266702" cy="369332"/>
+                </a:xfrm>
+                <a:prstGeom prst="rect">
+                  <a:avLst/>
+                </a:prstGeom>
+                <a:noFill/>
+              </p:spPr>
+              <p:txBody>
+                <a:bodyPr wrap="square" rtlCol="0">
+                  <a:spAutoFit/>
+                </a:bodyPr>
+                <a:lstStyle/>
+                <a:p>
+                  <a:pPr/>
+                  <a14:m>
+                    <m:oMathPara xmlns:m="http://schemas.openxmlformats.org/officeDocument/2006/math">
+                      <m:oMathParaPr>
+                        <m:jc m:val="centerGroup"/>
+                      </m:oMathParaPr>
+                      <m:oMath xmlns:m="http://schemas.openxmlformats.org/officeDocument/2006/math">
+                        <m:sSub>
+                          <m:sSubPr>
+                            <m:ctrlPr>
+                              <a:rPr lang="pt-BR" i="1" smtClean="0">
+                                <a:latin typeface="Cambria Math" panose="02040503050406030204" pitchFamily="18" charset="0"/>
+                              </a:rPr>
+                            </m:ctrlPr>
+                          </m:sSubPr>
+                          <m:e>
+                            <m:acc>
+                              <m:accPr>
+                                <m:chr m:val="̂"/>
+                                <m:ctrlPr>
+                                  <a:rPr lang="pt-BR" i="1" smtClean="0">
+                                    <a:latin typeface="Cambria Math" panose="02040503050406030204" pitchFamily="18" charset="0"/>
+                                  </a:rPr>
+                                </m:ctrlPr>
+                              </m:accPr>
+                              <m:e>
+                                <m:r>
+                                  <a:rPr lang="pt-BR" b="0" i="1" smtClean="0">
+                                    <a:latin typeface="Cambria Math" panose="02040503050406030204" pitchFamily="18" charset="0"/>
+                                  </a:rPr>
+                                  <m:t>𝑦</m:t>
+                                </m:r>
+                              </m:e>
+                            </m:acc>
+                          </m:e>
+                          <m:sub>
+                            <m:r>
+                              <a:rPr lang="pt-BR" b="0" i="1" smtClean="0">
+                                <a:latin typeface="Cambria Math" panose="02040503050406030204" pitchFamily="18" charset="0"/>
+                              </a:rPr>
+                              <m:t>2</m:t>
+                            </m:r>
+                          </m:sub>
+                        </m:sSub>
+                      </m:oMath>
+                    </m:oMathPara>
+                  </a14:m>
+                  <a:endParaRPr lang="pt-BR" dirty="0"/>
+                </a:p>
+              </p:txBody>
+            </p:sp>
+          </mc:Choice>
+          <mc:Fallback>
+            <p:sp>
+              <p:nvSpPr>
+                <p:cNvPr id="103" name="CaixaDeTexto 102">
+                  <a:extLst>
+                    <a:ext uri="{FF2B5EF4-FFF2-40B4-BE49-F238E27FC236}">
+                      <a16:creationId xmlns:a16="http://schemas.microsoft.com/office/drawing/2014/main" id="{FD2CBAC9-99A3-157F-1312-DB88A85742B4}"/>
+                    </a:ext>
+                  </a:extLst>
+                </p:cNvPr>
+                <p:cNvSpPr txBox="1">
+                  <a:spLocks noRot="1" noChangeAspect="1" noMove="1" noResize="1" noEditPoints="1" noAdjustHandles="1" noChangeArrowheads="1" noChangeShapeType="1" noTextEdit="1"/>
+                </p:cNvSpPr>
+                <p:nvPr/>
+              </p:nvSpPr>
+              <p:spPr>
+                <a:xfrm>
+                  <a:off x="9840232" y="4043787"/>
+                  <a:ext cx="266702" cy="369332"/>
+                </a:xfrm>
+                <a:prstGeom prst="rect">
+                  <a:avLst/>
+                </a:prstGeom>
+                <a:blipFill>
+                  <a:blip r:embed="rId18"/>
+                  <a:stretch>
+                    <a:fillRect t="-6557" r="-38636" b="-6557"/>
+                  </a:stretch>
+                </a:blipFill>
+              </p:spPr>
+              <p:txBody>
+                <a:bodyPr/>
+                <a:lstStyle/>
+                <a:p>
+                  <a:r>
+                    <a:rPr lang="pt-BR">
+                      <a:noFill/>
+                    </a:rPr>
+                    <a:t> </a:t>
+                  </a:r>
+                </a:p>
+              </p:txBody>
+            </p:sp>
+          </mc:Fallback>
+        </mc:AlternateContent>
+        <p:sp>
+          <p:nvSpPr>
+            <p:cNvPr id="104" name="Elipse 103">
+              <a:extLst>
+                <a:ext uri="{FF2B5EF4-FFF2-40B4-BE49-F238E27FC236}">
+                  <a16:creationId xmlns:a16="http://schemas.microsoft.com/office/drawing/2014/main" id="{92D367A2-BE39-951E-0428-D89C2E52E7A8}"/>
+                </a:ext>
+              </a:extLst>
+            </p:cNvPr>
+            <p:cNvSpPr/>
+            <p:nvPr/>
+          </p:nvSpPr>
+          <p:spPr>
+            <a:xfrm>
+              <a:off x="6543447" y="2946450"/>
+              <a:ext cx="288000" cy="288000"/>
+            </a:xfrm>
+            <a:prstGeom prst="ellipse">
+              <a:avLst/>
+            </a:prstGeom>
+            <a:noFill/>
+            <a:ln>
+              <a:solidFill>
+                <a:schemeClr val="tx1"/>
+              </a:solidFill>
+            </a:ln>
+          </p:spPr>
+          <p:style>
+            <a:lnRef idx="2">
+              <a:schemeClr val="accent1">
+                <a:shade val="15000"/>
+              </a:schemeClr>
+            </a:lnRef>
+            <a:fillRef idx="1">
+              <a:schemeClr val="accent1"/>
+            </a:fillRef>
+            <a:effectRef idx="0">
+              <a:schemeClr val="accent1"/>
+            </a:effectRef>
+            <a:fontRef idx="minor">
+              <a:schemeClr val="lt1"/>
+            </a:fontRef>
+          </p:style>
+          <p:txBody>
+            <a:bodyPr rtlCol="0" anchor="ctr"/>
+            <a:lstStyle/>
+            <a:p>
+              <a:pPr algn="ctr"/>
+              <a:endParaRPr lang="pt-BR" dirty="0"/>
+            </a:p>
+          </p:txBody>
+        </p:sp>
+        <p:sp>
+          <p:nvSpPr>
+            <p:cNvPr id="105" name="Elipse 104">
+              <a:extLst>
+                <a:ext uri="{FF2B5EF4-FFF2-40B4-BE49-F238E27FC236}">
+                  <a16:creationId xmlns:a16="http://schemas.microsoft.com/office/drawing/2014/main" id="{FBA11E4A-8876-5488-0071-96652745B611}"/>
+                </a:ext>
+              </a:extLst>
+            </p:cNvPr>
+            <p:cNvSpPr/>
+            <p:nvPr/>
+          </p:nvSpPr>
+          <p:spPr>
+            <a:xfrm>
+              <a:off x="6554874" y="4408071"/>
+              <a:ext cx="288000" cy="288000"/>
+            </a:xfrm>
+            <a:prstGeom prst="ellipse">
+              <a:avLst/>
+            </a:prstGeom>
+            <a:noFill/>
+            <a:ln>
+              <a:solidFill>
+                <a:schemeClr val="tx1"/>
+              </a:solidFill>
+            </a:ln>
+          </p:spPr>
+          <p:style>
+            <a:lnRef idx="2">
+              <a:schemeClr val="accent1">
+                <a:shade val="15000"/>
+              </a:schemeClr>
+            </a:lnRef>
+            <a:fillRef idx="1">
+              <a:schemeClr val="accent1"/>
+            </a:fillRef>
+            <a:effectRef idx="0">
+              <a:schemeClr val="accent1"/>
+            </a:effectRef>
+            <a:fontRef idx="minor">
+              <a:schemeClr val="lt1"/>
+            </a:fontRef>
+          </p:style>
+          <p:txBody>
+            <a:bodyPr rtlCol="0" anchor="ctr"/>
+            <a:lstStyle/>
+            <a:p>
+              <a:pPr algn="ctr"/>
+              <a:endParaRPr lang="pt-BR" dirty="0"/>
+            </a:p>
+          </p:txBody>
+        </p:sp>
       </p:grpSp>
     </p:spTree>
     <p:extLst>
@@ -53050,8 +55646,8 @@
           </p:sp>
         </mc:Fallback>
       </mc:AlternateContent>
-      <mc:AlternateContent xmlns:mc="http://schemas.openxmlformats.org/markup-compatibility/2006" xmlns:a14="http://schemas.microsoft.com/office/drawing/2010/main">
-        <mc:Choice Requires="a14">
+      <mc:AlternateContent xmlns:mc="http://schemas.openxmlformats.org/markup-compatibility/2006">
+        <mc:Choice xmlns:a14="http://schemas.microsoft.com/office/drawing/2010/main" Requires="a14">
           <p:sp>
             <p:nvSpPr>
               <p:cNvPr id="6" name="CaixaDeTexto 5">
@@ -53096,12 +55692,24 @@
                           </m:ctrlPr>
                         </m:sSubPr>
                         <m:e>
-                          <m:r>
-                            <a:rPr lang="pt-BR" b="0" i="1" smtClean="0">
-                              <a:latin typeface="Cambria Math" panose="02040503050406030204" pitchFamily="18" charset="0"/>
-                            </a:rPr>
-                            <m:t>𝑦</m:t>
-                          </m:r>
+                          <m:acc>
+                            <m:accPr>
+                              <m:chr m:val="̂"/>
+                              <m:ctrlPr>
+                                <a:rPr lang="pt-BR" i="1" smtClean="0">
+                                  <a:latin typeface="Cambria Math" panose="02040503050406030204" pitchFamily="18" charset="0"/>
+                                </a:rPr>
+                              </m:ctrlPr>
+                            </m:accPr>
+                            <m:e>
+                              <m:r>
+                                <a:rPr lang="pt-BR" b="0" i="1" smtClean="0">
+                                  <a:latin typeface="Cambria Math" panose="02040503050406030204" pitchFamily="18" charset="0"/>
+                                </a:rPr>
+                                <m:t>𝑦</m:t>
+                              </m:r>
+                            </m:e>
+                          </m:acc>
                         </m:e>
                         <m:sub>
                           <m:r>
@@ -53120,7 +55728,7 @@
             </p:txBody>
           </p:sp>
         </mc:Choice>
-        <mc:Fallback xmlns="">
+        <mc:Fallback>
           <p:sp>
             <p:nvSpPr>
               <p:cNvPr id="6" name="CaixaDeTexto 5">
@@ -53146,7 +55754,7 @@
               <a:blipFill>
                 <a:blip r:embed="rId4"/>
                 <a:stretch>
-                  <a:fillRect r="-36364" b="-6667"/>
+                  <a:fillRect t="-6667" r="-36364" b="-6667"/>
                 </a:stretch>
               </a:blipFill>
             </p:spPr>
@@ -53165,8 +55773,8 @@
           </p:sp>
         </mc:Fallback>
       </mc:AlternateContent>
-      <mc:AlternateContent xmlns:mc="http://schemas.openxmlformats.org/markup-compatibility/2006" xmlns:a14="http://schemas.microsoft.com/office/drawing/2010/main">
-        <mc:Choice Requires="a14">
+      <mc:AlternateContent xmlns:mc="http://schemas.openxmlformats.org/markup-compatibility/2006">
+        <mc:Choice xmlns:a14="http://schemas.microsoft.com/office/drawing/2010/main" Requires="a14">
           <p:sp>
             <p:nvSpPr>
               <p:cNvPr id="7" name="CaixaDeTexto 6">
@@ -53211,12 +55819,24 @@
                           </m:ctrlPr>
                         </m:sSubPr>
                         <m:e>
-                          <m:r>
-                            <a:rPr lang="pt-BR" b="0" i="1" smtClean="0">
-                              <a:latin typeface="Cambria Math" panose="02040503050406030204" pitchFamily="18" charset="0"/>
-                            </a:rPr>
-                            <m:t>𝑦</m:t>
-                          </m:r>
+                          <m:acc>
+                            <m:accPr>
+                              <m:chr m:val="̂"/>
+                              <m:ctrlPr>
+                                <a:rPr lang="pt-BR" i="1" smtClean="0">
+                                  <a:latin typeface="Cambria Math" panose="02040503050406030204" pitchFamily="18" charset="0"/>
+                                </a:rPr>
+                              </m:ctrlPr>
+                            </m:accPr>
+                            <m:e>
+                              <m:r>
+                                <a:rPr lang="pt-BR" b="0" i="1" smtClean="0">
+                                  <a:latin typeface="Cambria Math" panose="02040503050406030204" pitchFamily="18" charset="0"/>
+                                </a:rPr>
+                                <m:t>𝑦</m:t>
+                              </m:r>
+                            </m:e>
+                          </m:acc>
                         </m:e>
                         <m:sub>
                           <m:r>
@@ -53235,7 +55855,7 @@
             </p:txBody>
           </p:sp>
         </mc:Choice>
-        <mc:Fallback xmlns="">
+        <mc:Fallback>
           <p:sp>
             <p:nvSpPr>
               <p:cNvPr id="7" name="CaixaDeTexto 6">
@@ -53261,7 +55881,7 @@
               <a:blipFill>
                 <a:blip r:embed="rId5"/>
                 <a:stretch>
-                  <a:fillRect r="-38636" b="-6557"/>
+                  <a:fillRect t="-6557" r="-38636" b="-6557"/>
                 </a:stretch>
               </a:blipFill>
             </p:spPr>
@@ -53280,6 +55900,110 @@
           </p:sp>
         </mc:Fallback>
       </mc:AlternateContent>
+      <p:sp>
+        <p:nvSpPr>
+          <p:cNvPr id="4" name="Elipse 3">
+            <a:extLst>
+              <a:ext uri="{FF2B5EF4-FFF2-40B4-BE49-F238E27FC236}">
+                <a16:creationId xmlns:a16="http://schemas.microsoft.com/office/drawing/2014/main" id="{1F135C18-EBA0-AC37-FF53-37F617F8BF86}"/>
+              </a:ext>
+            </a:extLst>
+          </p:cNvPr>
+          <p:cNvSpPr/>
+          <p:nvPr/>
+        </p:nvSpPr>
+        <p:spPr>
+          <a:xfrm>
+            <a:off x="971322" y="3042545"/>
+            <a:ext cx="288000" cy="288000"/>
+          </a:xfrm>
+          <a:prstGeom prst="ellipse">
+            <a:avLst/>
+          </a:prstGeom>
+          <a:noFill/>
+          <a:ln>
+            <a:solidFill>
+              <a:schemeClr val="tx1"/>
+            </a:solidFill>
+          </a:ln>
+        </p:spPr>
+        <p:style>
+          <a:lnRef idx="2">
+            <a:schemeClr val="accent1">
+              <a:shade val="15000"/>
+            </a:schemeClr>
+          </a:lnRef>
+          <a:fillRef idx="1">
+            <a:schemeClr val="accent1"/>
+          </a:fillRef>
+          <a:effectRef idx="0">
+            <a:schemeClr val="accent1"/>
+          </a:effectRef>
+          <a:fontRef idx="minor">
+            <a:schemeClr val="lt1"/>
+          </a:fontRef>
+        </p:style>
+        <p:txBody>
+          <a:bodyPr rtlCol="0" anchor="ctr"/>
+          <a:lstStyle/>
+          <a:p>
+            <a:pPr algn="ctr"/>
+            <a:endParaRPr lang="pt-BR" dirty="0"/>
+          </a:p>
+        </p:txBody>
+      </p:sp>
+      <p:sp>
+        <p:nvSpPr>
+          <p:cNvPr id="5" name="Elipse 4">
+            <a:extLst>
+              <a:ext uri="{FF2B5EF4-FFF2-40B4-BE49-F238E27FC236}">
+                <a16:creationId xmlns:a16="http://schemas.microsoft.com/office/drawing/2014/main" id="{E56C044B-1686-AD12-9440-C64E44FD6EF2}"/>
+              </a:ext>
+            </a:extLst>
+          </p:cNvPr>
+          <p:cNvSpPr/>
+          <p:nvPr/>
+        </p:nvSpPr>
+        <p:spPr>
+          <a:xfrm>
+            <a:off x="982749" y="4504166"/>
+            <a:ext cx="288000" cy="288000"/>
+          </a:xfrm>
+          <a:prstGeom prst="ellipse">
+            <a:avLst/>
+          </a:prstGeom>
+          <a:noFill/>
+          <a:ln>
+            <a:solidFill>
+              <a:schemeClr val="tx1"/>
+            </a:solidFill>
+          </a:ln>
+        </p:spPr>
+        <p:style>
+          <a:lnRef idx="2">
+            <a:schemeClr val="accent1">
+              <a:shade val="15000"/>
+            </a:schemeClr>
+          </a:lnRef>
+          <a:fillRef idx="1">
+            <a:schemeClr val="accent1"/>
+          </a:fillRef>
+          <a:effectRef idx="0">
+            <a:schemeClr val="accent1"/>
+          </a:effectRef>
+          <a:fontRef idx="minor">
+            <a:schemeClr val="lt1"/>
+          </a:fontRef>
+        </p:style>
+        <p:txBody>
+          <a:bodyPr rtlCol="0" anchor="ctr"/>
+          <a:lstStyle/>
+          <a:p>
+            <a:pPr algn="ctr"/>
+            <a:endParaRPr lang="pt-BR" dirty="0"/>
+          </a:p>
+        </p:txBody>
+      </p:sp>
     </p:spTree>
     <p:extLst>
       <p:ext uri="{BB962C8B-B14F-4D97-AF65-F5344CB8AC3E}">
@@ -53356,12 +56080,14 @@
         </p:nvSpPr>
         <p:spPr>
           <a:xfrm>
-            <a:off x="6324600" y="1825624"/>
-            <a:ext cx="5704114" cy="5032371"/>
+            <a:off x="5876925" y="1825624"/>
+            <a:ext cx="6151789" cy="5032371"/>
           </a:xfrm>
         </p:spPr>
         <p:txBody>
-          <a:bodyPr/>
+          <a:bodyPr>
+            <a:normAutofit lnSpcReduction="10000"/>
+          </a:bodyPr>
           <a:lstStyle/>
           <a:p>
             <a:r>
@@ -53421,6 +56147,56 @@
             <a:r>
               <a:rPr lang="pt-BR" dirty="0"/>
               <a:t>.</a:t>
+            </a:r>
+          </a:p>
+          <a:p>
+            <a:r>
+              <a:rPr lang="pt-BR" b="1" dirty="0"/>
+              <a:t>OBS</a:t>
+            </a:r>
+            <a:r>
+              <a:rPr lang="pt-BR" dirty="0"/>
+              <a:t>.: alguns autores chamam o ponto de transferência dos atributos para a rede de </a:t>
+            </a:r>
+            <a:r>
+              <a:rPr lang="pt-BR" b="1" i="1" dirty="0"/>
+              <a:t>camada de entrada</a:t>
+            </a:r>
+            <a:r>
+              <a:rPr lang="pt-BR" dirty="0"/>
+              <a:t> (retângulo com linha tracejada).</a:t>
+            </a:r>
+          </a:p>
+          <a:p>
+            <a:pPr lvl="1">
+              <a:buFont typeface="Wingdings" panose="05000000000000000000" pitchFamily="2" charset="2"/>
+              <a:buChar char="§"/>
+            </a:pPr>
+            <a:r>
+              <a:rPr lang="pt-BR" dirty="0"/>
+              <a:t>Essa camada </a:t>
+            </a:r>
+            <a:r>
+              <a:rPr lang="pt-BR" b="1" i="1" dirty="0">
+                <a:solidFill>
+                  <a:srgbClr val="7030A0"/>
+                </a:solidFill>
+              </a:rPr>
+              <a:t>não tem pesos</a:t>
+            </a:r>
+            <a:r>
+              <a:rPr lang="pt-BR" dirty="0"/>
+              <a:t>.</a:t>
+            </a:r>
+          </a:p>
+          <a:p>
+            <a:pPr lvl="1">
+              <a:buFont typeface="Wingdings" panose="05000000000000000000" pitchFamily="2" charset="2"/>
+              <a:buChar char="§"/>
+            </a:pPr>
+            <a:r>
+              <a:rPr lang="pt-BR" dirty="0"/>
+              <a:t>Ela normalmente é usada para aplicar transformações de dimensão aos dados de entrada.</a:t>
             </a:r>
           </a:p>
         </p:txBody>
@@ -55524,14 +58300,312 @@
           </p:sp>
         </mc:Fallback>
       </mc:AlternateContent>
-      <mc:AlternateContent xmlns:mc="http://schemas.openxmlformats.org/markup-compatibility/2006" xmlns:a14="http://schemas.microsoft.com/office/drawing/2010/main">
-        <mc:Choice Requires="a14">
+      <p:sp>
+        <p:nvSpPr>
+          <p:cNvPr id="25" name="Elipse 24">
+            <a:extLst>
+              <a:ext uri="{FF2B5EF4-FFF2-40B4-BE49-F238E27FC236}">
+                <a16:creationId xmlns:a16="http://schemas.microsoft.com/office/drawing/2014/main" id="{4A72235F-06A5-72E6-4831-76E07184F830}"/>
+              </a:ext>
+            </a:extLst>
+          </p:cNvPr>
+          <p:cNvSpPr/>
+          <p:nvPr/>
+        </p:nvSpPr>
+        <p:spPr>
+          <a:xfrm>
+            <a:off x="971322" y="3042545"/>
+            <a:ext cx="288000" cy="288000"/>
+          </a:xfrm>
+          <a:prstGeom prst="ellipse">
+            <a:avLst/>
+          </a:prstGeom>
+          <a:noFill/>
+          <a:ln>
+            <a:solidFill>
+              <a:schemeClr val="tx1"/>
+            </a:solidFill>
+          </a:ln>
+        </p:spPr>
+        <p:style>
+          <a:lnRef idx="2">
+            <a:schemeClr val="accent1">
+              <a:shade val="15000"/>
+            </a:schemeClr>
+          </a:lnRef>
+          <a:fillRef idx="1">
+            <a:schemeClr val="accent1"/>
+          </a:fillRef>
+          <a:effectRef idx="0">
+            <a:schemeClr val="accent1"/>
+          </a:effectRef>
+          <a:fontRef idx="minor">
+            <a:schemeClr val="lt1"/>
+          </a:fontRef>
+        </p:style>
+        <p:txBody>
+          <a:bodyPr rtlCol="0" anchor="ctr"/>
+          <a:lstStyle/>
+          <a:p>
+            <a:pPr algn="ctr"/>
+            <a:endParaRPr lang="pt-BR" dirty="0"/>
+          </a:p>
+        </p:txBody>
+      </p:sp>
+      <p:sp>
+        <p:nvSpPr>
+          <p:cNvPr id="27" name="Elipse 26">
+            <a:extLst>
+              <a:ext uri="{FF2B5EF4-FFF2-40B4-BE49-F238E27FC236}">
+                <a16:creationId xmlns:a16="http://schemas.microsoft.com/office/drawing/2014/main" id="{54A7599E-0CD1-D964-1FDD-2405235F8AC7}"/>
+              </a:ext>
+            </a:extLst>
+          </p:cNvPr>
+          <p:cNvSpPr/>
+          <p:nvPr/>
+        </p:nvSpPr>
+        <p:spPr>
+          <a:xfrm>
+            <a:off x="982749" y="4504166"/>
+            <a:ext cx="288000" cy="288000"/>
+          </a:xfrm>
+          <a:prstGeom prst="ellipse">
+            <a:avLst/>
+          </a:prstGeom>
+          <a:noFill/>
+          <a:ln>
+            <a:solidFill>
+              <a:schemeClr val="tx1"/>
+            </a:solidFill>
+          </a:ln>
+        </p:spPr>
+        <p:style>
+          <a:lnRef idx="2">
+            <a:schemeClr val="accent1">
+              <a:shade val="15000"/>
+            </a:schemeClr>
+          </a:lnRef>
+          <a:fillRef idx="1">
+            <a:schemeClr val="accent1"/>
+          </a:fillRef>
+          <a:effectRef idx="0">
+            <a:schemeClr val="accent1"/>
+          </a:effectRef>
+          <a:fontRef idx="minor">
+            <a:schemeClr val="lt1"/>
+          </a:fontRef>
+        </p:style>
+        <p:txBody>
+          <a:bodyPr rtlCol="0" anchor="ctr"/>
+          <a:lstStyle/>
+          <a:p>
+            <a:pPr algn="ctr"/>
+            <a:endParaRPr lang="pt-BR" dirty="0"/>
+          </a:p>
+        </p:txBody>
+      </p:sp>
+      <p:sp>
+        <p:nvSpPr>
+          <p:cNvPr id="33" name="CaixaDeTexto 32">
+            <a:extLst>
+              <a:ext uri="{FF2B5EF4-FFF2-40B4-BE49-F238E27FC236}">
+                <a16:creationId xmlns:a16="http://schemas.microsoft.com/office/drawing/2014/main" id="{F9C57C19-0BBE-2AB6-3C95-ADFF497C51CE}"/>
+              </a:ext>
+            </a:extLst>
+          </p:cNvPr>
+          <p:cNvSpPr txBox="1"/>
+          <p:nvPr/>
+        </p:nvSpPr>
+        <p:spPr>
+          <a:xfrm>
+            <a:off x="636820" y="4923257"/>
+            <a:ext cx="868135" cy="461665"/>
+          </a:xfrm>
+          <a:prstGeom prst="rect">
+            <a:avLst/>
+          </a:prstGeom>
+          <a:noFill/>
+        </p:spPr>
+        <p:txBody>
+          <a:bodyPr wrap="square" rtlCol="0">
+            <a:spAutoFit/>
+          </a:bodyPr>
+          <a:lstStyle/>
+          <a:p>
+            <a:pPr algn="ctr"/>
+            <a:r>
+              <a:rPr lang="pt-BR" sz="1200" dirty="0"/>
+              <a:t>Camada de entrada</a:t>
+            </a:r>
+          </a:p>
+        </p:txBody>
+      </p:sp>
+      <p:sp>
+        <p:nvSpPr>
+          <p:cNvPr id="35" name="CaixaDeTexto 34">
+            <a:extLst>
+              <a:ext uri="{FF2B5EF4-FFF2-40B4-BE49-F238E27FC236}">
+                <a16:creationId xmlns:a16="http://schemas.microsoft.com/office/drawing/2014/main" id="{D12B8537-06FD-1DF1-4C26-22520B2ED217}"/>
+              </a:ext>
+            </a:extLst>
+          </p:cNvPr>
+          <p:cNvSpPr txBox="1"/>
+          <p:nvPr/>
+        </p:nvSpPr>
+        <p:spPr>
+          <a:xfrm>
+            <a:off x="1398812" y="5103167"/>
+            <a:ext cx="868135" cy="461665"/>
+          </a:xfrm>
+          <a:prstGeom prst="rect">
+            <a:avLst/>
+          </a:prstGeom>
+          <a:noFill/>
+        </p:spPr>
+        <p:txBody>
+          <a:bodyPr wrap="square" rtlCol="0">
+            <a:spAutoFit/>
+          </a:bodyPr>
+          <a:lstStyle/>
+          <a:p>
+            <a:pPr algn="ctr"/>
+            <a:r>
+              <a:rPr lang="pt-BR" sz="1200" dirty="0"/>
+              <a:t>Camada oculta</a:t>
+            </a:r>
+          </a:p>
+        </p:txBody>
+      </p:sp>
+      <p:sp>
+        <p:nvSpPr>
+          <p:cNvPr id="37" name="CaixaDeTexto 36">
+            <a:extLst>
+              <a:ext uri="{FF2B5EF4-FFF2-40B4-BE49-F238E27FC236}">
+                <a16:creationId xmlns:a16="http://schemas.microsoft.com/office/drawing/2014/main" id="{18412503-74D0-1BF9-2713-76D63C32EA4F}"/>
+              </a:ext>
+            </a:extLst>
+          </p:cNvPr>
+          <p:cNvSpPr txBox="1"/>
+          <p:nvPr/>
+        </p:nvSpPr>
+        <p:spPr>
+          <a:xfrm>
+            <a:off x="3282043" y="4694586"/>
+            <a:ext cx="868135" cy="461665"/>
+          </a:xfrm>
+          <a:prstGeom prst="rect">
+            <a:avLst/>
+          </a:prstGeom>
+          <a:noFill/>
+        </p:spPr>
+        <p:txBody>
+          <a:bodyPr wrap="square" rtlCol="0">
+            <a:spAutoFit/>
+          </a:bodyPr>
+          <a:lstStyle/>
+          <a:p>
+            <a:pPr algn="ctr"/>
+            <a:r>
+              <a:rPr lang="pt-BR" sz="1200" dirty="0"/>
+              <a:t>Camada de saída</a:t>
+            </a:r>
+          </a:p>
+        </p:txBody>
+      </p:sp>
+      <p:sp>
+        <p:nvSpPr>
+          <p:cNvPr id="39" name="Retângulo 38">
+            <a:extLst>
+              <a:ext uri="{FF2B5EF4-FFF2-40B4-BE49-F238E27FC236}">
+                <a16:creationId xmlns:a16="http://schemas.microsoft.com/office/drawing/2014/main" id="{F0CB5E18-0EA8-FFA4-F5CE-E93717D209E8}"/>
+              </a:ext>
+            </a:extLst>
+          </p:cNvPr>
+          <p:cNvSpPr/>
+          <p:nvPr/>
+        </p:nvSpPr>
+        <p:spPr>
+          <a:xfrm>
+            <a:off x="920926" y="2974265"/>
+            <a:ext cx="390805" cy="1940635"/>
+          </a:xfrm>
+          <a:prstGeom prst="rect">
+            <a:avLst/>
+          </a:prstGeom>
+          <a:noFill/>
+          <a:ln>
+            <a:prstDash val="dash"/>
+          </a:ln>
+        </p:spPr>
+        <p:style>
+          <a:lnRef idx="2">
+            <a:schemeClr val="accent1">
+              <a:shade val="15000"/>
+            </a:schemeClr>
+          </a:lnRef>
+          <a:fillRef idx="1">
+            <a:schemeClr val="accent1"/>
+          </a:fillRef>
+          <a:effectRef idx="0">
+            <a:schemeClr val="accent1"/>
+          </a:effectRef>
+          <a:fontRef idx="minor">
+            <a:schemeClr val="lt1"/>
+          </a:fontRef>
+        </p:style>
+        <p:txBody>
+          <a:bodyPr rtlCol="0" anchor="ctr"/>
+          <a:lstStyle/>
+          <a:p>
+            <a:pPr algn="ctr"/>
+            <a:endParaRPr lang="pt-BR" dirty="0"/>
+          </a:p>
+        </p:txBody>
+      </p:sp>
+      <p:sp>
+        <p:nvSpPr>
+          <p:cNvPr id="41" name="CaixaDeTexto 40">
+            <a:extLst>
+              <a:ext uri="{FF2B5EF4-FFF2-40B4-BE49-F238E27FC236}">
+                <a16:creationId xmlns:a16="http://schemas.microsoft.com/office/drawing/2014/main" id="{4E55CAF1-5491-C8C3-5CE3-71DED24B384F}"/>
+              </a:ext>
+            </a:extLst>
+          </p:cNvPr>
+          <p:cNvSpPr txBox="1"/>
+          <p:nvPr/>
+        </p:nvSpPr>
+        <p:spPr>
+          <a:xfrm>
+            <a:off x="2341787" y="5428874"/>
+            <a:ext cx="868135" cy="461665"/>
+          </a:xfrm>
+          <a:prstGeom prst="rect">
+            <a:avLst/>
+          </a:prstGeom>
+          <a:noFill/>
+        </p:spPr>
+        <p:txBody>
+          <a:bodyPr wrap="square" rtlCol="0">
+            <a:spAutoFit/>
+          </a:bodyPr>
+          <a:lstStyle/>
+          <a:p>
+            <a:pPr algn="ctr"/>
+            <a:r>
+              <a:rPr lang="pt-BR" sz="1200" dirty="0"/>
+              <a:t>Camada oculta</a:t>
+            </a:r>
+          </a:p>
+        </p:txBody>
+      </p:sp>
+      <mc:AlternateContent xmlns:mc="http://schemas.openxmlformats.org/markup-compatibility/2006">
+        <mc:Choice xmlns:a14="http://schemas.microsoft.com/office/drawing/2010/main" Requires="a14">
           <p:sp>
             <p:nvSpPr>
-              <p:cNvPr id="29" name="CaixaDeTexto 28">
+              <p:cNvPr id="43" name="CaixaDeTexto 42">
                 <a:extLst>
                   <a:ext uri="{FF2B5EF4-FFF2-40B4-BE49-F238E27FC236}">
-                    <a16:creationId xmlns:a16="http://schemas.microsoft.com/office/drawing/2014/main" id="{00D4E166-1E6B-E6D5-E031-F93FB83A0DA4}"/>
+                    <a16:creationId xmlns:a16="http://schemas.microsoft.com/office/drawing/2014/main" id="{266512D1-A6D4-405C-9BC3-AC9FBE1D9028}"/>
                   </a:ext>
                 </a:extLst>
               </p:cNvPr>
@@ -55540,7 +58614,7 @@
             </p:nvSpPr>
             <p:spPr>
               <a:xfrm>
-                <a:off x="4261760" y="3429000"/>
+                <a:off x="4268107" y="3429389"/>
                 <a:ext cx="266702" cy="369332"/>
               </a:xfrm>
               <a:prstGeom prst="rect">
@@ -55570,12 +58644,24 @@
                           </m:ctrlPr>
                         </m:sSubPr>
                         <m:e>
-                          <m:r>
-                            <a:rPr lang="pt-BR" b="0" i="1" smtClean="0">
-                              <a:latin typeface="Cambria Math" panose="02040503050406030204" pitchFamily="18" charset="0"/>
-                            </a:rPr>
-                            <m:t>𝑦</m:t>
-                          </m:r>
+                          <m:acc>
+                            <m:accPr>
+                              <m:chr m:val="̂"/>
+                              <m:ctrlPr>
+                                <a:rPr lang="pt-BR" i="1" smtClean="0">
+                                  <a:latin typeface="Cambria Math" panose="02040503050406030204" pitchFamily="18" charset="0"/>
+                                </a:rPr>
+                              </m:ctrlPr>
+                            </m:accPr>
+                            <m:e>
+                              <m:r>
+                                <a:rPr lang="pt-BR" b="0" i="1" smtClean="0">
+                                  <a:latin typeface="Cambria Math" panose="02040503050406030204" pitchFamily="18" charset="0"/>
+                                </a:rPr>
+                                <m:t>𝑦</m:t>
+                              </m:r>
+                            </m:e>
+                          </m:acc>
                         </m:e>
                         <m:sub>
                           <m:r>
@@ -55594,13 +58680,13 @@
             </p:txBody>
           </p:sp>
         </mc:Choice>
-        <mc:Fallback xmlns="">
+        <mc:Fallback>
           <p:sp>
             <p:nvSpPr>
-              <p:cNvPr id="29" name="CaixaDeTexto 28">
+              <p:cNvPr id="43" name="CaixaDeTexto 42">
                 <a:extLst>
                   <a:ext uri="{FF2B5EF4-FFF2-40B4-BE49-F238E27FC236}">
-                    <a16:creationId xmlns:a16="http://schemas.microsoft.com/office/drawing/2014/main" id="{00D4E166-1E6B-E6D5-E031-F93FB83A0DA4}"/>
+                    <a16:creationId xmlns:a16="http://schemas.microsoft.com/office/drawing/2014/main" id="{266512D1-A6D4-405C-9BC3-AC9FBE1D9028}"/>
                   </a:ext>
                 </a:extLst>
               </p:cNvPr>
@@ -55611,7 +58697,7 @@
             </p:nvSpPr>
             <p:spPr>
               <a:xfrm>
-                <a:off x="4261760" y="3429000"/>
+                <a:off x="4268107" y="3429389"/>
                 <a:ext cx="266702" cy="369332"/>
               </a:xfrm>
               <a:prstGeom prst="rect">
@@ -55620,7 +58706,7 @@
               <a:blipFill>
                 <a:blip r:embed="rId4"/>
                 <a:stretch>
-                  <a:fillRect r="-36364" b="-6667"/>
+                  <a:fillRect t="-6667" r="-36364" b="-6667"/>
                 </a:stretch>
               </a:blipFill>
             </p:spPr>
@@ -55639,14 +58725,14 @@
           </p:sp>
         </mc:Fallback>
       </mc:AlternateContent>
-      <mc:AlternateContent xmlns:mc="http://schemas.openxmlformats.org/markup-compatibility/2006" xmlns:a14="http://schemas.microsoft.com/office/drawing/2010/main">
-        <mc:Choice Requires="a14">
+      <mc:AlternateContent xmlns:mc="http://schemas.openxmlformats.org/markup-compatibility/2006">
+        <mc:Choice xmlns:a14="http://schemas.microsoft.com/office/drawing/2010/main" Requires="a14">
           <p:sp>
             <p:nvSpPr>
-              <p:cNvPr id="31" name="CaixaDeTexto 30">
+              <p:cNvPr id="45" name="CaixaDeTexto 44">
                 <a:extLst>
                   <a:ext uri="{FF2B5EF4-FFF2-40B4-BE49-F238E27FC236}">
-                    <a16:creationId xmlns:a16="http://schemas.microsoft.com/office/drawing/2014/main" id="{B5725D21-137D-3E16-180E-D723080FD984}"/>
+                    <a16:creationId xmlns:a16="http://schemas.microsoft.com/office/drawing/2014/main" id="{E0690722-A566-179D-1352-330E6151F3AA}"/>
                   </a:ext>
                 </a:extLst>
               </p:cNvPr>
@@ -55655,7 +58741,7 @@
             </p:nvSpPr>
             <p:spPr>
               <a:xfrm>
-                <a:off x="4261760" y="4139493"/>
+                <a:off x="4268107" y="4139882"/>
                 <a:ext cx="266702" cy="369332"/>
               </a:xfrm>
               <a:prstGeom prst="rect">
@@ -55685,12 +58771,24 @@
                           </m:ctrlPr>
                         </m:sSubPr>
                         <m:e>
-                          <m:r>
-                            <a:rPr lang="pt-BR" b="0" i="1" smtClean="0">
-                              <a:latin typeface="Cambria Math" panose="02040503050406030204" pitchFamily="18" charset="0"/>
-                            </a:rPr>
-                            <m:t>𝑦</m:t>
-                          </m:r>
+                          <m:acc>
+                            <m:accPr>
+                              <m:chr m:val="̂"/>
+                              <m:ctrlPr>
+                                <a:rPr lang="pt-BR" i="1" smtClean="0">
+                                  <a:latin typeface="Cambria Math" panose="02040503050406030204" pitchFamily="18" charset="0"/>
+                                </a:rPr>
+                              </m:ctrlPr>
+                            </m:accPr>
+                            <m:e>
+                              <m:r>
+                                <a:rPr lang="pt-BR" b="0" i="1" smtClean="0">
+                                  <a:latin typeface="Cambria Math" panose="02040503050406030204" pitchFamily="18" charset="0"/>
+                                </a:rPr>
+                                <m:t>𝑦</m:t>
+                              </m:r>
+                            </m:e>
+                          </m:acc>
                         </m:e>
                         <m:sub>
                           <m:r>
@@ -55709,13 +58807,13 @@
             </p:txBody>
           </p:sp>
         </mc:Choice>
-        <mc:Fallback xmlns="">
+        <mc:Fallback>
           <p:sp>
             <p:nvSpPr>
-              <p:cNvPr id="31" name="CaixaDeTexto 30">
+              <p:cNvPr id="45" name="CaixaDeTexto 44">
                 <a:extLst>
                   <a:ext uri="{FF2B5EF4-FFF2-40B4-BE49-F238E27FC236}">
-                    <a16:creationId xmlns:a16="http://schemas.microsoft.com/office/drawing/2014/main" id="{B5725D21-137D-3E16-180E-D723080FD984}"/>
+                    <a16:creationId xmlns:a16="http://schemas.microsoft.com/office/drawing/2014/main" id="{E0690722-A566-179D-1352-330E6151F3AA}"/>
                   </a:ext>
                 </a:extLst>
               </p:cNvPr>
@@ -55726,7 +58824,7 @@
             </p:nvSpPr>
             <p:spPr>
               <a:xfrm>
-                <a:off x="4261760" y="4139493"/>
+                <a:off x="4268107" y="4139882"/>
                 <a:ext cx="266702" cy="369332"/>
               </a:xfrm>
               <a:prstGeom prst="rect">
@@ -55735,7 +58833,7 @@
               <a:blipFill>
                 <a:blip r:embed="rId5"/>
                 <a:stretch>
-                  <a:fillRect r="-38636" b="-6557"/>
+                  <a:fillRect t="-6557" r="-38636" b="-6557"/>
                 </a:stretch>
               </a:blipFill>
             </p:spPr>
